--- a/obras/static/ppt/HIPERVINCULO_POR_SECTOR.pptx
+++ b/obras/static/ppt/HIPERVINCULO_POR_SECTOR.pptx
@@ -5,10 +5,10 @@
     <p:sldMasterId id="2147483648" r:id="rId1"/>
   </p:sldMasterIdLst>
   <p:notesMasterIdLst>
-    <p:notesMasterId r:id="rId32"/>
+    <p:notesMasterId r:id="rId34"/>
   </p:notesMasterIdLst>
   <p:handoutMasterIdLst>
-    <p:handoutMasterId r:id="rId33"/>
+    <p:handoutMasterId r:id="rId35"/>
   </p:handoutMasterIdLst>
   <p:sldIdLst>
     <p:sldId id="256" r:id="rId2"/>
@@ -27,20 +27,22 @@
     <p:sldId id="275" r:id="rId15"/>
     <p:sldId id="277" r:id="rId16"/>
     <p:sldId id="278" r:id="rId17"/>
-    <p:sldId id="279" r:id="rId18"/>
-    <p:sldId id="280" r:id="rId19"/>
-    <p:sldId id="282" r:id="rId20"/>
-    <p:sldId id="283" r:id="rId21"/>
-    <p:sldId id="290" r:id="rId22"/>
-    <p:sldId id="291" r:id="rId23"/>
-    <p:sldId id="292" r:id="rId24"/>
-    <p:sldId id="293" r:id="rId25"/>
-    <p:sldId id="294" r:id="rId26"/>
-    <p:sldId id="295" r:id="rId27"/>
-    <p:sldId id="297" r:id="rId28"/>
-    <p:sldId id="298" r:id="rId29"/>
-    <p:sldId id="300" r:id="rId30"/>
-    <p:sldId id="301" r:id="rId31"/>
+    <p:sldId id="304" r:id="rId18"/>
+    <p:sldId id="305" r:id="rId19"/>
+    <p:sldId id="279" r:id="rId20"/>
+    <p:sldId id="280" r:id="rId21"/>
+    <p:sldId id="282" r:id="rId22"/>
+    <p:sldId id="283" r:id="rId23"/>
+    <p:sldId id="290" r:id="rId24"/>
+    <p:sldId id="291" r:id="rId25"/>
+    <p:sldId id="292" r:id="rId26"/>
+    <p:sldId id="293" r:id="rId27"/>
+    <p:sldId id="294" r:id="rId28"/>
+    <p:sldId id="295" r:id="rId29"/>
+    <p:sldId id="297" r:id="rId30"/>
+    <p:sldId id="298" r:id="rId31"/>
+    <p:sldId id="300" r:id="rId32"/>
+    <p:sldId id="301" r:id="rId33"/>
   </p:sldIdLst>
   <p:sldSz cx="9144000" cy="6858000" type="screen4x3"/>
   <p:notesSz cx="7010400" cy="9296400"/>
@@ -139,6 +141,36 @@
       </a:defRPr>
     </a:lvl9pPr>
   </p:defaultTextStyle>
+  <p:extLst>
+    <p:ext uri="{EFAFB233-063F-42B5-8137-9DF3F51BA10A}">
+      <p15:sldGuideLst xmlns:p15="http://schemas.microsoft.com/office/powerpoint/2012/main">
+        <p15:guide id="1" orient="horz" pos="2160">
+          <p15:clr>
+            <a:srgbClr val="A4A3A4"/>
+          </p15:clr>
+        </p15:guide>
+        <p15:guide id="2" pos="2880">
+          <p15:clr>
+            <a:srgbClr val="A4A3A4"/>
+          </p15:clr>
+        </p15:guide>
+      </p15:sldGuideLst>
+    </p:ext>
+    <p:ext uri="{2D200454-40CA-4A62-9FC3-DE9A4176ACB9}">
+      <p15:notesGuideLst xmlns:p15="http://schemas.microsoft.com/office/powerpoint/2012/main">
+        <p15:guide id="1" orient="horz" pos="2928">
+          <p15:clr>
+            <a:srgbClr val="A4A3A4"/>
+          </p15:clr>
+        </p15:guide>
+        <p15:guide id="2" pos="2208">
+          <p15:clr>
+            <a:srgbClr val="A4A3A4"/>
+          </p15:clr>
+        </p15:guide>
+      </p15:notesGuideLst>
+    </p:ext>
+  </p:extLst>
 </p:presentation>
 </file>
 
@@ -224,7 +256,7 @@
           <a:p>
             <a:fld id="{5A01FD12-FCAF-46CC-93B5-870B0BF31F6F}" type="datetimeFigureOut">
               <a:rPr lang="es-MX" smtClean="0"/>
-              <a:t>22/07/2015</a:t>
+              <a:t>26/05/2016</a:t>
             </a:fld>
             <a:endParaRPr lang="es-MX"/>
           </a:p>
@@ -389,7 +421,7 @@
           <a:p>
             <a:fld id="{56612B8C-D436-442C-AF8F-F0830C8620CD}" type="datetimeFigureOut">
               <a:rPr lang="es-MX" smtClean="0"/>
-              <a:t>22/07/2015</a:t>
+              <a:t>26/05/2016</a:t>
             </a:fld>
             <a:endParaRPr lang="es-MX" dirty="0"/>
           </a:p>
@@ -869,7 +901,7 @@
           <a:bodyPr/>
           <a:lstStyle/>
           <a:p>
-            <a:endParaRPr lang="es-MX"/>
+            <a:endParaRPr lang="es-MX" dirty="0"/>
           </a:p>
         </p:txBody>
       </p:sp>
@@ -890,16 +922,16 @@
           <a:p>
             <a:fld id="{A5E2E5E9-F22E-4DBC-A2B7-BC078CAAEBBA}" type="slidenum">
               <a:rPr lang="es-MX" smtClean="0"/>
-              <a:t>23</a:t>
+              <a:t>18</a:t>
             </a:fld>
-            <a:endParaRPr lang="es-MX"/>
+            <a:endParaRPr lang="es-MX" dirty="0"/>
           </a:p>
         </p:txBody>
       </p:sp>
     </p:spTree>
     <p:extLst>
       <p:ext uri="{BB962C8B-B14F-4D97-AF65-F5344CB8AC3E}">
-        <p14:creationId xmlns:p14="http://schemas.microsoft.com/office/powerpoint/2010/main" val="4012069024"/>
+        <p14:creationId xmlns:p14="http://schemas.microsoft.com/office/powerpoint/2010/main" val="529895053"/>
       </p:ext>
     </p:extLst>
   </p:cSld>
@@ -974,7 +1006,91 @@
           <a:p>
             <a:fld id="{A5E2E5E9-F22E-4DBC-A2B7-BC078CAAEBBA}" type="slidenum">
               <a:rPr lang="es-MX" smtClean="0"/>
-              <a:t>24</a:t>
+              <a:t>25</a:t>
+            </a:fld>
+            <a:endParaRPr lang="es-MX"/>
+          </a:p>
+        </p:txBody>
+      </p:sp>
+    </p:spTree>
+    <p:extLst>
+      <p:ext uri="{BB962C8B-B14F-4D97-AF65-F5344CB8AC3E}">
+        <p14:creationId xmlns:p14="http://schemas.microsoft.com/office/powerpoint/2010/main" val="4012069024"/>
+      </p:ext>
+    </p:extLst>
+  </p:cSld>
+  <p:clrMapOvr>
+    <a:masterClrMapping/>
+  </p:clrMapOvr>
+</p:notes>
+</file>
+
+<file path=ppt/notesSlides/notesSlide5.xml><?xml version="1.0" encoding="utf-8"?>
+<p:notes xmlns:a="http://schemas.openxmlformats.org/drawingml/2006/main" xmlns:r="http://schemas.openxmlformats.org/officeDocument/2006/relationships" xmlns:p="http://schemas.openxmlformats.org/presentationml/2006/main">
+  <p:cSld>
+    <p:spTree>
+      <p:nvGrpSpPr>
+        <p:cNvPr id="1" name=""/>
+        <p:cNvGrpSpPr/>
+        <p:nvPr/>
+      </p:nvGrpSpPr>
+      <p:grpSpPr>
+        <a:xfrm>
+          <a:off x="0" y="0"/>
+          <a:ext cx="0" cy="0"/>
+          <a:chOff x="0" y="0"/>
+          <a:chExt cx="0" cy="0"/>
+        </a:xfrm>
+      </p:grpSpPr>
+      <p:sp>
+        <p:nvSpPr>
+          <p:cNvPr id="2" name="1 Marcador de imagen de diapositiva"/>
+          <p:cNvSpPr>
+            <a:spLocks noGrp="1" noRot="1" noChangeAspect="1"/>
+          </p:cNvSpPr>
+          <p:nvPr>
+            <p:ph type="sldImg"/>
+          </p:nvPr>
+        </p:nvSpPr>
+        <p:spPr/>
+      </p:sp>
+      <p:sp>
+        <p:nvSpPr>
+          <p:cNvPr id="3" name="2 Marcador de notas"/>
+          <p:cNvSpPr>
+            <a:spLocks noGrp="1"/>
+          </p:cNvSpPr>
+          <p:nvPr>
+            <p:ph type="body" idx="1"/>
+          </p:nvPr>
+        </p:nvSpPr>
+        <p:spPr/>
+        <p:txBody>
+          <a:bodyPr/>
+          <a:lstStyle/>
+          <a:p>
+            <a:endParaRPr lang="es-MX"/>
+          </a:p>
+        </p:txBody>
+      </p:sp>
+      <p:sp>
+        <p:nvSpPr>
+          <p:cNvPr id="4" name="3 Marcador de número de diapositiva"/>
+          <p:cNvSpPr>
+            <a:spLocks noGrp="1"/>
+          </p:cNvSpPr>
+          <p:nvPr>
+            <p:ph type="sldNum" sz="quarter" idx="10"/>
+          </p:nvPr>
+        </p:nvSpPr>
+        <p:spPr/>
+        <p:txBody>
+          <a:bodyPr/>
+          <a:lstStyle/>
+          <a:p>
+            <a:fld id="{A5E2E5E9-F22E-4DBC-A2B7-BC078CAAEBBA}" type="slidenum">
+              <a:rPr lang="es-MX" smtClean="0"/>
+              <a:t>26</a:t>
             </a:fld>
             <a:endParaRPr lang="es-MX"/>
           </a:p>
@@ -1174,7 +1290,7 @@
           <a:p>
             <a:fld id="{46C625CF-D8F4-6941-B2C3-3F15474FDD83}" type="datetimeFigureOut">
               <a:rPr lang="es-ES" smtClean="0"/>
-              <a:t>22/07/2015</a:t>
+              <a:t>26/05/2016</a:t>
             </a:fld>
             <a:endParaRPr lang="es-ES" dirty="0"/>
           </a:p>
@@ -1344,7 +1460,7 @@
           <a:p>
             <a:fld id="{46C625CF-D8F4-6941-B2C3-3F15474FDD83}" type="datetimeFigureOut">
               <a:rPr lang="es-ES" smtClean="0"/>
-              <a:t>22/07/2015</a:t>
+              <a:t>26/05/2016</a:t>
             </a:fld>
             <a:endParaRPr lang="es-ES" dirty="0"/>
           </a:p>
@@ -1524,7 +1640,7 @@
           <a:p>
             <a:fld id="{46C625CF-D8F4-6941-B2C3-3F15474FDD83}" type="datetimeFigureOut">
               <a:rPr lang="es-ES" smtClean="0"/>
-              <a:t>22/07/2015</a:t>
+              <a:t>26/05/2016</a:t>
             </a:fld>
             <a:endParaRPr lang="es-ES" dirty="0"/>
           </a:p>
@@ -1694,7 +1810,7 @@
           <a:p>
             <a:fld id="{46C625CF-D8F4-6941-B2C3-3F15474FDD83}" type="datetimeFigureOut">
               <a:rPr lang="es-ES" smtClean="0"/>
-              <a:t>22/07/2015</a:t>
+              <a:t>26/05/2016</a:t>
             </a:fld>
             <a:endParaRPr lang="es-ES" dirty="0"/>
           </a:p>
@@ -1940,7 +2056,7 @@
           <a:p>
             <a:fld id="{46C625CF-D8F4-6941-B2C3-3F15474FDD83}" type="datetimeFigureOut">
               <a:rPr lang="es-ES" smtClean="0"/>
-              <a:t>22/07/2015</a:t>
+              <a:t>26/05/2016</a:t>
             </a:fld>
             <a:endParaRPr lang="es-ES" dirty="0"/>
           </a:p>
@@ -2228,7 +2344,7 @@
           <a:p>
             <a:fld id="{46C625CF-D8F4-6941-B2C3-3F15474FDD83}" type="datetimeFigureOut">
               <a:rPr lang="es-ES" smtClean="0"/>
-              <a:t>22/07/2015</a:t>
+              <a:t>26/05/2016</a:t>
             </a:fld>
             <a:endParaRPr lang="es-ES" dirty="0"/>
           </a:p>
@@ -2650,7 +2766,7 @@
           <a:p>
             <a:fld id="{46C625CF-D8F4-6941-B2C3-3F15474FDD83}" type="datetimeFigureOut">
               <a:rPr lang="es-ES" smtClean="0"/>
-              <a:t>22/07/2015</a:t>
+              <a:t>26/05/2016</a:t>
             </a:fld>
             <a:endParaRPr lang="es-ES" dirty="0"/>
           </a:p>
@@ -2768,7 +2884,7 @@
           <a:p>
             <a:fld id="{46C625CF-D8F4-6941-B2C3-3F15474FDD83}" type="datetimeFigureOut">
               <a:rPr lang="es-ES" smtClean="0"/>
-              <a:t>22/07/2015</a:t>
+              <a:t>26/05/2016</a:t>
             </a:fld>
             <a:endParaRPr lang="es-ES" dirty="0"/>
           </a:p>
@@ -2863,7 +2979,7 @@
           <a:p>
             <a:fld id="{46C625CF-D8F4-6941-B2C3-3F15474FDD83}" type="datetimeFigureOut">
               <a:rPr lang="es-ES" smtClean="0"/>
-              <a:t>22/07/2015</a:t>
+              <a:t>26/05/2016</a:t>
             </a:fld>
             <a:endParaRPr lang="es-ES" dirty="0"/>
           </a:p>
@@ -3140,7 +3256,7 @@
           <a:p>
             <a:fld id="{46C625CF-D8F4-6941-B2C3-3F15474FDD83}" type="datetimeFigureOut">
               <a:rPr lang="es-ES" smtClean="0"/>
-              <a:t>22/07/2015</a:t>
+              <a:t>26/05/2016</a:t>
             </a:fld>
             <a:endParaRPr lang="es-ES" dirty="0"/>
           </a:p>
@@ -3393,7 +3509,7 @@
           <a:p>
             <a:fld id="{46C625CF-D8F4-6941-B2C3-3F15474FDD83}" type="datetimeFigureOut">
               <a:rPr lang="es-ES" smtClean="0"/>
-              <a:t>22/07/2015</a:t>
+              <a:t>26/05/2016</a:t>
             </a:fld>
             <a:endParaRPr lang="es-ES" dirty="0"/>
           </a:p>
@@ -3612,7 +3728,7 @@
           <a:p>
             <a:fld id="{46C625CF-D8F4-6941-B2C3-3F15474FDD83}" type="datetimeFigureOut">
               <a:rPr lang="es-ES" smtClean="0"/>
-              <a:t>22/07/2015</a:t>
+              <a:t>26/05/2016</a:t>
             </a:fld>
             <a:endParaRPr lang="es-ES" dirty="0"/>
           </a:p>
@@ -12691,6 +12807,2204 @@
             <a:graphicFrameLocks noGrp="1"/>
           </p:cNvGraphicFramePr>
           <p:nvPr>
+            <p:extLst/>
+          </p:nvPr>
+        </p:nvGraphicFramePr>
+        <p:xfrm>
+          <a:off x="272955" y="1394275"/>
+          <a:ext cx="8707272" cy="5279481"/>
+        </p:xfrm>
+        <a:graphic>
+          <a:graphicData uri="http://schemas.openxmlformats.org/drawingml/2006/table">
+            <a:tbl>
+              <a:tblPr firstRow="1" bandRow="1">
+                <a:tableStyleId>{5C22544A-7EE6-4342-B048-85BDC9FD1C3A}</a:tableStyleId>
+              </a:tblPr>
+              <a:tblGrid>
+                <a:gridCol w="498046"/>
+                <a:gridCol w="2399985"/>
+                <a:gridCol w="5809241"/>
+              </a:tblGrid>
+              <a:tr h="139851">
+                <a:tc gridSpan="2">
+                  <a:txBody>
+                    <a:bodyPr/>
+                    <a:lstStyle/>
+                    <a:p>
+                      <a:pPr algn="ctr">
+                        <a:lnSpc>
+                          <a:spcPts val="900"/>
+                        </a:lnSpc>
+                        <a:spcBef>
+                          <a:spcPts val="600"/>
+                        </a:spcBef>
+                        <a:spcAft>
+                          <a:spcPts val="300"/>
+                        </a:spcAft>
+                      </a:pPr>
+                      <a:endParaRPr lang="es-MX" sz="900" dirty="0">
+                        <a:solidFill>
+                          <a:srgbClr val="008040"/>
+                        </a:solidFill>
+                        <a:effectLst/>
+                        <a:latin typeface="Arial Narrow" panose="020B0606020202030204" pitchFamily="34" charset="0"/>
+                        <a:ea typeface="Calibri"/>
+                        <a:cs typeface="Times New Roman"/>
+                      </a:endParaRPr>
+                    </a:p>
+                  </a:txBody>
+                  <a:tcPr marL="63988" marR="63988" marT="0" marB="0" anchor="ctr">
+                    <a:solidFill>
+                      <a:schemeClr val="bg1">
+                        <a:lumMod val="95000"/>
+                      </a:schemeClr>
+                    </a:solidFill>
+                  </a:tcPr>
+                </a:tc>
+                <a:tc hMerge="1">
+                  <a:txBody>
+                    <a:bodyPr/>
+                    <a:lstStyle/>
+                    <a:p>
+                      <a:endParaRPr lang="es-MX"/>
+                    </a:p>
+                  </a:txBody>
+                  <a:tcPr/>
+                </a:tc>
+                <a:tc>
+                  <a:txBody>
+                    <a:bodyPr/>
+                    <a:lstStyle/>
+                    <a:p>
+                      <a:pPr algn="ctr">
+                        <a:lnSpc>
+                          <a:spcPts val="900"/>
+                        </a:lnSpc>
+                        <a:spcBef>
+                          <a:spcPts val="600"/>
+                        </a:spcBef>
+                        <a:spcAft>
+                          <a:spcPts val="300"/>
+                        </a:spcAft>
+                      </a:pPr>
+                      <a:endParaRPr lang="es-MX" sz="900" dirty="0">
+                        <a:solidFill>
+                          <a:srgbClr val="008040"/>
+                        </a:solidFill>
+                        <a:effectLst/>
+                        <a:latin typeface="Arial Narrow" panose="020B0606020202030204" pitchFamily="34" charset="0"/>
+                        <a:ea typeface="Calibri"/>
+                        <a:cs typeface="Times New Roman"/>
+                      </a:endParaRPr>
+                    </a:p>
+                  </a:txBody>
+                  <a:tcPr marL="63988" marR="63988" marT="0" marB="0" anchor="ctr">
+                    <a:noFill/>
+                  </a:tcPr>
+                </a:tc>
+              </a:tr>
+              <a:tr h="458839">
+                <a:tc>
+                  <a:txBody>
+                    <a:bodyPr/>
+                    <a:lstStyle/>
+                    <a:p>
+                      <a:pPr algn="ctr">
+                        <a:lnSpc>
+                          <a:spcPts val="1100"/>
+                        </a:lnSpc>
+                        <a:spcBef>
+                          <a:spcPts val="600"/>
+                        </a:spcBef>
+                        <a:spcAft>
+                          <a:spcPts val="300"/>
+                        </a:spcAft>
+                      </a:pPr>
+                      <a:endParaRPr lang="es-MX" sz="1100" b="1" dirty="0">
+                        <a:solidFill>
+                          <a:schemeClr val="bg1"/>
+                        </a:solidFill>
+                        <a:effectLst/>
+                        <a:latin typeface="Arial Narrow" panose="020B0606020202030204" pitchFamily="34" charset="0"/>
+                        <a:ea typeface="Calibri"/>
+                        <a:cs typeface="Times New Roman"/>
+                      </a:endParaRPr>
+                    </a:p>
+                  </a:txBody>
+                  <a:tcPr marL="68580" marR="68580" marT="0" marB="0" anchor="ctr">
+                    <a:lnL w="3175" cap="flat" cmpd="sng" algn="ctr">
+                      <a:noFill/>
+                      <a:prstDash val="solid"/>
+                      <a:round/>
+                      <a:headEnd type="none" w="med" len="med"/>
+                      <a:tailEnd type="none" w="med" len="med"/>
+                    </a:lnL>
+                    <a:lnR w="6350" cap="flat" cmpd="sng" algn="ctr">
+                      <a:solidFill>
+                        <a:schemeClr val="bg1"/>
+                      </a:solidFill>
+                      <a:prstDash val="solid"/>
+                      <a:round/>
+                      <a:headEnd type="none" w="med" len="med"/>
+                      <a:tailEnd type="none" w="med" len="med"/>
+                    </a:lnR>
+                    <a:solidFill>
+                      <a:srgbClr val="C00000"/>
+                    </a:solidFill>
+                  </a:tcPr>
+                </a:tc>
+                <a:tc>
+                  <a:txBody>
+                    <a:bodyPr/>
+                    <a:lstStyle/>
+                    <a:p>
+                      <a:pPr marL="0" marR="0" indent="0" algn="l" defTabSz="457200" rtl="0" eaLnBrk="1" fontAlgn="auto" latinLnBrk="0" hangingPunct="1">
+                        <a:lnSpc>
+                          <a:spcPts val="1100"/>
+                        </a:lnSpc>
+                        <a:spcBef>
+                          <a:spcPts val="0"/>
+                        </a:spcBef>
+                        <a:spcAft>
+                          <a:spcPts val="0"/>
+                        </a:spcAft>
+                        <a:buClrTx/>
+                        <a:buSzTx/>
+                        <a:buFontTx/>
+                        <a:buNone/>
+                        <a:tabLst/>
+                        <a:defRPr/>
+                      </a:pPr>
+                      <a:r>
+                        <a:rPr lang="es-MX" sz="1400" b="1" dirty="0" smtClean="0">
+                          <a:solidFill>
+                            <a:schemeClr val="tx1">
+                              <a:lumMod val="75000"/>
+                              <a:lumOff val="25000"/>
+                            </a:schemeClr>
+                          </a:solidFill>
+                          <a:effectLst/>
+                          <a:latin typeface="Arial Narrow" panose="020B0606020202030204" pitchFamily="34" charset="0"/>
+                          <a:ea typeface="Calibri"/>
+                          <a:cs typeface="Arial"/>
+                        </a:rPr>
+                        <a:t>Secretaría de Cultura</a:t>
+                      </a:r>
+                    </a:p>
+                  </a:txBody>
+                  <a:tcPr marL="68580" marR="68580" marT="0" marB="0" anchor="ctr">
+                    <a:lnL w="6350" cap="flat" cmpd="sng" algn="ctr">
+                      <a:solidFill>
+                        <a:schemeClr val="bg1"/>
+                      </a:solidFill>
+                      <a:prstDash val="solid"/>
+                      <a:round/>
+                      <a:headEnd type="none" w="med" len="med"/>
+                      <a:tailEnd type="none" w="med" len="med"/>
+                    </a:lnL>
+                    <a:lnR w="6350" cap="flat" cmpd="sng" algn="ctr">
+                      <a:solidFill>
+                        <a:schemeClr val="bg1"/>
+                      </a:solidFill>
+                      <a:prstDash val="solid"/>
+                      <a:round/>
+                      <a:headEnd type="none" w="med" len="med"/>
+                      <a:tailEnd type="none" w="med" len="med"/>
+                    </a:lnR>
+                    <a:solidFill>
+                      <a:srgbClr val="E4E4E4"/>
+                    </a:solidFill>
+                  </a:tcPr>
+                </a:tc>
+                <a:tc>
+                  <a:txBody>
+                    <a:bodyPr/>
+                    <a:lstStyle/>
+                    <a:p>
+                      <a:pPr marL="0" marR="0" indent="0" algn="ctr" defTabSz="457200" rtl="0" eaLnBrk="1" fontAlgn="auto" latinLnBrk="0" hangingPunct="1">
+                        <a:lnSpc>
+                          <a:spcPts val="1100"/>
+                        </a:lnSpc>
+                        <a:spcBef>
+                          <a:spcPts val="600"/>
+                        </a:spcBef>
+                        <a:spcAft>
+                          <a:spcPts val="300"/>
+                        </a:spcAft>
+                        <a:buClrTx/>
+                        <a:buSzTx/>
+                        <a:buFontTx/>
+                        <a:buNone/>
+                        <a:tabLst/>
+                        <a:defRPr/>
+                      </a:pPr>
+                      <a:endParaRPr lang="es-MX" sz="1100" b="1" dirty="0" smtClean="0">
+                        <a:solidFill>
+                          <a:srgbClr val="008040"/>
+                        </a:solidFill>
+                        <a:effectLst/>
+                        <a:latin typeface="Arial Narrow" panose="020B0606020202030204" pitchFamily="34" charset="0"/>
+                        <a:ea typeface="Calibri"/>
+                        <a:cs typeface="Times New Roman"/>
+                      </a:endParaRPr>
+                    </a:p>
+                  </a:txBody>
+                  <a:tcPr marL="68580" marR="68580" marT="0" marB="0" anchor="ctr">
+                    <a:lnL w="6350" cap="flat" cmpd="sng" algn="ctr">
+                      <a:solidFill>
+                        <a:schemeClr val="bg1"/>
+                      </a:solidFill>
+                      <a:prstDash val="solid"/>
+                      <a:round/>
+                      <a:headEnd type="none" w="med" len="med"/>
+                      <a:tailEnd type="none" w="med" len="med"/>
+                    </a:lnL>
+                    <a:lnR w="6350" cap="flat" cmpd="sng" algn="ctr">
+                      <a:solidFill>
+                        <a:schemeClr val="bg1"/>
+                      </a:solidFill>
+                      <a:prstDash val="solid"/>
+                      <a:round/>
+                      <a:headEnd type="none" w="med" len="med"/>
+                      <a:tailEnd type="none" w="med" len="med"/>
+                    </a:lnR>
+                    <a:noFill/>
+                  </a:tcPr>
+                </a:tc>
+              </a:tr>
+              <a:tr h="104699">
+                <a:tc gridSpan="2">
+                  <a:txBody>
+                    <a:bodyPr/>
+                    <a:lstStyle/>
+                    <a:p>
+                      <a:pPr algn="l">
+                        <a:lnSpc>
+                          <a:spcPct val="120000"/>
+                        </a:lnSpc>
+                        <a:spcAft>
+                          <a:spcPts val="0"/>
+                        </a:spcAft>
+                      </a:pPr>
+                      <a:endParaRPr lang="es-MX" sz="300" dirty="0">
+                        <a:solidFill>
+                          <a:srgbClr val="404040"/>
+                        </a:solidFill>
+                        <a:effectLst/>
+                        <a:latin typeface="Arial Narrow" panose="020B0606020202030204" pitchFamily="34" charset="0"/>
+                        <a:ea typeface="Calibri"/>
+                        <a:cs typeface="Times New Roman"/>
+                      </a:endParaRPr>
+                    </a:p>
+                  </a:txBody>
+                  <a:tcPr marL="41308" marR="41308" marT="0" marB="0" anchor="ctr">
+                    <a:lnB w="3175" cap="flat" cmpd="sng" algn="ctr">
+                      <a:solidFill>
+                        <a:schemeClr val="bg1">
+                          <a:lumMod val="85000"/>
+                        </a:schemeClr>
+                      </a:solidFill>
+                      <a:prstDash val="solid"/>
+                      <a:round/>
+                      <a:headEnd type="none" w="med" len="med"/>
+                      <a:tailEnd type="none" w="med" len="med"/>
+                    </a:lnB>
+                    <a:solidFill>
+                      <a:schemeClr val="bg1"/>
+                    </a:solidFill>
+                  </a:tcPr>
+                </a:tc>
+                <a:tc hMerge="1">
+                  <a:txBody>
+                    <a:bodyPr/>
+                    <a:lstStyle/>
+                    <a:p>
+                      <a:endParaRPr lang="es-MX"/>
+                    </a:p>
+                  </a:txBody>
+                  <a:tcPr/>
+                </a:tc>
+                <a:tc>
+                  <a:txBody>
+                    <a:bodyPr/>
+                    <a:lstStyle/>
+                    <a:p>
+                      <a:pPr algn="l">
+                        <a:lnSpc>
+                          <a:spcPct val="120000"/>
+                        </a:lnSpc>
+                        <a:spcAft>
+                          <a:spcPts val="0"/>
+                        </a:spcAft>
+                      </a:pPr>
+                      <a:endParaRPr lang="es-MX" sz="300" dirty="0">
+                        <a:solidFill>
+                          <a:srgbClr val="404040"/>
+                        </a:solidFill>
+                        <a:effectLst/>
+                        <a:latin typeface="Arial Narrow" panose="020B0606020202030204" pitchFamily="34" charset="0"/>
+                        <a:ea typeface="Calibri"/>
+                        <a:cs typeface="Times New Roman"/>
+                      </a:endParaRPr>
+                    </a:p>
+                  </a:txBody>
+                  <a:tcPr marL="41308" marR="41308" marT="0" marB="0" anchor="ctr">
+                    <a:lnB w="3175" cap="flat" cmpd="sng" algn="ctr">
+                      <a:solidFill>
+                        <a:schemeClr val="bg1">
+                          <a:lumMod val="85000"/>
+                        </a:schemeClr>
+                      </a:solidFill>
+                      <a:prstDash val="solid"/>
+                      <a:round/>
+                      <a:headEnd type="none" w="med" len="med"/>
+                      <a:tailEnd type="none" w="med" len="med"/>
+                    </a:lnB>
+                    <a:solidFill>
+                      <a:schemeClr val="bg1"/>
+                    </a:solidFill>
+                  </a:tcPr>
+                </a:tc>
+              </a:tr>
+              <a:tr h="4576092">
+                <a:tc gridSpan="3">
+                  <a:txBody>
+                    <a:bodyPr/>
+                    <a:lstStyle/>
+                    <a:p>
+                      <a:pPr marL="0" marR="0" indent="0" algn="l" defTabSz="457200" rtl="0" eaLnBrk="1" fontAlgn="auto" latinLnBrk="0" hangingPunct="1">
+                        <a:lnSpc>
+                          <a:spcPct val="120000"/>
+                        </a:lnSpc>
+                        <a:spcBef>
+                          <a:spcPts val="0"/>
+                        </a:spcBef>
+                        <a:spcAft>
+                          <a:spcPts val="0"/>
+                        </a:spcAft>
+                        <a:buClr>
+                          <a:srgbClr val="008040"/>
+                        </a:buClr>
+                        <a:buSzTx/>
+                        <a:buFont typeface="Wingdings" panose="05000000000000000000" pitchFamily="2" charset="2"/>
+                        <a:buNone/>
+                        <a:tabLst/>
+                        <a:defRPr/>
+                      </a:pPr>
+                      <a:endParaRPr lang="es-MX" sz="1100" dirty="0" smtClean="0">
+                        <a:solidFill>
+                          <a:schemeClr val="tx1">
+                            <a:lumMod val="75000"/>
+                            <a:lumOff val="25000"/>
+                          </a:schemeClr>
+                        </a:solidFill>
+                        <a:effectLst/>
+                        <a:latin typeface="Arial Narrow" panose="020B0606020202030204" pitchFamily="34" charset="0"/>
+                        <a:ea typeface="Calibri"/>
+                        <a:cs typeface="Arial"/>
+                      </a:endParaRPr>
+                    </a:p>
+                  </a:txBody>
+                  <a:tcPr marL="68580" marR="68580" marT="0" marB="0">
+                    <a:lnL w="12700" cmpd="sng">
+                      <a:noFill/>
+                    </a:lnL>
+                    <a:lnR w="76200" cap="flat" cmpd="sng" algn="ctr">
+                      <a:noFill/>
+                      <a:prstDash val="solid"/>
+                      <a:round/>
+                      <a:headEnd type="none" w="med" len="med"/>
+                      <a:tailEnd type="none" w="med" len="med"/>
+                    </a:lnR>
+                    <a:lnT w="3175" cap="flat" cmpd="sng" algn="ctr">
+                      <a:solidFill>
+                        <a:schemeClr val="bg1">
+                          <a:lumMod val="85000"/>
+                        </a:schemeClr>
+                      </a:solidFill>
+                      <a:prstDash val="solid"/>
+                      <a:round/>
+                      <a:headEnd type="none" w="med" len="med"/>
+                      <a:tailEnd type="none" w="med" len="med"/>
+                    </a:lnT>
+                    <a:lnB w="6350" cap="flat" cmpd="sng" algn="ctr">
+                      <a:noFill/>
+                      <a:prstDash val="solid"/>
+                      <a:round/>
+                      <a:headEnd type="none" w="med" len="med"/>
+                      <a:tailEnd type="none" w="med" len="med"/>
+                    </a:lnB>
+                    <a:lnTlToBr w="12700" cmpd="sng">
+                      <a:noFill/>
+                      <a:prstDash val="solid"/>
+                    </a:lnTlToBr>
+                    <a:lnBlToTr w="12700" cmpd="sng">
+                      <a:noFill/>
+                      <a:prstDash val="solid"/>
+                    </a:lnBlToTr>
+                    <a:noFill/>
+                  </a:tcPr>
+                </a:tc>
+                <a:tc hMerge="1">
+                  <a:txBody>
+                    <a:bodyPr/>
+                    <a:lstStyle/>
+                    <a:p>
+                      <a:endParaRPr lang="es-MX"/>
+                    </a:p>
+                  </a:txBody>
+                  <a:tcPr/>
+                </a:tc>
+                <a:tc hMerge="1">
+                  <a:txBody>
+                    <a:bodyPr/>
+                    <a:lstStyle/>
+                    <a:p>
+                      <a:pPr marL="0" indent="0" algn="l">
+                        <a:lnSpc>
+                          <a:spcPct val="120000"/>
+                        </a:lnSpc>
+                        <a:spcAft>
+                          <a:spcPts val="0"/>
+                        </a:spcAft>
+                        <a:buClr>
+                          <a:srgbClr val="008040"/>
+                        </a:buClr>
+                        <a:buFont typeface="Wingdings" panose="05000000000000000000" pitchFamily="2" charset="2"/>
+                        <a:buNone/>
+                      </a:pPr>
+                      <a:endParaRPr lang="es-MX" sz="1100" b="1" dirty="0">
+                        <a:solidFill>
+                          <a:schemeClr val="tx1">
+                            <a:lumMod val="75000"/>
+                            <a:lumOff val="25000"/>
+                          </a:schemeClr>
+                        </a:solidFill>
+                        <a:effectLst/>
+                        <a:latin typeface="Arial Narrow" panose="020B0606020202030204" pitchFamily="34" charset="0"/>
+                        <a:ea typeface="Calibri"/>
+                        <a:cs typeface="Times New Roman"/>
+                      </a:endParaRPr>
+                    </a:p>
+                  </a:txBody>
+                  <a:tcPr marL="68580" marR="68580" marT="0" marB="0">
+                    <a:lnL w="12700" cmpd="sng">
+                      <a:noFill/>
+                    </a:lnL>
+                    <a:lnR w="76200" cap="flat" cmpd="sng" algn="ctr">
+                      <a:noFill/>
+                      <a:prstDash val="solid"/>
+                      <a:round/>
+                      <a:headEnd type="none" w="med" len="med"/>
+                      <a:tailEnd type="none" w="med" len="med"/>
+                    </a:lnR>
+                    <a:lnT w="3175" cap="flat" cmpd="sng" algn="ctr">
+                      <a:solidFill>
+                        <a:srgbClr val="008040"/>
+                      </a:solidFill>
+                      <a:prstDash val="solid"/>
+                      <a:round/>
+                      <a:headEnd type="none" w="med" len="med"/>
+                      <a:tailEnd type="none" w="med" len="med"/>
+                    </a:lnT>
+                    <a:lnB w="6350" cap="flat" cmpd="sng" algn="ctr">
+                      <a:noFill/>
+                      <a:prstDash val="solid"/>
+                      <a:round/>
+                      <a:headEnd type="none" w="med" len="med"/>
+                      <a:tailEnd type="none" w="med" len="med"/>
+                    </a:lnB>
+                    <a:lnTlToBr w="12700" cmpd="sng">
+                      <a:noFill/>
+                      <a:prstDash val="solid"/>
+                    </a:lnTlToBr>
+                    <a:lnBlToTr w="12700" cmpd="sng">
+                      <a:noFill/>
+                      <a:prstDash val="solid"/>
+                    </a:lnBlToTr>
+                    <a:noFill/>
+                  </a:tcPr>
+                </a:tc>
+              </a:tr>
+            </a:tbl>
+          </a:graphicData>
+        </a:graphic>
+      </p:graphicFrame>
+      <p:sp>
+        <p:nvSpPr>
+          <p:cNvPr id="8" name="1 Título"/>
+          <p:cNvSpPr>
+            <a:spLocks noGrp="1"/>
+          </p:cNvSpPr>
+          <p:nvPr>
+            <p:ph type="title"/>
+          </p:nvPr>
+        </p:nvSpPr>
+        <p:spPr>
+          <a:xfrm>
+            <a:off x="457200" y="830886"/>
+            <a:ext cx="8229600" cy="391167"/>
+          </a:xfrm>
+        </p:spPr>
+        <p:txBody>
+          <a:bodyPr>
+            <a:normAutofit fontScale="90000"/>
+          </a:bodyPr>
+          <a:lstStyle/>
+          <a:p>
+            <a:pPr marL="0" lvl="0" indent="723900" algn="r">
+              <a:lnSpc>
+                <a:spcPct val="115000"/>
+              </a:lnSpc>
+              <a:spcAft>
+                <a:spcPts val="0"/>
+              </a:spcAft>
+            </a:pPr>
+            <a:r>
+              <a:rPr lang="es-MX" dirty="0">
+                <a:ea typeface="Calibri"/>
+                <a:cs typeface="Times New Roman"/>
+              </a:rPr>
+              <a:t>| Obras </a:t>
+            </a:r>
+            <a:r>
+              <a:rPr lang="es-MX" dirty="0" smtClean="0">
+                <a:ea typeface="Calibri"/>
+                <a:cs typeface="Times New Roman"/>
+              </a:rPr>
+              <a:t>concluidas, en Proceso y Proyectadas por </a:t>
+            </a:r>
+            <a:r>
+              <a:rPr lang="es-MX" dirty="0" smtClean="0">
+                <a:solidFill>
+                  <a:schemeClr val="tx1"/>
+                </a:solidFill>
+                <a:ea typeface="Calibri"/>
+                <a:cs typeface="Times New Roman"/>
+              </a:rPr>
+              <a:t>SECTOR </a:t>
+            </a:r>
+            <a:r>
+              <a:rPr lang="es-MX" dirty="0" smtClean="0">
+                <a:ea typeface="Calibri"/>
+                <a:cs typeface="Times New Roman"/>
+              </a:rPr>
+              <a:t>|</a:t>
+            </a:r>
+            <a:endParaRPr lang="es-MX" dirty="0">
+              <a:ea typeface="Calibri"/>
+              <a:cs typeface="Times New Roman"/>
+            </a:endParaRPr>
+          </a:p>
+        </p:txBody>
+      </p:sp>
+      <p:graphicFrame>
+        <p:nvGraphicFramePr>
+          <p:cNvPr id="9" name="8 Tabla"/>
+          <p:cNvGraphicFramePr>
+            <a:graphicFrameLocks noGrp="1"/>
+          </p:cNvGraphicFramePr>
+          <p:nvPr>
+            <p:extLst/>
+          </p:nvPr>
+        </p:nvGraphicFramePr>
+        <p:xfrm>
+          <a:off x="1524000" y="3279963"/>
+          <a:ext cx="6096000" cy="1854200"/>
+        </p:xfrm>
+        <a:graphic>
+          <a:graphicData uri="http://schemas.openxmlformats.org/drawingml/2006/table">
+            <a:tbl>
+              <a:tblPr firstRow="1" bandRow="1">
+                <a:tableStyleId>{2D5ABB26-0587-4C30-8999-92F81FD0307C}</a:tableStyleId>
+              </a:tblPr>
+              <a:tblGrid>
+                <a:gridCol w="2032000"/>
+                <a:gridCol w="2032000"/>
+                <a:gridCol w="2032000"/>
+              </a:tblGrid>
+              <a:tr h="370840">
+                <a:tc>
+                  <a:txBody>
+                    <a:bodyPr/>
+                    <a:lstStyle/>
+                    <a:p>
+                      <a:pPr algn="ctr"/>
+                      <a:endParaRPr lang="es-MX" b="1" dirty="0">
+                        <a:solidFill>
+                          <a:schemeClr val="tx1">
+                            <a:lumMod val="65000"/>
+                            <a:lumOff val="35000"/>
+                          </a:schemeClr>
+                        </a:solidFill>
+                        <a:latin typeface="Arial Narrow" panose="020B0606020202030204" pitchFamily="34" charset="0"/>
+                      </a:endParaRPr>
+                    </a:p>
+                  </a:txBody>
+                  <a:tcPr>
+                    <a:solidFill>
+                      <a:schemeClr val="bg1">
+                        <a:lumMod val="95000"/>
+                      </a:schemeClr>
+                    </a:solidFill>
+                  </a:tcPr>
+                </a:tc>
+                <a:tc>
+                  <a:txBody>
+                    <a:bodyPr/>
+                    <a:lstStyle/>
+                    <a:p>
+                      <a:pPr algn="ctr"/>
+                      <a:r>
+                        <a:rPr lang="es-MX" b="1" dirty="0" smtClean="0">
+                          <a:solidFill>
+                            <a:schemeClr val="tx1">
+                              <a:lumMod val="65000"/>
+                              <a:lumOff val="35000"/>
+                            </a:schemeClr>
+                          </a:solidFill>
+                          <a:latin typeface="Arial Narrow" panose="020B0606020202030204" pitchFamily="34" charset="0"/>
+                        </a:rPr>
+                        <a:t>Número</a:t>
+                      </a:r>
+                      <a:r>
+                        <a:rPr lang="es-MX" b="1" baseline="0" dirty="0" smtClean="0">
+                          <a:solidFill>
+                            <a:schemeClr val="tx1">
+                              <a:lumMod val="65000"/>
+                              <a:lumOff val="35000"/>
+                            </a:schemeClr>
+                          </a:solidFill>
+                          <a:latin typeface="Arial Narrow" panose="020B0606020202030204" pitchFamily="34" charset="0"/>
+                        </a:rPr>
+                        <a:t> de obras</a:t>
+                      </a:r>
+                      <a:endParaRPr lang="es-MX" b="1" dirty="0">
+                        <a:solidFill>
+                          <a:schemeClr val="tx1">
+                            <a:lumMod val="65000"/>
+                            <a:lumOff val="35000"/>
+                          </a:schemeClr>
+                        </a:solidFill>
+                        <a:latin typeface="Arial Narrow" panose="020B0606020202030204" pitchFamily="34" charset="0"/>
+                      </a:endParaRPr>
+                    </a:p>
+                  </a:txBody>
+                  <a:tcPr>
+                    <a:solidFill>
+                      <a:schemeClr val="bg1">
+                        <a:lumMod val="95000"/>
+                      </a:schemeClr>
+                    </a:solidFill>
+                  </a:tcPr>
+                </a:tc>
+                <a:tc>
+                  <a:txBody>
+                    <a:bodyPr/>
+                    <a:lstStyle/>
+                    <a:p>
+                      <a:pPr algn="ctr"/>
+                      <a:r>
+                        <a:rPr lang="es-MX" b="1" dirty="0" smtClean="0">
+                          <a:solidFill>
+                            <a:schemeClr val="tx1">
+                              <a:lumMod val="65000"/>
+                              <a:lumOff val="35000"/>
+                            </a:schemeClr>
+                          </a:solidFill>
+                          <a:latin typeface="Arial Narrow" panose="020B0606020202030204" pitchFamily="34" charset="0"/>
+                        </a:rPr>
+                        <a:t>Inversión mdp</a:t>
+                      </a:r>
+                      <a:endParaRPr lang="es-MX" b="1" dirty="0">
+                        <a:solidFill>
+                          <a:schemeClr val="tx1">
+                            <a:lumMod val="65000"/>
+                            <a:lumOff val="35000"/>
+                          </a:schemeClr>
+                        </a:solidFill>
+                        <a:latin typeface="Arial Narrow" panose="020B0606020202030204" pitchFamily="34" charset="0"/>
+                      </a:endParaRPr>
+                    </a:p>
+                  </a:txBody>
+                  <a:tcPr>
+                    <a:solidFill>
+                      <a:schemeClr val="bg1">
+                        <a:lumMod val="95000"/>
+                      </a:schemeClr>
+                    </a:solidFill>
+                  </a:tcPr>
+                </a:tc>
+              </a:tr>
+              <a:tr h="370840">
+                <a:tc>
+                  <a:txBody>
+                    <a:bodyPr/>
+                    <a:lstStyle/>
+                    <a:p>
+                      <a:r>
+                        <a:rPr lang="es-MX" b="1" dirty="0" smtClean="0">
+                          <a:solidFill>
+                            <a:schemeClr val="tx1">
+                              <a:lumMod val="65000"/>
+                              <a:lumOff val="35000"/>
+                            </a:schemeClr>
+                          </a:solidFill>
+                          <a:latin typeface="Arial Narrow" panose="020B0606020202030204" pitchFamily="34" charset="0"/>
+                        </a:rPr>
+                        <a:t>Concluidas</a:t>
+                      </a:r>
+                      <a:endParaRPr lang="es-MX" b="1" dirty="0">
+                        <a:solidFill>
+                          <a:schemeClr val="tx1">
+                            <a:lumMod val="65000"/>
+                            <a:lumOff val="35000"/>
+                          </a:schemeClr>
+                        </a:solidFill>
+                        <a:latin typeface="Arial Narrow" panose="020B0606020202030204" pitchFamily="34" charset="0"/>
+                      </a:endParaRPr>
+                    </a:p>
+                  </a:txBody>
+                  <a:tcPr>
+                    <a:solidFill>
+                      <a:schemeClr val="bg1">
+                        <a:lumMod val="85000"/>
+                      </a:schemeClr>
+                    </a:solidFill>
+                  </a:tcPr>
+                </a:tc>
+                <a:tc>
+                  <a:txBody>
+                    <a:bodyPr/>
+                    <a:lstStyle/>
+                    <a:p>
+                      <a:pPr algn="ctr"/>
+                      <a:endParaRPr lang="es-MX" dirty="0">
+                        <a:solidFill>
+                          <a:schemeClr val="tx1">
+                            <a:lumMod val="65000"/>
+                            <a:lumOff val="35000"/>
+                          </a:schemeClr>
+                        </a:solidFill>
+                        <a:latin typeface="Arial Narrow" panose="020B0606020202030204" pitchFamily="34" charset="0"/>
+                      </a:endParaRPr>
+                    </a:p>
+                  </a:txBody>
+                  <a:tcPr>
+                    <a:solidFill>
+                      <a:schemeClr val="bg1">
+                        <a:lumMod val="85000"/>
+                      </a:schemeClr>
+                    </a:solidFill>
+                  </a:tcPr>
+                </a:tc>
+                <a:tc>
+                  <a:txBody>
+                    <a:bodyPr/>
+                    <a:lstStyle/>
+                    <a:p>
+                      <a:pPr algn="ctr"/>
+                      <a:endParaRPr lang="es-MX" dirty="0" smtClean="0">
+                        <a:solidFill>
+                          <a:schemeClr val="tx1">
+                            <a:lumMod val="65000"/>
+                            <a:lumOff val="35000"/>
+                          </a:schemeClr>
+                        </a:solidFill>
+                        <a:latin typeface="Arial Narrow" panose="020B0606020202030204" pitchFamily="34" charset="0"/>
+                      </a:endParaRPr>
+                    </a:p>
+                  </a:txBody>
+                  <a:tcPr>
+                    <a:solidFill>
+                      <a:schemeClr val="bg1">
+                        <a:lumMod val="85000"/>
+                      </a:schemeClr>
+                    </a:solidFill>
+                  </a:tcPr>
+                </a:tc>
+              </a:tr>
+              <a:tr h="370840">
+                <a:tc>
+                  <a:txBody>
+                    <a:bodyPr/>
+                    <a:lstStyle/>
+                    <a:p>
+                      <a:r>
+                        <a:rPr lang="es-MX" b="1" dirty="0" smtClean="0">
+                          <a:solidFill>
+                            <a:schemeClr val="tx1">
+                              <a:lumMod val="65000"/>
+                              <a:lumOff val="35000"/>
+                            </a:schemeClr>
+                          </a:solidFill>
+                          <a:latin typeface="Arial Narrow" panose="020B0606020202030204" pitchFamily="34" charset="0"/>
+                        </a:rPr>
+                        <a:t>En proceso</a:t>
+                      </a:r>
+                      <a:endParaRPr lang="es-MX" b="1" dirty="0">
+                        <a:solidFill>
+                          <a:schemeClr val="tx1">
+                            <a:lumMod val="65000"/>
+                            <a:lumOff val="35000"/>
+                          </a:schemeClr>
+                        </a:solidFill>
+                        <a:latin typeface="Arial Narrow" panose="020B0606020202030204" pitchFamily="34" charset="0"/>
+                      </a:endParaRPr>
+                    </a:p>
+                  </a:txBody>
+                  <a:tcPr>
+                    <a:noFill/>
+                  </a:tcPr>
+                </a:tc>
+                <a:tc>
+                  <a:txBody>
+                    <a:bodyPr/>
+                    <a:lstStyle/>
+                    <a:p>
+                      <a:pPr algn="ctr"/>
+                      <a:endParaRPr lang="es-MX" dirty="0">
+                        <a:solidFill>
+                          <a:schemeClr val="tx1">
+                            <a:lumMod val="65000"/>
+                            <a:lumOff val="35000"/>
+                          </a:schemeClr>
+                        </a:solidFill>
+                        <a:latin typeface="Arial Narrow" panose="020B0606020202030204" pitchFamily="34" charset="0"/>
+                      </a:endParaRPr>
+                    </a:p>
+                  </a:txBody>
+                  <a:tcPr>
+                    <a:noFill/>
+                  </a:tcPr>
+                </a:tc>
+                <a:tc>
+                  <a:txBody>
+                    <a:bodyPr/>
+                    <a:lstStyle/>
+                    <a:p>
+                      <a:pPr algn="ctr"/>
+                      <a:endParaRPr lang="es-MX" dirty="0">
+                        <a:solidFill>
+                          <a:schemeClr val="tx1">
+                            <a:lumMod val="65000"/>
+                            <a:lumOff val="35000"/>
+                          </a:schemeClr>
+                        </a:solidFill>
+                        <a:latin typeface="Arial Narrow" panose="020B0606020202030204" pitchFamily="34" charset="0"/>
+                      </a:endParaRPr>
+                    </a:p>
+                  </a:txBody>
+                  <a:tcPr>
+                    <a:noFill/>
+                  </a:tcPr>
+                </a:tc>
+              </a:tr>
+              <a:tr h="370840">
+                <a:tc>
+                  <a:txBody>
+                    <a:bodyPr/>
+                    <a:lstStyle/>
+                    <a:p>
+                      <a:r>
+                        <a:rPr lang="es-MX" b="1" dirty="0" smtClean="0">
+                          <a:solidFill>
+                            <a:schemeClr val="tx1">
+                              <a:lumMod val="65000"/>
+                              <a:lumOff val="35000"/>
+                            </a:schemeClr>
+                          </a:solidFill>
+                          <a:latin typeface="Arial Narrow" panose="020B0606020202030204" pitchFamily="34" charset="0"/>
+                        </a:rPr>
+                        <a:t>Proyectadas</a:t>
+                      </a:r>
+                      <a:endParaRPr lang="es-MX" b="1" dirty="0">
+                        <a:solidFill>
+                          <a:schemeClr val="tx1">
+                            <a:lumMod val="65000"/>
+                            <a:lumOff val="35000"/>
+                          </a:schemeClr>
+                        </a:solidFill>
+                        <a:latin typeface="Arial Narrow" panose="020B0606020202030204" pitchFamily="34" charset="0"/>
+                      </a:endParaRPr>
+                    </a:p>
+                  </a:txBody>
+                  <a:tcPr>
+                    <a:solidFill>
+                      <a:schemeClr val="bg1">
+                        <a:lumMod val="85000"/>
+                      </a:schemeClr>
+                    </a:solidFill>
+                  </a:tcPr>
+                </a:tc>
+                <a:tc>
+                  <a:txBody>
+                    <a:bodyPr/>
+                    <a:lstStyle/>
+                    <a:p>
+                      <a:pPr algn="ctr"/>
+                      <a:endParaRPr lang="es-MX" dirty="0">
+                        <a:solidFill>
+                          <a:schemeClr val="tx1">
+                            <a:lumMod val="65000"/>
+                            <a:lumOff val="35000"/>
+                          </a:schemeClr>
+                        </a:solidFill>
+                        <a:latin typeface="Arial Narrow" panose="020B0606020202030204" pitchFamily="34" charset="0"/>
+                      </a:endParaRPr>
+                    </a:p>
+                  </a:txBody>
+                  <a:tcPr>
+                    <a:solidFill>
+                      <a:schemeClr val="bg1">
+                        <a:lumMod val="85000"/>
+                      </a:schemeClr>
+                    </a:solidFill>
+                  </a:tcPr>
+                </a:tc>
+                <a:tc>
+                  <a:txBody>
+                    <a:bodyPr/>
+                    <a:lstStyle/>
+                    <a:p>
+                      <a:pPr algn="ctr"/>
+                      <a:endParaRPr lang="es-MX" dirty="0">
+                        <a:solidFill>
+                          <a:schemeClr val="tx1">
+                            <a:lumMod val="65000"/>
+                            <a:lumOff val="35000"/>
+                          </a:schemeClr>
+                        </a:solidFill>
+                        <a:latin typeface="Arial Narrow" panose="020B0606020202030204" pitchFamily="34" charset="0"/>
+                      </a:endParaRPr>
+                    </a:p>
+                  </a:txBody>
+                  <a:tcPr>
+                    <a:solidFill>
+                      <a:schemeClr val="bg1">
+                        <a:lumMod val="85000"/>
+                      </a:schemeClr>
+                    </a:solidFill>
+                  </a:tcPr>
+                </a:tc>
+              </a:tr>
+              <a:tr h="370840">
+                <a:tc>
+                  <a:txBody>
+                    <a:bodyPr/>
+                    <a:lstStyle/>
+                    <a:p>
+                      <a:r>
+                        <a:rPr lang="es-MX" b="1" dirty="0" smtClean="0">
+                          <a:solidFill>
+                            <a:schemeClr val="tx1">
+                              <a:lumMod val="65000"/>
+                              <a:lumOff val="35000"/>
+                            </a:schemeClr>
+                          </a:solidFill>
+                          <a:latin typeface="Arial Narrow" panose="020B0606020202030204" pitchFamily="34" charset="0"/>
+                        </a:rPr>
+                        <a:t>TOTAL</a:t>
+                      </a:r>
+                      <a:endParaRPr lang="es-MX" b="1" dirty="0">
+                        <a:solidFill>
+                          <a:schemeClr val="tx1">
+                            <a:lumMod val="65000"/>
+                            <a:lumOff val="35000"/>
+                          </a:schemeClr>
+                        </a:solidFill>
+                        <a:latin typeface="Arial Narrow" panose="020B0606020202030204" pitchFamily="34" charset="0"/>
+                      </a:endParaRPr>
+                    </a:p>
+                  </a:txBody>
+                  <a:tcPr/>
+                </a:tc>
+                <a:tc>
+                  <a:txBody>
+                    <a:bodyPr/>
+                    <a:lstStyle/>
+                    <a:p>
+                      <a:pPr algn="ctr"/>
+                      <a:endParaRPr lang="es-MX" b="1" dirty="0">
+                        <a:solidFill>
+                          <a:schemeClr val="tx1">
+                            <a:lumMod val="65000"/>
+                            <a:lumOff val="35000"/>
+                          </a:schemeClr>
+                        </a:solidFill>
+                        <a:latin typeface="Arial Narrow" panose="020B0606020202030204" pitchFamily="34" charset="0"/>
+                      </a:endParaRPr>
+                    </a:p>
+                  </a:txBody>
+                  <a:tcPr/>
+                </a:tc>
+                <a:tc>
+                  <a:txBody>
+                    <a:bodyPr/>
+                    <a:lstStyle/>
+                    <a:p>
+                      <a:pPr algn="ctr"/>
+                      <a:endParaRPr lang="es-MX" b="1" dirty="0">
+                        <a:solidFill>
+                          <a:schemeClr val="tx1">
+                            <a:lumMod val="65000"/>
+                            <a:lumOff val="35000"/>
+                          </a:schemeClr>
+                        </a:solidFill>
+                        <a:latin typeface="Arial Narrow" panose="020B0606020202030204" pitchFamily="34" charset="0"/>
+                      </a:endParaRPr>
+                    </a:p>
+                  </a:txBody>
+                  <a:tcPr/>
+                </a:tc>
+              </a:tr>
+            </a:tbl>
+          </a:graphicData>
+        </a:graphic>
+      </p:graphicFrame>
+      <p:pic>
+        <p:nvPicPr>
+          <p:cNvPr id="6" name="5 Imagen">
+            <a:hlinkClick r:id="rId2" action="ppaction://hlinkpres?slideindex=2&amp;slidetitle=Obras Concluidas por Sector"/>
+          </p:cNvPr>
+          <p:cNvPicPr>
+            <a:picLocks noChangeAspect="1"/>
+          </p:cNvPicPr>
+          <p:nvPr/>
+        </p:nvPicPr>
+        <p:blipFill>
+          <a:blip r:embed="rId3">
+            <a:extLst>
+              <a:ext uri="{28A0092B-C50C-407E-A947-70E740481C1C}">
+                <a14:useLocalDpi xmlns:a14="http://schemas.microsoft.com/office/drawing/2010/main" val="0"/>
+              </a:ext>
+            </a:extLst>
+          </a:blip>
+          <a:stretch>
+            <a:fillRect/>
+          </a:stretch>
+        </p:blipFill>
+        <p:spPr>
+          <a:xfrm>
+            <a:off x="8822656" y="6475642"/>
+            <a:ext cx="234000" cy="303946"/>
+          </a:xfrm>
+          <a:prstGeom prst="rect">
+            <a:avLst/>
+          </a:prstGeom>
+        </p:spPr>
+      </p:pic>
+      <p:pic>
+        <p:nvPicPr>
+          <p:cNvPr id="5" name="4 Imagen"/>
+          <p:cNvPicPr>
+            <a:picLocks noChangeAspect="1"/>
+          </p:cNvPicPr>
+          <p:nvPr/>
+        </p:nvPicPr>
+        <p:blipFill>
+          <a:blip r:embed="rId4">
+            <a:extLst>
+              <a:ext uri="{28A0092B-C50C-407E-A947-70E740481C1C}">
+                <a14:useLocalDpi xmlns:a14="http://schemas.microsoft.com/office/drawing/2010/main" val="0"/>
+              </a:ext>
+            </a:extLst>
+          </a:blip>
+          <a:stretch>
+            <a:fillRect/>
+          </a:stretch>
+        </p:blipFill>
+        <p:spPr>
+          <a:xfrm>
+            <a:off x="333675" y="1576449"/>
+            <a:ext cx="390721" cy="390721"/>
+          </a:xfrm>
+          <a:prstGeom prst="rect">
+            <a:avLst/>
+          </a:prstGeom>
+        </p:spPr>
+      </p:pic>
+      <p:sp>
+        <p:nvSpPr>
+          <p:cNvPr id="2" name="1 CuadroTexto"/>
+          <p:cNvSpPr txBox="1"/>
+          <p:nvPr/>
+        </p:nvSpPr>
+        <p:spPr>
+          <a:xfrm>
+            <a:off x="3806456" y="3613822"/>
+            <a:ext cx="1531088" cy="307777"/>
+          </a:xfrm>
+          <a:prstGeom prst="rect">
+            <a:avLst/>
+          </a:prstGeom>
+          <a:noFill/>
+        </p:spPr>
+        <p:txBody>
+          <a:bodyPr wrap="square" rtlCol="0">
+            <a:spAutoFit/>
+          </a:bodyPr>
+          <a:lstStyle/>
+          <a:p>
+            <a:pPr algn="r">
+              <a:defRPr sz="1400"/>
+            </a:pPr>
+            <a:r>
+              <a:rPr lang="es-MX" sz="1400" dirty="0">
+                <a:solidFill>
+                  <a:prstClr val="black"/>
+                </a:solidFill>
+              </a:rPr>
+              <a:t>|</a:t>
+            </a:r>
+            <a:endParaRPr lang="es-MX" sz="1600" dirty="0">
+              <a:solidFill>
+                <a:prstClr val="black"/>
+              </a:solidFill>
+              <a:latin typeface="Arial Narrow" panose="020B0606020202030204" pitchFamily="34" charset="0"/>
+            </a:endParaRPr>
+          </a:p>
+        </p:txBody>
+      </p:sp>
+      <p:sp>
+        <p:nvSpPr>
+          <p:cNvPr id="3" name="2 CuadroTexto"/>
+          <p:cNvSpPr txBox="1"/>
+          <p:nvPr/>
+        </p:nvSpPr>
+        <p:spPr>
+          <a:xfrm>
+            <a:off x="6007394" y="3600706"/>
+            <a:ext cx="1612606" cy="307777"/>
+          </a:xfrm>
+          <a:prstGeom prst="rect">
+            <a:avLst/>
+          </a:prstGeom>
+          <a:noFill/>
+        </p:spPr>
+        <p:txBody>
+          <a:bodyPr wrap="square" rtlCol="0">
+            <a:spAutoFit/>
+          </a:bodyPr>
+          <a:lstStyle/>
+          <a:p>
+            <a:pPr algn="r">
+              <a:defRPr sz="1400"/>
+            </a:pPr>
+            <a:r>
+              <a:rPr lang="es-MX" sz="1400" dirty="0">
+                <a:solidFill>
+                  <a:prstClr val="black"/>
+                </a:solidFill>
+              </a:rPr>
+              <a:t>|</a:t>
+            </a:r>
+            <a:endParaRPr lang="es-MX" sz="1600" dirty="0">
+              <a:solidFill>
+                <a:prstClr val="black"/>
+              </a:solidFill>
+              <a:latin typeface="Arial Narrow" panose="020B0606020202030204" pitchFamily="34" charset="0"/>
+            </a:endParaRPr>
+          </a:p>
+        </p:txBody>
+      </p:sp>
+      <p:sp>
+        <p:nvSpPr>
+          <p:cNvPr id="7" name="6 CuadroTexto"/>
+          <p:cNvSpPr txBox="1"/>
+          <p:nvPr/>
+        </p:nvSpPr>
+        <p:spPr>
+          <a:xfrm>
+            <a:off x="3806456" y="3993788"/>
+            <a:ext cx="1531088" cy="307777"/>
+          </a:xfrm>
+          <a:prstGeom prst="rect">
+            <a:avLst/>
+          </a:prstGeom>
+          <a:noFill/>
+        </p:spPr>
+        <p:txBody>
+          <a:bodyPr wrap="square" rtlCol="0">
+            <a:spAutoFit/>
+          </a:bodyPr>
+          <a:lstStyle/>
+          <a:p>
+            <a:pPr algn="r">
+              <a:defRPr sz="1400"/>
+            </a:pPr>
+            <a:r>
+              <a:rPr lang="es-MX" sz="1400" dirty="0" smtClean="0">
+                <a:solidFill>
+                  <a:prstClr val="black"/>
+                </a:solidFill>
+              </a:rPr>
+              <a:t>|</a:t>
+            </a:r>
+            <a:endParaRPr lang="es-MX" sz="1600" dirty="0">
+              <a:solidFill>
+                <a:prstClr val="black"/>
+              </a:solidFill>
+              <a:latin typeface="Arial Narrow" panose="020B0606020202030204" pitchFamily="34" charset="0"/>
+            </a:endParaRPr>
+          </a:p>
+        </p:txBody>
+      </p:sp>
+      <p:sp>
+        <p:nvSpPr>
+          <p:cNvPr id="10" name="9 CuadroTexto"/>
+          <p:cNvSpPr txBox="1"/>
+          <p:nvPr/>
+        </p:nvSpPr>
+        <p:spPr>
+          <a:xfrm>
+            <a:off x="6007394" y="3981913"/>
+            <a:ext cx="1612606" cy="307777"/>
+          </a:xfrm>
+          <a:prstGeom prst="rect">
+            <a:avLst/>
+          </a:prstGeom>
+          <a:noFill/>
+        </p:spPr>
+        <p:txBody>
+          <a:bodyPr wrap="square" rtlCol="0">
+            <a:spAutoFit/>
+          </a:bodyPr>
+          <a:lstStyle/>
+          <a:p>
+            <a:pPr algn="r">
+              <a:defRPr sz="1400"/>
+            </a:pPr>
+            <a:r>
+              <a:rPr lang="es-MX" sz="1400" dirty="0">
+                <a:solidFill>
+                  <a:prstClr val="black"/>
+                </a:solidFill>
+              </a:rPr>
+              <a:t>|</a:t>
+            </a:r>
+            <a:endParaRPr lang="es-MX" sz="1600" dirty="0">
+              <a:solidFill>
+                <a:prstClr val="black"/>
+              </a:solidFill>
+              <a:latin typeface="Arial Narrow" panose="020B0606020202030204" pitchFamily="34" charset="0"/>
+            </a:endParaRPr>
+          </a:p>
+        </p:txBody>
+      </p:sp>
+      <p:sp>
+        <p:nvSpPr>
+          <p:cNvPr id="11" name="10 CuadroTexto"/>
+          <p:cNvSpPr txBox="1"/>
+          <p:nvPr/>
+        </p:nvSpPr>
+        <p:spPr>
+          <a:xfrm>
+            <a:off x="3806456" y="4791296"/>
+            <a:ext cx="1531088" cy="307777"/>
+          </a:xfrm>
+          <a:prstGeom prst="rect">
+            <a:avLst/>
+          </a:prstGeom>
+          <a:noFill/>
+        </p:spPr>
+        <p:txBody>
+          <a:bodyPr wrap="square" rtlCol="0">
+            <a:spAutoFit/>
+          </a:bodyPr>
+          <a:lstStyle/>
+          <a:p>
+            <a:pPr algn="r">
+              <a:defRPr sz="1400"/>
+            </a:pPr>
+            <a:r>
+              <a:rPr lang="es-MX" sz="1400" dirty="0" smtClean="0">
+                <a:solidFill>
+                  <a:prstClr val="black"/>
+                </a:solidFill>
+              </a:rPr>
+              <a:t>|</a:t>
+            </a:r>
+            <a:endParaRPr lang="es-MX" sz="1600" b="1" dirty="0">
+              <a:solidFill>
+                <a:prstClr val="black"/>
+              </a:solidFill>
+              <a:latin typeface="Arial Narrow" panose="020B0606020202030204" pitchFamily="34" charset="0"/>
+            </a:endParaRPr>
+          </a:p>
+        </p:txBody>
+      </p:sp>
+      <p:sp>
+        <p:nvSpPr>
+          <p:cNvPr id="12" name="11 CuadroTexto"/>
+          <p:cNvSpPr txBox="1"/>
+          <p:nvPr/>
+        </p:nvSpPr>
+        <p:spPr>
+          <a:xfrm>
+            <a:off x="6007394" y="4791296"/>
+            <a:ext cx="1612606" cy="307777"/>
+          </a:xfrm>
+          <a:prstGeom prst="rect">
+            <a:avLst/>
+          </a:prstGeom>
+          <a:noFill/>
+        </p:spPr>
+        <p:txBody>
+          <a:bodyPr wrap="square" rtlCol="0">
+            <a:spAutoFit/>
+          </a:bodyPr>
+          <a:lstStyle/>
+          <a:p>
+            <a:pPr algn="r">
+              <a:defRPr sz="1400"/>
+            </a:pPr>
+            <a:r>
+              <a:rPr lang="es-MX" sz="1400" dirty="0">
+                <a:solidFill>
+                  <a:prstClr val="black"/>
+                </a:solidFill>
+              </a:rPr>
+              <a:t>|</a:t>
+            </a:r>
+            <a:endParaRPr sz="1400" dirty="0">
+              <a:solidFill>
+                <a:prstClr val="black"/>
+              </a:solidFill>
+            </a:endParaRPr>
+          </a:p>
+        </p:txBody>
+      </p:sp>
+      <p:sp>
+        <p:nvSpPr>
+          <p:cNvPr id="13" name="12 CuadroTexto"/>
+          <p:cNvSpPr txBox="1"/>
+          <p:nvPr/>
+        </p:nvSpPr>
+        <p:spPr>
+          <a:xfrm>
+            <a:off x="3806456" y="4379136"/>
+            <a:ext cx="1531088" cy="307777"/>
+          </a:xfrm>
+          <a:prstGeom prst="rect">
+            <a:avLst/>
+          </a:prstGeom>
+          <a:noFill/>
+        </p:spPr>
+        <p:txBody>
+          <a:bodyPr wrap="square" rtlCol="0">
+            <a:spAutoFit/>
+          </a:bodyPr>
+          <a:lstStyle/>
+          <a:p>
+            <a:pPr algn="r">
+              <a:defRPr sz="1400"/>
+            </a:pPr>
+            <a:r>
+              <a:rPr lang="es-MX" sz="1400" dirty="0" smtClean="0">
+                <a:solidFill>
+                  <a:prstClr val="black"/>
+                </a:solidFill>
+              </a:rPr>
+              <a:t>|</a:t>
+            </a:r>
+            <a:endParaRPr lang="es-MX" sz="1600" dirty="0">
+              <a:solidFill>
+                <a:prstClr val="black"/>
+              </a:solidFill>
+              <a:latin typeface="Arial Narrow" panose="020B0606020202030204" pitchFamily="34" charset="0"/>
+            </a:endParaRPr>
+          </a:p>
+        </p:txBody>
+      </p:sp>
+      <p:sp>
+        <p:nvSpPr>
+          <p:cNvPr id="14" name="13 CuadroTexto"/>
+          <p:cNvSpPr txBox="1"/>
+          <p:nvPr/>
+        </p:nvSpPr>
+        <p:spPr>
+          <a:xfrm>
+            <a:off x="6007394" y="4389770"/>
+            <a:ext cx="1612606" cy="307777"/>
+          </a:xfrm>
+          <a:prstGeom prst="rect">
+            <a:avLst/>
+          </a:prstGeom>
+          <a:noFill/>
+        </p:spPr>
+        <p:txBody>
+          <a:bodyPr wrap="square" rtlCol="0">
+            <a:spAutoFit/>
+          </a:bodyPr>
+          <a:lstStyle/>
+          <a:p>
+            <a:pPr algn="r">
+              <a:defRPr sz="1400"/>
+            </a:pPr>
+            <a:r>
+              <a:rPr lang="es-MX" sz="1400" dirty="0">
+                <a:solidFill>
+                  <a:prstClr val="black"/>
+                </a:solidFill>
+              </a:rPr>
+              <a:t>|</a:t>
+            </a:r>
+            <a:endParaRPr lang="es-MX" sz="1600" dirty="0">
+              <a:solidFill>
+                <a:prstClr val="black"/>
+              </a:solidFill>
+              <a:latin typeface="Arial Narrow" panose="020B0606020202030204" pitchFamily="34" charset="0"/>
+            </a:endParaRPr>
+          </a:p>
+        </p:txBody>
+      </p:sp>
+    </p:spTree>
+    <p:extLst>
+      <p:ext uri="{BB962C8B-B14F-4D97-AF65-F5344CB8AC3E}">
+        <p14:creationId xmlns:p14="http://schemas.microsoft.com/office/powerpoint/2010/main" val="227261402"/>
+      </p:ext>
+    </p:extLst>
+  </p:cSld>
+  <p:clrMapOvr>
+    <a:masterClrMapping/>
+  </p:clrMapOvr>
+  <p:timing>
+    <p:tnLst>
+      <p:par>
+        <p:cTn id="1" dur="indefinite" restart="never" nodeType="tmRoot"/>
+      </p:par>
+    </p:tnLst>
+  </p:timing>
+</p:sld>
+</file>
+
+<file path=ppt/slides/slide18.xml><?xml version="1.0" encoding="utf-8"?>
+<p:sld xmlns:a="http://schemas.openxmlformats.org/drawingml/2006/main" xmlns:r="http://schemas.openxmlformats.org/officeDocument/2006/relationships" xmlns:p="http://schemas.openxmlformats.org/presentationml/2006/main">
+  <p:cSld>
+    <p:spTree>
+      <p:nvGrpSpPr>
+        <p:cNvPr id="1" name=""/>
+        <p:cNvGrpSpPr/>
+        <p:nvPr/>
+      </p:nvGrpSpPr>
+      <p:grpSpPr>
+        <a:xfrm>
+          <a:off x="0" y="0"/>
+          <a:ext cx="0" cy="0"/>
+          <a:chOff x="0" y="0"/>
+          <a:chExt cx="0" cy="0"/>
+        </a:xfrm>
+      </p:grpSpPr>
+      <p:graphicFrame>
+        <p:nvGraphicFramePr>
+          <p:cNvPr id="4" name="3 Tabla"/>
+          <p:cNvGraphicFramePr>
+            <a:graphicFrameLocks noGrp="1"/>
+          </p:cNvGraphicFramePr>
+          <p:nvPr>
+            <p:extLst/>
+          </p:nvPr>
+        </p:nvGraphicFramePr>
+        <p:xfrm>
+          <a:off x="558001" y="1266658"/>
+          <a:ext cx="8027999" cy="5320425"/>
+        </p:xfrm>
+        <a:graphic>
+          <a:graphicData uri="http://schemas.openxmlformats.org/drawingml/2006/table">
+            <a:tbl>
+              <a:tblPr firstRow="1" bandRow="1">
+                <a:tableStyleId>{5C22544A-7EE6-4342-B048-85BDC9FD1C3A}</a:tableStyleId>
+              </a:tblPr>
+              <a:tblGrid>
+                <a:gridCol w="459192"/>
+                <a:gridCol w="2212757"/>
+                <a:gridCol w="5356050"/>
+              </a:tblGrid>
+              <a:tr h="140936">
+                <a:tc gridSpan="2">
+                  <a:txBody>
+                    <a:bodyPr/>
+                    <a:lstStyle/>
+                    <a:p>
+                      <a:pPr algn="ctr">
+                        <a:lnSpc>
+                          <a:spcPts val="900"/>
+                        </a:lnSpc>
+                        <a:spcBef>
+                          <a:spcPts val="600"/>
+                        </a:spcBef>
+                        <a:spcAft>
+                          <a:spcPts val="300"/>
+                        </a:spcAft>
+                      </a:pPr>
+                      <a:endParaRPr lang="es-MX" sz="900" dirty="0">
+                        <a:solidFill>
+                          <a:srgbClr val="008040"/>
+                        </a:solidFill>
+                        <a:effectLst/>
+                        <a:latin typeface="Arial Narrow" panose="020B0606020202030204" pitchFamily="34" charset="0"/>
+                        <a:ea typeface="Calibri"/>
+                        <a:cs typeface="Times New Roman"/>
+                      </a:endParaRPr>
+                    </a:p>
+                  </a:txBody>
+                  <a:tcPr marL="63988" marR="63988" marT="0" marB="0" anchor="ctr">
+                    <a:solidFill>
+                      <a:schemeClr val="bg1">
+                        <a:lumMod val="95000"/>
+                      </a:schemeClr>
+                    </a:solidFill>
+                  </a:tcPr>
+                </a:tc>
+                <a:tc hMerge="1">
+                  <a:txBody>
+                    <a:bodyPr/>
+                    <a:lstStyle/>
+                    <a:p>
+                      <a:endParaRPr lang="es-MX"/>
+                    </a:p>
+                  </a:txBody>
+                  <a:tcPr/>
+                </a:tc>
+                <a:tc>
+                  <a:txBody>
+                    <a:bodyPr/>
+                    <a:lstStyle/>
+                    <a:p>
+                      <a:pPr algn="ctr">
+                        <a:lnSpc>
+                          <a:spcPts val="900"/>
+                        </a:lnSpc>
+                        <a:spcBef>
+                          <a:spcPts val="600"/>
+                        </a:spcBef>
+                        <a:spcAft>
+                          <a:spcPts val="300"/>
+                        </a:spcAft>
+                      </a:pPr>
+                      <a:endParaRPr lang="es-MX" sz="900" dirty="0">
+                        <a:solidFill>
+                          <a:srgbClr val="008040"/>
+                        </a:solidFill>
+                        <a:effectLst/>
+                        <a:latin typeface="Arial Narrow" panose="020B0606020202030204" pitchFamily="34" charset="0"/>
+                        <a:ea typeface="Calibri"/>
+                        <a:cs typeface="Times New Roman"/>
+                      </a:endParaRPr>
+                    </a:p>
+                  </a:txBody>
+                  <a:tcPr marL="63988" marR="63988" marT="0" marB="0" anchor="ctr">
+                    <a:noFill/>
+                  </a:tcPr>
+                </a:tc>
+              </a:tr>
+              <a:tr h="462397">
+                <a:tc>
+                  <a:txBody>
+                    <a:bodyPr/>
+                    <a:lstStyle/>
+                    <a:p>
+                      <a:pPr algn="ctr">
+                        <a:lnSpc>
+                          <a:spcPts val="1100"/>
+                        </a:lnSpc>
+                        <a:spcBef>
+                          <a:spcPts val="600"/>
+                        </a:spcBef>
+                        <a:spcAft>
+                          <a:spcPts val="300"/>
+                        </a:spcAft>
+                      </a:pPr>
+                      <a:endParaRPr lang="es-MX" sz="1100" b="1" dirty="0">
+                        <a:solidFill>
+                          <a:srgbClr val="008040"/>
+                        </a:solidFill>
+                        <a:effectLst/>
+                        <a:latin typeface="Arial Narrow" panose="020B0606020202030204" pitchFamily="34" charset="0"/>
+                        <a:ea typeface="Calibri"/>
+                        <a:cs typeface="Times New Roman"/>
+                      </a:endParaRPr>
+                    </a:p>
+                  </a:txBody>
+                  <a:tcPr marL="68580" marR="68580" marT="0" marB="0" anchor="ctr">
+                    <a:lnL w="3175" cap="flat" cmpd="sng" algn="ctr">
+                      <a:noFill/>
+                      <a:prstDash val="solid"/>
+                      <a:round/>
+                      <a:headEnd type="none" w="med" len="med"/>
+                      <a:tailEnd type="none" w="med" len="med"/>
+                    </a:lnL>
+                    <a:lnR w="6350" cap="flat" cmpd="sng" algn="ctr">
+                      <a:solidFill>
+                        <a:schemeClr val="bg1"/>
+                      </a:solidFill>
+                      <a:prstDash val="solid"/>
+                      <a:round/>
+                      <a:headEnd type="none" w="med" len="med"/>
+                      <a:tailEnd type="none" w="med" len="med"/>
+                    </a:lnR>
+                    <a:solidFill>
+                      <a:srgbClr val="002060"/>
+                    </a:solidFill>
+                  </a:tcPr>
+                </a:tc>
+                <a:tc>
+                  <a:txBody>
+                    <a:bodyPr/>
+                    <a:lstStyle/>
+                    <a:p>
+                      <a:pPr marL="0" marR="0" indent="0" algn="l" defTabSz="457200" rtl="0" eaLnBrk="1" fontAlgn="auto" latinLnBrk="0" hangingPunct="1">
+                        <a:lnSpc>
+                          <a:spcPts val="1100"/>
+                        </a:lnSpc>
+                        <a:spcBef>
+                          <a:spcPts val="0"/>
+                        </a:spcBef>
+                        <a:spcAft>
+                          <a:spcPts val="0"/>
+                        </a:spcAft>
+                        <a:buClrTx/>
+                        <a:buSzTx/>
+                        <a:buFontTx/>
+                        <a:buNone/>
+                        <a:tabLst/>
+                        <a:defRPr/>
+                      </a:pPr>
+                      <a:r>
+                        <a:rPr lang="es-MX" sz="1400" b="1" dirty="0" smtClean="0">
+                          <a:solidFill>
+                            <a:schemeClr val="tx1">
+                              <a:lumMod val="75000"/>
+                              <a:lumOff val="25000"/>
+                            </a:schemeClr>
+                          </a:solidFill>
+                          <a:effectLst/>
+                          <a:latin typeface="Arial Narrow" panose="020B0606020202030204" pitchFamily="34" charset="0"/>
+                          <a:ea typeface="Calibri"/>
+                          <a:cs typeface="Arial"/>
+                        </a:rPr>
+                        <a:t>Secretaría de Cultura</a:t>
+                      </a:r>
+                      <a:endParaRPr lang="es-MX" sz="1400" b="1" dirty="0" smtClean="0">
+                        <a:solidFill>
+                          <a:schemeClr val="tx1">
+                            <a:lumMod val="75000"/>
+                            <a:lumOff val="25000"/>
+                          </a:schemeClr>
+                        </a:solidFill>
+                        <a:effectLst/>
+                        <a:latin typeface="Arial Narrow" panose="020B0606020202030204" pitchFamily="34" charset="0"/>
+                        <a:ea typeface="Calibri"/>
+                        <a:cs typeface="Arial"/>
+                      </a:endParaRPr>
+                    </a:p>
+                  </a:txBody>
+                  <a:tcPr marL="68580" marR="68580" marT="0" marB="0" anchor="ctr">
+                    <a:lnL w="6350" cap="flat" cmpd="sng" algn="ctr">
+                      <a:solidFill>
+                        <a:schemeClr val="bg1"/>
+                      </a:solidFill>
+                      <a:prstDash val="solid"/>
+                      <a:round/>
+                      <a:headEnd type="none" w="med" len="med"/>
+                      <a:tailEnd type="none" w="med" len="med"/>
+                    </a:lnL>
+                    <a:lnR w="6350" cap="flat" cmpd="sng" algn="ctr">
+                      <a:solidFill>
+                        <a:schemeClr val="bg1"/>
+                      </a:solidFill>
+                      <a:prstDash val="solid"/>
+                      <a:round/>
+                      <a:headEnd type="none" w="med" len="med"/>
+                      <a:tailEnd type="none" w="med" len="med"/>
+                    </a:lnR>
+                    <a:solidFill>
+                      <a:srgbClr val="E4E4E4"/>
+                    </a:solidFill>
+                  </a:tcPr>
+                </a:tc>
+                <a:tc>
+                  <a:txBody>
+                    <a:bodyPr/>
+                    <a:lstStyle/>
+                    <a:p>
+                      <a:pPr marL="0" marR="0" indent="0" algn="ctr" defTabSz="457200" rtl="0" eaLnBrk="1" fontAlgn="auto" latinLnBrk="0" hangingPunct="1">
+                        <a:lnSpc>
+                          <a:spcPts val="1100"/>
+                        </a:lnSpc>
+                        <a:spcBef>
+                          <a:spcPts val="600"/>
+                        </a:spcBef>
+                        <a:spcAft>
+                          <a:spcPts val="300"/>
+                        </a:spcAft>
+                        <a:buClrTx/>
+                        <a:buSzTx/>
+                        <a:buFontTx/>
+                        <a:buNone/>
+                        <a:tabLst/>
+                        <a:defRPr/>
+                      </a:pPr>
+                      <a:endParaRPr lang="es-MX" sz="1100" b="1" dirty="0" smtClean="0">
+                        <a:solidFill>
+                          <a:srgbClr val="008040"/>
+                        </a:solidFill>
+                        <a:effectLst/>
+                        <a:latin typeface="Arial Narrow" panose="020B0606020202030204" pitchFamily="34" charset="0"/>
+                        <a:ea typeface="Calibri"/>
+                        <a:cs typeface="Times New Roman"/>
+                      </a:endParaRPr>
+                    </a:p>
+                  </a:txBody>
+                  <a:tcPr marL="68580" marR="68580" marT="0" marB="0" anchor="ctr">
+                    <a:lnL w="6350" cap="flat" cmpd="sng" algn="ctr">
+                      <a:solidFill>
+                        <a:schemeClr val="bg1"/>
+                      </a:solidFill>
+                      <a:prstDash val="solid"/>
+                      <a:round/>
+                      <a:headEnd type="none" w="med" len="med"/>
+                      <a:tailEnd type="none" w="med" len="med"/>
+                    </a:lnL>
+                    <a:lnR w="6350" cap="flat" cmpd="sng" algn="ctr">
+                      <a:solidFill>
+                        <a:schemeClr val="bg1"/>
+                      </a:solidFill>
+                      <a:prstDash val="solid"/>
+                      <a:round/>
+                      <a:headEnd type="none" w="med" len="med"/>
+                      <a:tailEnd type="none" w="med" len="med"/>
+                    </a:lnR>
+                    <a:noFill/>
+                  </a:tcPr>
+                </a:tc>
+              </a:tr>
+              <a:tr h="105511">
+                <a:tc gridSpan="2">
+                  <a:txBody>
+                    <a:bodyPr/>
+                    <a:lstStyle/>
+                    <a:p>
+                      <a:pPr algn="l">
+                        <a:lnSpc>
+                          <a:spcPct val="120000"/>
+                        </a:lnSpc>
+                        <a:spcAft>
+                          <a:spcPts val="0"/>
+                        </a:spcAft>
+                      </a:pPr>
+                      <a:endParaRPr lang="es-MX" sz="300" dirty="0">
+                        <a:solidFill>
+                          <a:srgbClr val="404040"/>
+                        </a:solidFill>
+                        <a:effectLst/>
+                        <a:latin typeface="Arial Narrow" panose="020B0606020202030204" pitchFamily="34" charset="0"/>
+                        <a:ea typeface="Calibri"/>
+                        <a:cs typeface="Times New Roman"/>
+                      </a:endParaRPr>
+                    </a:p>
+                  </a:txBody>
+                  <a:tcPr marL="41308" marR="41308" marT="0" marB="0" anchor="ctr">
+                    <a:lnB w="3175" cap="flat" cmpd="sng" algn="ctr">
+                      <a:solidFill>
+                        <a:schemeClr val="bg1">
+                          <a:lumMod val="85000"/>
+                        </a:schemeClr>
+                      </a:solidFill>
+                      <a:prstDash val="solid"/>
+                      <a:round/>
+                      <a:headEnd type="none" w="med" len="med"/>
+                      <a:tailEnd type="none" w="med" len="med"/>
+                    </a:lnB>
+                    <a:solidFill>
+                      <a:schemeClr val="bg1"/>
+                    </a:solidFill>
+                  </a:tcPr>
+                </a:tc>
+                <a:tc hMerge="1">
+                  <a:txBody>
+                    <a:bodyPr/>
+                    <a:lstStyle/>
+                    <a:p>
+                      <a:endParaRPr lang="es-MX"/>
+                    </a:p>
+                  </a:txBody>
+                  <a:tcPr/>
+                </a:tc>
+                <a:tc>
+                  <a:txBody>
+                    <a:bodyPr/>
+                    <a:lstStyle/>
+                    <a:p>
+                      <a:pPr algn="l">
+                        <a:lnSpc>
+                          <a:spcPct val="120000"/>
+                        </a:lnSpc>
+                        <a:spcAft>
+                          <a:spcPts val="0"/>
+                        </a:spcAft>
+                      </a:pPr>
+                      <a:endParaRPr lang="es-MX" sz="300" dirty="0">
+                        <a:solidFill>
+                          <a:srgbClr val="404040"/>
+                        </a:solidFill>
+                        <a:effectLst/>
+                        <a:latin typeface="Arial Narrow" panose="020B0606020202030204" pitchFamily="34" charset="0"/>
+                        <a:ea typeface="Calibri"/>
+                        <a:cs typeface="Times New Roman"/>
+                      </a:endParaRPr>
+                    </a:p>
+                  </a:txBody>
+                  <a:tcPr marL="41308" marR="41308" marT="0" marB="0" anchor="ctr">
+                    <a:lnB w="3175" cap="flat" cmpd="sng" algn="ctr">
+                      <a:solidFill>
+                        <a:schemeClr val="bg1">
+                          <a:lumMod val="85000"/>
+                        </a:schemeClr>
+                      </a:solidFill>
+                      <a:prstDash val="solid"/>
+                      <a:round/>
+                      <a:headEnd type="none" w="med" len="med"/>
+                      <a:tailEnd type="none" w="med" len="med"/>
+                    </a:lnB>
+                    <a:solidFill>
+                      <a:schemeClr val="bg1"/>
+                    </a:solidFill>
+                  </a:tcPr>
+                </a:tc>
+              </a:tr>
+              <a:tr h="4611581">
+                <a:tc gridSpan="3">
+                  <a:txBody>
+                    <a:bodyPr/>
+                    <a:lstStyle/>
+                    <a:p>
+                      <a:pPr marL="0" marR="0" indent="0" algn="l" defTabSz="457200" rtl="0" eaLnBrk="1" fontAlgn="auto" latinLnBrk="0" hangingPunct="1">
+                        <a:lnSpc>
+                          <a:spcPct val="120000"/>
+                        </a:lnSpc>
+                        <a:spcBef>
+                          <a:spcPts val="0"/>
+                        </a:spcBef>
+                        <a:spcAft>
+                          <a:spcPts val="0"/>
+                        </a:spcAft>
+                        <a:buClr>
+                          <a:srgbClr val="008040"/>
+                        </a:buClr>
+                        <a:buSzTx/>
+                        <a:buFont typeface="Wingdings" panose="05000000000000000000" pitchFamily="2" charset="2"/>
+                        <a:buNone/>
+                        <a:tabLst/>
+                        <a:defRPr/>
+                      </a:pPr>
+                      <a:endParaRPr lang="es-MX" sz="1400" dirty="0" smtClean="0">
+                        <a:solidFill>
+                          <a:schemeClr val="tx1">
+                            <a:lumMod val="75000"/>
+                            <a:lumOff val="25000"/>
+                          </a:schemeClr>
+                        </a:solidFill>
+                        <a:effectLst/>
+                        <a:latin typeface="Arial Narrow" panose="020B0606020202030204" pitchFamily="34" charset="0"/>
+                        <a:ea typeface="Calibri"/>
+                        <a:cs typeface="Arial"/>
+                      </a:endParaRPr>
+                    </a:p>
+                    <a:p>
+                      <a:pPr marL="4763" lvl="1" indent="0" algn="just">
+                        <a:buNone/>
+                      </a:pPr>
+                      <a:endParaRPr lang="es-MX" sz="1200" b="1" dirty="0" smtClean="0">
+                        <a:solidFill>
+                          <a:srgbClr val="C00000"/>
+                        </a:solidFill>
+                        <a:latin typeface="Arial Narrow" panose="020B0606020202030204" pitchFamily="34" charset="0"/>
+                      </a:endParaRPr>
+                    </a:p>
+                    <a:p>
+                      <a:pPr marL="0" marR="0" indent="0" algn="l" defTabSz="457200" rtl="0" eaLnBrk="1" fontAlgn="auto" latinLnBrk="0" hangingPunct="1">
+                        <a:lnSpc>
+                          <a:spcPct val="120000"/>
+                        </a:lnSpc>
+                        <a:spcBef>
+                          <a:spcPts val="0"/>
+                        </a:spcBef>
+                        <a:spcAft>
+                          <a:spcPts val="0"/>
+                        </a:spcAft>
+                        <a:buClr>
+                          <a:srgbClr val="008040"/>
+                        </a:buClr>
+                        <a:buSzTx/>
+                        <a:buFont typeface="Wingdings" panose="05000000000000000000" pitchFamily="2" charset="2"/>
+                        <a:buNone/>
+                        <a:tabLst/>
+                        <a:defRPr/>
+                      </a:pPr>
+                      <a:endParaRPr lang="es-MX" sz="1200" dirty="0" smtClean="0">
+                        <a:solidFill>
+                          <a:schemeClr val="tx1">
+                            <a:lumMod val="75000"/>
+                            <a:lumOff val="25000"/>
+                          </a:schemeClr>
+                        </a:solidFill>
+                        <a:effectLst/>
+                        <a:latin typeface="Arial Narrow" panose="020B0606020202030204" pitchFamily="34" charset="0"/>
+                        <a:ea typeface="Calibri"/>
+                        <a:cs typeface="Arial"/>
+                      </a:endParaRPr>
+                    </a:p>
+                    <a:p>
+                      <a:pPr marL="4763" lvl="1" indent="0" algn="just">
+                        <a:buNone/>
+                      </a:pPr>
+                      <a:r>
+                        <a:rPr lang="es-MX" sz="1200" dirty="0" smtClean="0">
+                          <a:solidFill>
+                            <a:schemeClr val="tx1">
+                              <a:lumMod val="75000"/>
+                              <a:lumOff val="25000"/>
+                            </a:schemeClr>
+                          </a:solidFill>
+                          <a:latin typeface="Arial Narrow" panose="020B0606020202030204" pitchFamily="34" charset="0"/>
+                        </a:rPr>
+                        <a:t>.</a:t>
+                      </a:r>
+                    </a:p>
+                  </a:txBody>
+                  <a:tcPr marL="68580" marR="68580" marT="0" marB="0">
+                    <a:lnL w="12700" cmpd="sng">
+                      <a:noFill/>
+                    </a:lnL>
+                    <a:lnR w="76200" cap="flat" cmpd="sng" algn="ctr">
+                      <a:noFill/>
+                      <a:prstDash val="solid"/>
+                      <a:round/>
+                      <a:headEnd type="none" w="med" len="med"/>
+                      <a:tailEnd type="none" w="med" len="med"/>
+                    </a:lnR>
+                    <a:lnT w="3175" cap="flat" cmpd="sng" algn="ctr">
+                      <a:solidFill>
+                        <a:schemeClr val="bg1">
+                          <a:lumMod val="85000"/>
+                        </a:schemeClr>
+                      </a:solidFill>
+                      <a:prstDash val="solid"/>
+                      <a:round/>
+                      <a:headEnd type="none" w="med" len="med"/>
+                      <a:tailEnd type="none" w="med" len="med"/>
+                    </a:lnT>
+                    <a:lnB w="6350" cap="flat" cmpd="sng" algn="ctr">
+                      <a:noFill/>
+                      <a:prstDash val="solid"/>
+                      <a:round/>
+                      <a:headEnd type="none" w="med" len="med"/>
+                      <a:tailEnd type="none" w="med" len="med"/>
+                    </a:lnB>
+                    <a:lnTlToBr w="12700" cmpd="sng">
+                      <a:noFill/>
+                      <a:prstDash val="solid"/>
+                    </a:lnTlToBr>
+                    <a:lnBlToTr w="12700" cmpd="sng">
+                      <a:noFill/>
+                      <a:prstDash val="solid"/>
+                    </a:lnBlToTr>
+                    <a:noFill/>
+                  </a:tcPr>
+                </a:tc>
+                <a:tc hMerge="1">
+                  <a:txBody>
+                    <a:bodyPr/>
+                    <a:lstStyle/>
+                    <a:p>
+                      <a:endParaRPr lang="es-MX"/>
+                    </a:p>
+                  </a:txBody>
+                  <a:tcPr/>
+                </a:tc>
+                <a:tc hMerge="1">
+                  <a:txBody>
+                    <a:bodyPr/>
+                    <a:lstStyle/>
+                    <a:p>
+                      <a:pPr marL="0" indent="0" algn="l">
+                        <a:lnSpc>
+                          <a:spcPct val="120000"/>
+                        </a:lnSpc>
+                        <a:spcAft>
+                          <a:spcPts val="0"/>
+                        </a:spcAft>
+                        <a:buClr>
+                          <a:srgbClr val="008040"/>
+                        </a:buClr>
+                        <a:buFont typeface="Wingdings" panose="05000000000000000000" pitchFamily="2" charset="2"/>
+                        <a:buNone/>
+                      </a:pPr>
+                      <a:endParaRPr lang="es-MX" sz="1100" b="1" dirty="0">
+                        <a:solidFill>
+                          <a:schemeClr val="tx1">
+                            <a:lumMod val="75000"/>
+                            <a:lumOff val="25000"/>
+                          </a:schemeClr>
+                        </a:solidFill>
+                        <a:effectLst/>
+                        <a:latin typeface="Arial Narrow" panose="020B0606020202030204" pitchFamily="34" charset="0"/>
+                        <a:ea typeface="Calibri"/>
+                        <a:cs typeface="Times New Roman"/>
+                      </a:endParaRPr>
+                    </a:p>
+                  </a:txBody>
+                  <a:tcPr marL="68580" marR="68580" marT="0" marB="0">
+                    <a:lnL w="12700" cmpd="sng">
+                      <a:noFill/>
+                    </a:lnL>
+                    <a:lnR w="76200" cap="flat" cmpd="sng" algn="ctr">
+                      <a:noFill/>
+                      <a:prstDash val="solid"/>
+                      <a:round/>
+                      <a:headEnd type="none" w="med" len="med"/>
+                      <a:tailEnd type="none" w="med" len="med"/>
+                    </a:lnR>
+                    <a:lnT w="3175" cap="flat" cmpd="sng" algn="ctr">
+                      <a:solidFill>
+                        <a:srgbClr val="008040"/>
+                      </a:solidFill>
+                      <a:prstDash val="solid"/>
+                      <a:round/>
+                      <a:headEnd type="none" w="med" len="med"/>
+                      <a:tailEnd type="none" w="med" len="med"/>
+                    </a:lnT>
+                    <a:lnB w="6350" cap="flat" cmpd="sng" algn="ctr">
+                      <a:noFill/>
+                      <a:prstDash val="solid"/>
+                      <a:round/>
+                      <a:headEnd type="none" w="med" len="med"/>
+                      <a:tailEnd type="none" w="med" len="med"/>
+                    </a:lnB>
+                    <a:lnTlToBr w="12700" cmpd="sng">
+                      <a:noFill/>
+                      <a:prstDash val="solid"/>
+                    </a:lnTlToBr>
+                    <a:lnBlToTr w="12700" cmpd="sng">
+                      <a:noFill/>
+                      <a:prstDash val="solid"/>
+                    </a:lnBlToTr>
+                    <a:noFill/>
+                  </a:tcPr>
+                </a:tc>
+              </a:tr>
+            </a:tbl>
+          </a:graphicData>
+        </a:graphic>
+      </p:graphicFrame>
+      <p:pic>
+        <p:nvPicPr>
+          <p:cNvPr id="6" name="5 Imagen">
+            <a:hlinkClick r:id="rId3" action="ppaction://hlinkpres?slideindex=2&amp;slidetitle=Obras Concluidas por Sector"/>
+          </p:cNvPr>
+          <p:cNvPicPr>
+            <a:picLocks noChangeAspect="1"/>
+          </p:cNvPicPr>
+          <p:nvPr/>
+        </p:nvPicPr>
+        <p:blipFill>
+          <a:blip r:embed="rId4">
+            <a:extLst>
+              <a:ext uri="{28A0092B-C50C-407E-A947-70E740481C1C}">
+                <a14:useLocalDpi xmlns:a14="http://schemas.microsoft.com/office/drawing/2010/main" val="0"/>
+              </a:ext>
+            </a:extLst>
+          </a:blip>
+          <a:stretch>
+            <a:fillRect/>
+          </a:stretch>
+        </p:blipFill>
+        <p:spPr>
+          <a:xfrm>
+            <a:off x="8822656" y="6475642"/>
+            <a:ext cx="234000" cy="303946"/>
+          </a:xfrm>
+          <a:prstGeom prst="rect">
+            <a:avLst/>
+          </a:prstGeom>
+        </p:spPr>
+      </p:pic>
+      <p:pic>
+        <p:nvPicPr>
+          <p:cNvPr id="7" name="4 Imagen"/>
+          <p:cNvPicPr>
+            <a:picLocks noChangeAspect="1"/>
+          </p:cNvPicPr>
+          <p:nvPr/>
+        </p:nvPicPr>
+        <p:blipFill>
+          <a:blip r:embed="rId5">
+            <a:extLst>
+              <a:ext uri="{28A0092B-C50C-407E-A947-70E740481C1C}">
+                <a14:useLocalDpi xmlns:a14="http://schemas.microsoft.com/office/drawing/2010/main" val="0"/>
+              </a:ext>
+            </a:extLst>
+          </a:blip>
+          <a:stretch>
+            <a:fillRect/>
+          </a:stretch>
+        </p:blipFill>
+        <p:spPr>
+          <a:xfrm>
+            <a:off x="587365" y="1462145"/>
+            <a:ext cx="390721" cy="390721"/>
+          </a:xfrm>
+          <a:prstGeom prst="rect">
+            <a:avLst/>
+          </a:prstGeom>
+        </p:spPr>
+      </p:pic>
+    </p:spTree>
+    <p:extLst>
+      <p:ext uri="{BB962C8B-B14F-4D97-AF65-F5344CB8AC3E}">
+        <p14:creationId xmlns:p14="http://schemas.microsoft.com/office/powerpoint/2010/main" val="1296057920"/>
+      </p:ext>
+    </p:extLst>
+  </p:cSld>
+  <p:clrMapOvr>
+    <a:masterClrMapping/>
+  </p:clrMapOvr>
+  <p:timing>
+    <p:tnLst>
+      <p:par>
+        <p:cTn id="1" dur="indefinite" restart="never" nodeType="tmRoot"/>
+      </p:par>
+    </p:tnLst>
+  </p:timing>
+</p:sld>
+</file>
+
+<file path=ppt/slides/slide19.xml><?xml version="1.0" encoding="utf-8"?>
+<p:sld xmlns:a="http://schemas.openxmlformats.org/drawingml/2006/main" xmlns:r="http://schemas.openxmlformats.org/officeDocument/2006/relationships" xmlns:p="http://schemas.openxmlformats.org/presentationml/2006/main">
+  <p:cSld>
+    <p:spTree>
+      <p:nvGrpSpPr>
+        <p:cNvPr id="1" name=""/>
+        <p:cNvGrpSpPr/>
+        <p:nvPr/>
+      </p:nvGrpSpPr>
+      <p:grpSpPr>
+        <a:xfrm>
+          <a:off x="0" y="0"/>
+          <a:ext cx="0" cy="0"/>
+          <a:chOff x="0" y="0"/>
+          <a:chExt cx="0" cy="0"/>
+        </a:xfrm>
+      </p:grpSpPr>
+      <p:graphicFrame>
+        <p:nvGraphicFramePr>
+          <p:cNvPr id="4" name="3 Tabla"/>
+          <p:cNvGraphicFramePr>
+            <a:graphicFrameLocks noGrp="1"/>
+          </p:cNvGraphicFramePr>
+          <p:nvPr>
             <p:extLst>
               <p:ext uri="{D42A27DB-BD31-4B8C-83A1-F6EECF244321}">
                 <p14:modId xmlns:p14="http://schemas.microsoft.com/office/powerpoint/2010/main" val="2238139958"/>
@@ -14142,7 +16456,670 @@
 </p:sld>
 </file>
 
-<file path=ppt/slides/slide18.xml><?xml version="1.0" encoding="utf-8"?>
+<file path=ppt/slides/slide2.xml><?xml version="1.0" encoding="utf-8"?>
+<p:sld xmlns:a="http://schemas.openxmlformats.org/drawingml/2006/main" xmlns:r="http://schemas.openxmlformats.org/officeDocument/2006/relationships" xmlns:p="http://schemas.openxmlformats.org/presentationml/2006/main">
+  <p:cSld>
+    <p:spTree>
+      <p:nvGrpSpPr>
+        <p:cNvPr id="1" name=""/>
+        <p:cNvGrpSpPr/>
+        <p:nvPr/>
+      </p:nvGrpSpPr>
+      <p:grpSpPr>
+        <a:xfrm>
+          <a:off x="0" y="0"/>
+          <a:ext cx="0" cy="0"/>
+          <a:chOff x="0" y="0"/>
+          <a:chExt cx="0" cy="0"/>
+        </a:xfrm>
+      </p:grpSpPr>
+      <p:graphicFrame>
+        <p:nvGraphicFramePr>
+          <p:cNvPr id="4" name="3 Tabla"/>
+          <p:cNvGraphicFramePr>
+            <a:graphicFrameLocks noGrp="1"/>
+          </p:cNvGraphicFramePr>
+          <p:nvPr>
+            <p:extLst>
+              <p:ext uri="{D42A27DB-BD31-4B8C-83A1-F6EECF244321}">
+                <p14:modId xmlns:p14="http://schemas.microsoft.com/office/powerpoint/2010/main" val="233681887"/>
+              </p:ext>
+            </p:extLst>
+          </p:nvPr>
+        </p:nvGraphicFramePr>
+        <p:xfrm>
+          <a:off x="232013" y="1394275"/>
+          <a:ext cx="8707272" cy="5320425"/>
+        </p:xfrm>
+        <a:graphic>
+          <a:graphicData uri="http://schemas.openxmlformats.org/drawingml/2006/table">
+            <a:tbl>
+              <a:tblPr firstRow="1" bandRow="1">
+                <a:tableStyleId>{5C22544A-7EE6-4342-B048-85BDC9FD1C3A}</a:tableStyleId>
+              </a:tblPr>
+              <a:tblGrid>
+                <a:gridCol w="498046"/>
+                <a:gridCol w="2399985"/>
+                <a:gridCol w="5809241"/>
+              </a:tblGrid>
+              <a:tr h="140936">
+                <a:tc gridSpan="2">
+                  <a:txBody>
+                    <a:bodyPr/>
+                    <a:lstStyle/>
+                    <a:p>
+                      <a:pPr algn="ctr">
+                        <a:lnSpc>
+                          <a:spcPts val="900"/>
+                        </a:lnSpc>
+                        <a:spcBef>
+                          <a:spcPts val="600"/>
+                        </a:spcBef>
+                        <a:spcAft>
+                          <a:spcPts val="300"/>
+                        </a:spcAft>
+                      </a:pPr>
+                      <a:endParaRPr lang="es-MX" sz="900" dirty="0">
+                        <a:solidFill>
+                          <a:srgbClr val="008040"/>
+                        </a:solidFill>
+                        <a:effectLst/>
+                        <a:latin typeface="Arial Narrow" panose="020B0606020202030204" pitchFamily="34" charset="0"/>
+                        <a:ea typeface="Calibri"/>
+                        <a:cs typeface="Times New Roman"/>
+                      </a:endParaRPr>
+                    </a:p>
+                  </a:txBody>
+                  <a:tcPr marL="63988" marR="63988" marT="0" marB="0" anchor="ctr">
+                    <a:solidFill>
+                      <a:schemeClr val="bg1">
+                        <a:lumMod val="95000"/>
+                      </a:schemeClr>
+                    </a:solidFill>
+                  </a:tcPr>
+                </a:tc>
+                <a:tc hMerge="1">
+                  <a:txBody>
+                    <a:bodyPr/>
+                    <a:lstStyle/>
+                    <a:p>
+                      <a:endParaRPr lang="es-MX"/>
+                    </a:p>
+                  </a:txBody>
+                  <a:tcPr/>
+                </a:tc>
+                <a:tc>
+                  <a:txBody>
+                    <a:bodyPr/>
+                    <a:lstStyle/>
+                    <a:p>
+                      <a:pPr algn="ctr">
+                        <a:lnSpc>
+                          <a:spcPts val="900"/>
+                        </a:lnSpc>
+                        <a:spcBef>
+                          <a:spcPts val="600"/>
+                        </a:spcBef>
+                        <a:spcAft>
+                          <a:spcPts val="300"/>
+                        </a:spcAft>
+                      </a:pPr>
+                      <a:endParaRPr lang="es-MX" sz="900" dirty="0">
+                        <a:solidFill>
+                          <a:srgbClr val="008040"/>
+                        </a:solidFill>
+                        <a:effectLst/>
+                        <a:latin typeface="Arial Narrow" panose="020B0606020202030204" pitchFamily="34" charset="0"/>
+                        <a:ea typeface="Calibri"/>
+                        <a:cs typeface="Times New Roman"/>
+                      </a:endParaRPr>
+                    </a:p>
+                  </a:txBody>
+                  <a:tcPr marL="63988" marR="63988" marT="0" marB="0" anchor="ctr">
+                    <a:noFill/>
+                  </a:tcPr>
+                </a:tc>
+              </a:tr>
+              <a:tr h="462397">
+                <a:tc>
+                  <a:txBody>
+                    <a:bodyPr/>
+                    <a:lstStyle/>
+                    <a:p>
+                      <a:pPr algn="ctr">
+                        <a:lnSpc>
+                          <a:spcPts val="1100"/>
+                        </a:lnSpc>
+                        <a:spcBef>
+                          <a:spcPts val="600"/>
+                        </a:spcBef>
+                        <a:spcAft>
+                          <a:spcPts val="300"/>
+                        </a:spcAft>
+                      </a:pPr>
+                      <a:endParaRPr lang="es-MX" sz="1100" b="1" dirty="0">
+                        <a:solidFill>
+                          <a:srgbClr val="008040"/>
+                        </a:solidFill>
+                        <a:effectLst/>
+                        <a:latin typeface="Arial Narrow" panose="020B0606020202030204" pitchFamily="34" charset="0"/>
+                        <a:ea typeface="Calibri"/>
+                        <a:cs typeface="Times New Roman"/>
+                      </a:endParaRPr>
+                    </a:p>
+                  </a:txBody>
+                  <a:tcPr marL="68580" marR="68580" marT="0" marB="0" anchor="ctr">
+                    <a:lnL w="3175" cap="flat" cmpd="sng" algn="ctr">
+                      <a:noFill/>
+                      <a:prstDash val="solid"/>
+                      <a:round/>
+                      <a:headEnd type="none" w="med" len="med"/>
+                      <a:tailEnd type="none" w="med" len="med"/>
+                    </a:lnL>
+                    <a:lnR w="6350" cap="flat" cmpd="sng" algn="ctr">
+                      <a:solidFill>
+                        <a:schemeClr val="bg1"/>
+                      </a:solidFill>
+                      <a:prstDash val="solid"/>
+                      <a:round/>
+                      <a:headEnd type="none" w="med" len="med"/>
+                      <a:tailEnd type="none" w="med" len="med"/>
+                    </a:lnR>
+                    <a:solidFill>
+                      <a:srgbClr val="C00000"/>
+                    </a:solidFill>
+                  </a:tcPr>
+                </a:tc>
+                <a:tc>
+                  <a:txBody>
+                    <a:bodyPr/>
+                    <a:lstStyle/>
+                    <a:p>
+                      <a:pPr marL="0" marR="0" indent="0" algn="l" defTabSz="457200" rtl="0" eaLnBrk="1" fontAlgn="auto" latinLnBrk="0" hangingPunct="1">
+                        <a:lnSpc>
+                          <a:spcPts val="1100"/>
+                        </a:lnSpc>
+                        <a:spcBef>
+                          <a:spcPts val="0"/>
+                        </a:spcBef>
+                        <a:spcAft>
+                          <a:spcPts val="0"/>
+                        </a:spcAft>
+                        <a:buClrTx/>
+                        <a:buSzTx/>
+                        <a:buFontTx/>
+                        <a:buNone/>
+                        <a:tabLst/>
+                        <a:defRPr/>
+                      </a:pPr>
+                      <a:r>
+                        <a:rPr lang="es-MX" sz="1400" b="1" dirty="0" smtClean="0">
+                          <a:solidFill>
+                            <a:schemeClr val="tx1">
+                              <a:lumMod val="75000"/>
+                              <a:lumOff val="25000"/>
+                            </a:schemeClr>
+                          </a:solidFill>
+                          <a:effectLst/>
+                          <a:latin typeface="Arial Narrow" panose="020B0606020202030204" pitchFamily="34" charset="0"/>
+                          <a:ea typeface="Calibri"/>
+                          <a:cs typeface="Arial"/>
+                        </a:rPr>
+                        <a:t>Secretaría de</a:t>
+                      </a:r>
+                      <a:r>
+                        <a:rPr lang="es-MX" sz="1400" b="1" baseline="0" dirty="0" smtClean="0">
+                          <a:solidFill>
+                            <a:schemeClr val="tx1">
+                              <a:lumMod val="75000"/>
+                              <a:lumOff val="25000"/>
+                            </a:schemeClr>
+                          </a:solidFill>
+                          <a:effectLst/>
+                          <a:latin typeface="Arial Narrow" panose="020B0606020202030204" pitchFamily="34" charset="0"/>
+                          <a:ea typeface="Calibri"/>
+                          <a:cs typeface="Arial"/>
+                        </a:rPr>
+                        <a:t> Gobernación</a:t>
+                      </a:r>
+                      <a:endParaRPr lang="es-MX" sz="1400" b="1" dirty="0" smtClean="0">
+                        <a:solidFill>
+                          <a:schemeClr val="tx1">
+                            <a:lumMod val="75000"/>
+                            <a:lumOff val="25000"/>
+                          </a:schemeClr>
+                        </a:solidFill>
+                        <a:effectLst/>
+                        <a:latin typeface="Arial Narrow" panose="020B0606020202030204" pitchFamily="34" charset="0"/>
+                        <a:ea typeface="Calibri"/>
+                        <a:cs typeface="Arial"/>
+                      </a:endParaRPr>
+                    </a:p>
+                  </a:txBody>
+                  <a:tcPr marL="68580" marR="68580" marT="0" marB="0" anchor="ctr">
+                    <a:lnL w="6350" cap="flat" cmpd="sng" algn="ctr">
+                      <a:solidFill>
+                        <a:schemeClr val="bg1"/>
+                      </a:solidFill>
+                      <a:prstDash val="solid"/>
+                      <a:round/>
+                      <a:headEnd type="none" w="med" len="med"/>
+                      <a:tailEnd type="none" w="med" len="med"/>
+                    </a:lnL>
+                    <a:lnR w="6350" cap="flat" cmpd="sng" algn="ctr">
+                      <a:solidFill>
+                        <a:schemeClr val="bg1"/>
+                      </a:solidFill>
+                      <a:prstDash val="solid"/>
+                      <a:round/>
+                      <a:headEnd type="none" w="med" len="med"/>
+                      <a:tailEnd type="none" w="med" len="med"/>
+                    </a:lnR>
+                    <a:solidFill>
+                      <a:srgbClr val="E4E4E4"/>
+                    </a:solidFill>
+                  </a:tcPr>
+                </a:tc>
+                <a:tc>
+                  <a:txBody>
+                    <a:bodyPr/>
+                    <a:lstStyle/>
+                    <a:p>
+                      <a:pPr marL="0" marR="0" indent="0" algn="ctr" defTabSz="457200" rtl="0" eaLnBrk="1" fontAlgn="auto" latinLnBrk="0" hangingPunct="1">
+                        <a:lnSpc>
+                          <a:spcPts val="1100"/>
+                        </a:lnSpc>
+                        <a:spcBef>
+                          <a:spcPts val="600"/>
+                        </a:spcBef>
+                        <a:spcAft>
+                          <a:spcPts val="300"/>
+                        </a:spcAft>
+                        <a:buClrTx/>
+                        <a:buSzTx/>
+                        <a:buFontTx/>
+                        <a:buNone/>
+                        <a:tabLst/>
+                        <a:defRPr/>
+                      </a:pPr>
+                      <a:endParaRPr lang="es-MX" sz="1100" b="1" dirty="0" smtClean="0">
+                        <a:solidFill>
+                          <a:srgbClr val="008040"/>
+                        </a:solidFill>
+                        <a:effectLst/>
+                        <a:latin typeface="Arial Narrow" panose="020B0606020202030204" pitchFamily="34" charset="0"/>
+                        <a:ea typeface="Calibri"/>
+                        <a:cs typeface="Times New Roman"/>
+                      </a:endParaRPr>
+                    </a:p>
+                  </a:txBody>
+                  <a:tcPr marL="68580" marR="68580" marT="0" marB="0" anchor="ctr">
+                    <a:lnL w="6350" cap="flat" cmpd="sng" algn="ctr">
+                      <a:solidFill>
+                        <a:schemeClr val="bg1"/>
+                      </a:solidFill>
+                      <a:prstDash val="solid"/>
+                      <a:round/>
+                      <a:headEnd type="none" w="med" len="med"/>
+                      <a:tailEnd type="none" w="med" len="med"/>
+                    </a:lnL>
+                    <a:lnR w="6350" cap="flat" cmpd="sng" algn="ctr">
+                      <a:solidFill>
+                        <a:schemeClr val="bg1"/>
+                      </a:solidFill>
+                      <a:prstDash val="solid"/>
+                      <a:round/>
+                      <a:headEnd type="none" w="med" len="med"/>
+                      <a:tailEnd type="none" w="med" len="med"/>
+                    </a:lnR>
+                    <a:noFill/>
+                  </a:tcPr>
+                </a:tc>
+              </a:tr>
+              <a:tr h="105511">
+                <a:tc gridSpan="2">
+                  <a:txBody>
+                    <a:bodyPr/>
+                    <a:lstStyle/>
+                    <a:p>
+                      <a:pPr algn="l">
+                        <a:lnSpc>
+                          <a:spcPct val="120000"/>
+                        </a:lnSpc>
+                        <a:spcAft>
+                          <a:spcPts val="0"/>
+                        </a:spcAft>
+                      </a:pPr>
+                      <a:endParaRPr lang="es-MX" sz="300" dirty="0">
+                        <a:solidFill>
+                          <a:srgbClr val="404040"/>
+                        </a:solidFill>
+                        <a:effectLst/>
+                        <a:latin typeface="Arial Narrow" panose="020B0606020202030204" pitchFamily="34" charset="0"/>
+                        <a:ea typeface="Calibri"/>
+                        <a:cs typeface="Times New Roman"/>
+                      </a:endParaRPr>
+                    </a:p>
+                  </a:txBody>
+                  <a:tcPr marL="41308" marR="41308" marT="0" marB="0" anchor="ctr">
+                    <a:lnB w="3175" cap="flat" cmpd="sng" algn="ctr">
+                      <a:solidFill>
+                        <a:schemeClr val="bg1">
+                          <a:lumMod val="85000"/>
+                        </a:schemeClr>
+                      </a:solidFill>
+                      <a:prstDash val="solid"/>
+                      <a:round/>
+                      <a:headEnd type="none" w="med" len="med"/>
+                      <a:tailEnd type="none" w="med" len="med"/>
+                    </a:lnB>
+                    <a:solidFill>
+                      <a:schemeClr val="bg1"/>
+                    </a:solidFill>
+                  </a:tcPr>
+                </a:tc>
+                <a:tc hMerge="1">
+                  <a:txBody>
+                    <a:bodyPr/>
+                    <a:lstStyle/>
+                    <a:p>
+                      <a:endParaRPr lang="es-MX"/>
+                    </a:p>
+                  </a:txBody>
+                  <a:tcPr/>
+                </a:tc>
+                <a:tc>
+                  <a:txBody>
+                    <a:bodyPr/>
+                    <a:lstStyle/>
+                    <a:p>
+                      <a:pPr algn="l">
+                        <a:lnSpc>
+                          <a:spcPct val="120000"/>
+                        </a:lnSpc>
+                        <a:spcAft>
+                          <a:spcPts val="0"/>
+                        </a:spcAft>
+                      </a:pPr>
+                      <a:endParaRPr lang="es-MX" sz="300" dirty="0">
+                        <a:solidFill>
+                          <a:srgbClr val="404040"/>
+                        </a:solidFill>
+                        <a:effectLst/>
+                        <a:latin typeface="Arial Narrow" panose="020B0606020202030204" pitchFamily="34" charset="0"/>
+                        <a:ea typeface="Calibri"/>
+                        <a:cs typeface="Times New Roman"/>
+                      </a:endParaRPr>
+                    </a:p>
+                  </a:txBody>
+                  <a:tcPr marL="41308" marR="41308" marT="0" marB="0" anchor="ctr">
+                    <a:lnB w="3175" cap="flat" cmpd="sng" algn="ctr">
+                      <a:solidFill>
+                        <a:schemeClr val="bg1">
+                          <a:lumMod val="85000"/>
+                        </a:schemeClr>
+                      </a:solidFill>
+                      <a:prstDash val="solid"/>
+                      <a:round/>
+                      <a:headEnd type="none" w="med" len="med"/>
+                      <a:tailEnd type="none" w="med" len="med"/>
+                    </a:lnB>
+                    <a:solidFill>
+                      <a:schemeClr val="bg1"/>
+                    </a:solidFill>
+                  </a:tcPr>
+                </a:tc>
+              </a:tr>
+              <a:tr h="4611581">
+                <a:tc gridSpan="3">
+                  <a:txBody>
+                    <a:bodyPr/>
+                    <a:lstStyle/>
+                    <a:p>
+                      <a:pPr marL="0" marR="0" indent="0" algn="l" defTabSz="457200" rtl="0" eaLnBrk="1" fontAlgn="auto" latinLnBrk="0" hangingPunct="1">
+                        <a:lnSpc>
+                          <a:spcPct val="120000"/>
+                        </a:lnSpc>
+                        <a:spcBef>
+                          <a:spcPts val="0"/>
+                        </a:spcBef>
+                        <a:spcAft>
+                          <a:spcPts val="0"/>
+                        </a:spcAft>
+                        <a:buClr>
+                          <a:srgbClr val="008040"/>
+                        </a:buClr>
+                        <a:buSzTx/>
+                        <a:buFont typeface="Wingdings" panose="05000000000000000000" pitchFamily="2" charset="2"/>
+                        <a:buNone/>
+                        <a:tabLst/>
+                        <a:defRPr/>
+                      </a:pPr>
+                      <a:endParaRPr lang="es-MX" sz="1400" dirty="0" smtClean="0">
+                        <a:solidFill>
+                          <a:schemeClr val="tx1">
+                            <a:lumMod val="75000"/>
+                            <a:lumOff val="25000"/>
+                          </a:schemeClr>
+                        </a:solidFill>
+                        <a:effectLst/>
+                        <a:latin typeface="Arial Narrow" panose="020B0606020202030204" pitchFamily="34" charset="0"/>
+                        <a:ea typeface="Calibri"/>
+                        <a:cs typeface="Arial"/>
+                      </a:endParaRPr>
+                    </a:p>
+                  </a:txBody>
+                  <a:tcPr marL="68580" marR="68580" marT="0" marB="0">
+                    <a:lnL w="12700" cmpd="sng">
+                      <a:noFill/>
+                    </a:lnL>
+                    <a:lnR w="76200" cap="flat" cmpd="sng" algn="ctr">
+                      <a:noFill/>
+                      <a:prstDash val="solid"/>
+                      <a:round/>
+                      <a:headEnd type="none" w="med" len="med"/>
+                      <a:tailEnd type="none" w="med" len="med"/>
+                    </a:lnR>
+                    <a:lnT w="3175" cap="flat" cmpd="sng" algn="ctr">
+                      <a:solidFill>
+                        <a:schemeClr val="bg1">
+                          <a:lumMod val="85000"/>
+                        </a:schemeClr>
+                      </a:solidFill>
+                      <a:prstDash val="solid"/>
+                      <a:round/>
+                      <a:headEnd type="none" w="med" len="med"/>
+                      <a:tailEnd type="none" w="med" len="med"/>
+                    </a:lnT>
+                    <a:lnB w="6350" cap="flat" cmpd="sng" algn="ctr">
+                      <a:noFill/>
+                      <a:prstDash val="solid"/>
+                      <a:round/>
+                      <a:headEnd type="none" w="med" len="med"/>
+                      <a:tailEnd type="none" w="med" len="med"/>
+                    </a:lnB>
+                    <a:lnTlToBr w="12700" cmpd="sng">
+                      <a:noFill/>
+                      <a:prstDash val="solid"/>
+                    </a:lnTlToBr>
+                    <a:lnBlToTr w="12700" cmpd="sng">
+                      <a:noFill/>
+                      <a:prstDash val="solid"/>
+                    </a:lnBlToTr>
+                    <a:noFill/>
+                  </a:tcPr>
+                </a:tc>
+                <a:tc hMerge="1">
+                  <a:txBody>
+                    <a:bodyPr/>
+                    <a:lstStyle/>
+                    <a:p>
+                      <a:endParaRPr lang="es-MX"/>
+                    </a:p>
+                  </a:txBody>
+                  <a:tcPr/>
+                </a:tc>
+                <a:tc hMerge="1">
+                  <a:txBody>
+                    <a:bodyPr/>
+                    <a:lstStyle/>
+                    <a:p>
+                      <a:pPr marL="0" indent="0" algn="l">
+                        <a:lnSpc>
+                          <a:spcPct val="120000"/>
+                        </a:lnSpc>
+                        <a:spcAft>
+                          <a:spcPts val="0"/>
+                        </a:spcAft>
+                        <a:buClr>
+                          <a:srgbClr val="008040"/>
+                        </a:buClr>
+                        <a:buFont typeface="Wingdings" panose="05000000000000000000" pitchFamily="2" charset="2"/>
+                        <a:buNone/>
+                      </a:pPr>
+                      <a:endParaRPr lang="es-MX" sz="1100" b="1" dirty="0">
+                        <a:solidFill>
+                          <a:schemeClr val="tx1">
+                            <a:lumMod val="75000"/>
+                            <a:lumOff val="25000"/>
+                          </a:schemeClr>
+                        </a:solidFill>
+                        <a:effectLst/>
+                        <a:latin typeface="Arial Narrow" panose="020B0606020202030204" pitchFamily="34" charset="0"/>
+                        <a:ea typeface="Calibri"/>
+                        <a:cs typeface="Times New Roman"/>
+                      </a:endParaRPr>
+                    </a:p>
+                  </a:txBody>
+                  <a:tcPr marL="68580" marR="68580" marT="0" marB="0">
+                    <a:lnL w="12700" cmpd="sng">
+                      <a:noFill/>
+                    </a:lnL>
+                    <a:lnR w="76200" cap="flat" cmpd="sng" algn="ctr">
+                      <a:noFill/>
+                      <a:prstDash val="solid"/>
+                      <a:round/>
+                      <a:headEnd type="none" w="med" len="med"/>
+                      <a:tailEnd type="none" w="med" len="med"/>
+                    </a:lnR>
+                    <a:lnT w="3175" cap="flat" cmpd="sng" algn="ctr">
+                      <a:solidFill>
+                        <a:srgbClr val="008040"/>
+                      </a:solidFill>
+                      <a:prstDash val="solid"/>
+                      <a:round/>
+                      <a:headEnd type="none" w="med" len="med"/>
+                      <a:tailEnd type="none" w="med" len="med"/>
+                    </a:lnT>
+                    <a:lnB w="6350" cap="flat" cmpd="sng" algn="ctr">
+                      <a:noFill/>
+                      <a:prstDash val="solid"/>
+                      <a:round/>
+                      <a:headEnd type="none" w="med" len="med"/>
+                      <a:tailEnd type="none" w="med" len="med"/>
+                    </a:lnB>
+                    <a:lnTlToBr w="12700" cmpd="sng">
+                      <a:noFill/>
+                      <a:prstDash val="solid"/>
+                    </a:lnTlToBr>
+                    <a:lnBlToTr w="12700" cmpd="sng">
+                      <a:noFill/>
+                      <a:prstDash val="solid"/>
+                    </a:lnBlToTr>
+                    <a:noFill/>
+                  </a:tcPr>
+                </a:tc>
+              </a:tr>
+            </a:tbl>
+          </a:graphicData>
+        </a:graphic>
+      </p:graphicFrame>
+      <p:pic>
+        <p:nvPicPr>
+          <p:cNvPr id="5" name="3 Marcador de contenido"/>
+          <p:cNvPicPr>
+            <a:picLocks noChangeAspect="1"/>
+          </p:cNvPicPr>
+          <p:nvPr/>
+        </p:nvPicPr>
+        <p:blipFill>
+          <a:blip r:embed="rId2" cstate="print">
+            <a:extLst>
+              <a:ext uri="{28A0092B-C50C-407E-A947-70E740481C1C}">
+                <a14:useLocalDpi xmlns:a14="http://schemas.microsoft.com/office/drawing/2010/main" val="0"/>
+              </a:ext>
+            </a:extLst>
+          </a:blip>
+          <a:stretch>
+            <a:fillRect/>
+          </a:stretch>
+        </p:blipFill>
+        <p:spPr>
+          <a:xfrm>
+            <a:off x="313896" y="1589268"/>
+            <a:ext cx="347901" cy="382770"/>
+          </a:xfrm>
+          <a:prstGeom prst="rect">
+            <a:avLst/>
+          </a:prstGeom>
+          <a:solidFill>
+            <a:srgbClr val="C00000"/>
+          </a:solidFill>
+        </p:spPr>
+      </p:pic>
+      <p:pic>
+        <p:nvPicPr>
+          <p:cNvPr id="7" name="6 Imagen">
+            <a:hlinkClick r:id="rId3" action="ppaction://hlinkpres?slideindex=2&amp;slidetitle=Obras Concluidas por Sector"/>
+          </p:cNvPr>
+          <p:cNvPicPr>
+            <a:picLocks noChangeAspect="1"/>
+          </p:cNvPicPr>
+          <p:nvPr/>
+        </p:nvPicPr>
+        <p:blipFill>
+          <a:blip r:embed="rId4">
+            <a:extLst>
+              <a:ext uri="{28A0092B-C50C-407E-A947-70E740481C1C}">
+                <a14:useLocalDpi xmlns:a14="http://schemas.microsoft.com/office/drawing/2010/main" val="0"/>
+              </a:ext>
+            </a:extLst>
+          </a:blip>
+          <a:stretch>
+            <a:fillRect/>
+          </a:stretch>
+        </p:blipFill>
+        <p:spPr>
+          <a:xfrm>
+            <a:off x="8822656" y="6475642"/>
+            <a:ext cx="234000" cy="303946"/>
+          </a:xfrm>
+          <a:prstGeom prst="rect">
+            <a:avLst/>
+          </a:prstGeom>
+        </p:spPr>
+      </p:pic>
+    </p:spTree>
+    <p:extLst>
+      <p:ext uri="{BB962C8B-B14F-4D97-AF65-F5344CB8AC3E}">
+        <p14:creationId xmlns:p14="http://schemas.microsoft.com/office/powerpoint/2010/main" val="3656640534"/>
+      </p:ext>
+    </p:extLst>
+  </p:cSld>
+  <p:clrMapOvr>
+    <a:masterClrMapping/>
+  </p:clrMapOvr>
+  <p:timing>
+    <p:tnLst>
+      <p:par>
+        <p:cTn id="1" dur="indefinite" restart="never" nodeType="tmRoot"/>
+      </p:par>
+    </p:tnLst>
+  </p:timing>
+</p:sld>
+</file>
+
+<file path=ppt/slides/slide20.xml><?xml version="1.0" encoding="utf-8"?>
 <p:sld xmlns:a="http://schemas.openxmlformats.org/drawingml/2006/main" xmlns:r="http://schemas.openxmlformats.org/officeDocument/2006/relationships" xmlns:p="http://schemas.openxmlformats.org/presentationml/2006/main">
   <p:cSld>
     <p:spTree>
@@ -14790,7 +17767,7 @@
 </p:sld>
 </file>
 
-<file path=ppt/slides/slide19.xml><?xml version="1.0" encoding="utf-8"?>
+<file path=ppt/slides/slide21.xml><?xml version="1.0" encoding="utf-8"?>
 <p:sld xmlns:a="http://schemas.openxmlformats.org/drawingml/2006/main" xmlns:r="http://schemas.openxmlformats.org/officeDocument/2006/relationships" xmlns:p="http://schemas.openxmlformats.org/presentationml/2006/main">
   <p:cSld>
     <p:spTree>
@@ -16278,670 +19255,7 @@
 </p:sld>
 </file>
 
-<file path=ppt/slides/slide2.xml><?xml version="1.0" encoding="utf-8"?>
-<p:sld xmlns:a="http://schemas.openxmlformats.org/drawingml/2006/main" xmlns:r="http://schemas.openxmlformats.org/officeDocument/2006/relationships" xmlns:p="http://schemas.openxmlformats.org/presentationml/2006/main">
-  <p:cSld>
-    <p:spTree>
-      <p:nvGrpSpPr>
-        <p:cNvPr id="1" name=""/>
-        <p:cNvGrpSpPr/>
-        <p:nvPr/>
-      </p:nvGrpSpPr>
-      <p:grpSpPr>
-        <a:xfrm>
-          <a:off x="0" y="0"/>
-          <a:ext cx="0" cy="0"/>
-          <a:chOff x="0" y="0"/>
-          <a:chExt cx="0" cy="0"/>
-        </a:xfrm>
-      </p:grpSpPr>
-      <p:graphicFrame>
-        <p:nvGraphicFramePr>
-          <p:cNvPr id="4" name="3 Tabla"/>
-          <p:cNvGraphicFramePr>
-            <a:graphicFrameLocks noGrp="1"/>
-          </p:cNvGraphicFramePr>
-          <p:nvPr>
-            <p:extLst>
-              <p:ext uri="{D42A27DB-BD31-4B8C-83A1-F6EECF244321}">
-                <p14:modId xmlns:p14="http://schemas.microsoft.com/office/powerpoint/2010/main" val="233681887"/>
-              </p:ext>
-            </p:extLst>
-          </p:nvPr>
-        </p:nvGraphicFramePr>
-        <p:xfrm>
-          <a:off x="232013" y="1394275"/>
-          <a:ext cx="8707272" cy="5320425"/>
-        </p:xfrm>
-        <a:graphic>
-          <a:graphicData uri="http://schemas.openxmlformats.org/drawingml/2006/table">
-            <a:tbl>
-              <a:tblPr firstRow="1" bandRow="1">
-                <a:tableStyleId>{5C22544A-7EE6-4342-B048-85BDC9FD1C3A}</a:tableStyleId>
-              </a:tblPr>
-              <a:tblGrid>
-                <a:gridCol w="498046"/>
-                <a:gridCol w="2399985"/>
-                <a:gridCol w="5809241"/>
-              </a:tblGrid>
-              <a:tr h="140936">
-                <a:tc gridSpan="2">
-                  <a:txBody>
-                    <a:bodyPr/>
-                    <a:lstStyle/>
-                    <a:p>
-                      <a:pPr algn="ctr">
-                        <a:lnSpc>
-                          <a:spcPts val="900"/>
-                        </a:lnSpc>
-                        <a:spcBef>
-                          <a:spcPts val="600"/>
-                        </a:spcBef>
-                        <a:spcAft>
-                          <a:spcPts val="300"/>
-                        </a:spcAft>
-                      </a:pPr>
-                      <a:endParaRPr lang="es-MX" sz="900" dirty="0">
-                        <a:solidFill>
-                          <a:srgbClr val="008040"/>
-                        </a:solidFill>
-                        <a:effectLst/>
-                        <a:latin typeface="Arial Narrow" panose="020B0606020202030204" pitchFamily="34" charset="0"/>
-                        <a:ea typeface="Calibri"/>
-                        <a:cs typeface="Times New Roman"/>
-                      </a:endParaRPr>
-                    </a:p>
-                  </a:txBody>
-                  <a:tcPr marL="63988" marR="63988" marT="0" marB="0" anchor="ctr">
-                    <a:solidFill>
-                      <a:schemeClr val="bg1">
-                        <a:lumMod val="95000"/>
-                      </a:schemeClr>
-                    </a:solidFill>
-                  </a:tcPr>
-                </a:tc>
-                <a:tc hMerge="1">
-                  <a:txBody>
-                    <a:bodyPr/>
-                    <a:lstStyle/>
-                    <a:p>
-                      <a:endParaRPr lang="es-MX"/>
-                    </a:p>
-                  </a:txBody>
-                  <a:tcPr/>
-                </a:tc>
-                <a:tc>
-                  <a:txBody>
-                    <a:bodyPr/>
-                    <a:lstStyle/>
-                    <a:p>
-                      <a:pPr algn="ctr">
-                        <a:lnSpc>
-                          <a:spcPts val="900"/>
-                        </a:lnSpc>
-                        <a:spcBef>
-                          <a:spcPts val="600"/>
-                        </a:spcBef>
-                        <a:spcAft>
-                          <a:spcPts val="300"/>
-                        </a:spcAft>
-                      </a:pPr>
-                      <a:endParaRPr lang="es-MX" sz="900" dirty="0">
-                        <a:solidFill>
-                          <a:srgbClr val="008040"/>
-                        </a:solidFill>
-                        <a:effectLst/>
-                        <a:latin typeface="Arial Narrow" panose="020B0606020202030204" pitchFamily="34" charset="0"/>
-                        <a:ea typeface="Calibri"/>
-                        <a:cs typeface="Times New Roman"/>
-                      </a:endParaRPr>
-                    </a:p>
-                  </a:txBody>
-                  <a:tcPr marL="63988" marR="63988" marT="0" marB="0" anchor="ctr">
-                    <a:noFill/>
-                  </a:tcPr>
-                </a:tc>
-              </a:tr>
-              <a:tr h="462397">
-                <a:tc>
-                  <a:txBody>
-                    <a:bodyPr/>
-                    <a:lstStyle/>
-                    <a:p>
-                      <a:pPr algn="ctr">
-                        <a:lnSpc>
-                          <a:spcPts val="1100"/>
-                        </a:lnSpc>
-                        <a:spcBef>
-                          <a:spcPts val="600"/>
-                        </a:spcBef>
-                        <a:spcAft>
-                          <a:spcPts val="300"/>
-                        </a:spcAft>
-                      </a:pPr>
-                      <a:endParaRPr lang="es-MX" sz="1100" b="1" dirty="0">
-                        <a:solidFill>
-                          <a:srgbClr val="008040"/>
-                        </a:solidFill>
-                        <a:effectLst/>
-                        <a:latin typeface="Arial Narrow" panose="020B0606020202030204" pitchFamily="34" charset="0"/>
-                        <a:ea typeface="Calibri"/>
-                        <a:cs typeface="Times New Roman"/>
-                      </a:endParaRPr>
-                    </a:p>
-                  </a:txBody>
-                  <a:tcPr marL="68580" marR="68580" marT="0" marB="0" anchor="ctr">
-                    <a:lnL w="3175" cap="flat" cmpd="sng" algn="ctr">
-                      <a:noFill/>
-                      <a:prstDash val="solid"/>
-                      <a:round/>
-                      <a:headEnd type="none" w="med" len="med"/>
-                      <a:tailEnd type="none" w="med" len="med"/>
-                    </a:lnL>
-                    <a:lnR w="6350" cap="flat" cmpd="sng" algn="ctr">
-                      <a:solidFill>
-                        <a:schemeClr val="bg1"/>
-                      </a:solidFill>
-                      <a:prstDash val="solid"/>
-                      <a:round/>
-                      <a:headEnd type="none" w="med" len="med"/>
-                      <a:tailEnd type="none" w="med" len="med"/>
-                    </a:lnR>
-                    <a:solidFill>
-                      <a:srgbClr val="C00000"/>
-                    </a:solidFill>
-                  </a:tcPr>
-                </a:tc>
-                <a:tc>
-                  <a:txBody>
-                    <a:bodyPr/>
-                    <a:lstStyle/>
-                    <a:p>
-                      <a:pPr marL="0" marR="0" indent="0" algn="l" defTabSz="457200" rtl="0" eaLnBrk="1" fontAlgn="auto" latinLnBrk="0" hangingPunct="1">
-                        <a:lnSpc>
-                          <a:spcPts val="1100"/>
-                        </a:lnSpc>
-                        <a:spcBef>
-                          <a:spcPts val="0"/>
-                        </a:spcBef>
-                        <a:spcAft>
-                          <a:spcPts val="0"/>
-                        </a:spcAft>
-                        <a:buClrTx/>
-                        <a:buSzTx/>
-                        <a:buFontTx/>
-                        <a:buNone/>
-                        <a:tabLst/>
-                        <a:defRPr/>
-                      </a:pPr>
-                      <a:r>
-                        <a:rPr lang="es-MX" sz="1400" b="1" dirty="0" smtClean="0">
-                          <a:solidFill>
-                            <a:schemeClr val="tx1">
-                              <a:lumMod val="75000"/>
-                              <a:lumOff val="25000"/>
-                            </a:schemeClr>
-                          </a:solidFill>
-                          <a:effectLst/>
-                          <a:latin typeface="Arial Narrow" panose="020B0606020202030204" pitchFamily="34" charset="0"/>
-                          <a:ea typeface="Calibri"/>
-                          <a:cs typeface="Arial"/>
-                        </a:rPr>
-                        <a:t>Secretaría de</a:t>
-                      </a:r>
-                      <a:r>
-                        <a:rPr lang="es-MX" sz="1400" b="1" baseline="0" dirty="0" smtClean="0">
-                          <a:solidFill>
-                            <a:schemeClr val="tx1">
-                              <a:lumMod val="75000"/>
-                              <a:lumOff val="25000"/>
-                            </a:schemeClr>
-                          </a:solidFill>
-                          <a:effectLst/>
-                          <a:latin typeface="Arial Narrow" panose="020B0606020202030204" pitchFamily="34" charset="0"/>
-                          <a:ea typeface="Calibri"/>
-                          <a:cs typeface="Arial"/>
-                        </a:rPr>
-                        <a:t> Gobernación</a:t>
-                      </a:r>
-                      <a:endParaRPr lang="es-MX" sz="1400" b="1" dirty="0" smtClean="0">
-                        <a:solidFill>
-                          <a:schemeClr val="tx1">
-                            <a:lumMod val="75000"/>
-                            <a:lumOff val="25000"/>
-                          </a:schemeClr>
-                        </a:solidFill>
-                        <a:effectLst/>
-                        <a:latin typeface="Arial Narrow" panose="020B0606020202030204" pitchFamily="34" charset="0"/>
-                        <a:ea typeface="Calibri"/>
-                        <a:cs typeface="Arial"/>
-                      </a:endParaRPr>
-                    </a:p>
-                  </a:txBody>
-                  <a:tcPr marL="68580" marR="68580" marT="0" marB="0" anchor="ctr">
-                    <a:lnL w="6350" cap="flat" cmpd="sng" algn="ctr">
-                      <a:solidFill>
-                        <a:schemeClr val="bg1"/>
-                      </a:solidFill>
-                      <a:prstDash val="solid"/>
-                      <a:round/>
-                      <a:headEnd type="none" w="med" len="med"/>
-                      <a:tailEnd type="none" w="med" len="med"/>
-                    </a:lnL>
-                    <a:lnR w="6350" cap="flat" cmpd="sng" algn="ctr">
-                      <a:solidFill>
-                        <a:schemeClr val="bg1"/>
-                      </a:solidFill>
-                      <a:prstDash val="solid"/>
-                      <a:round/>
-                      <a:headEnd type="none" w="med" len="med"/>
-                      <a:tailEnd type="none" w="med" len="med"/>
-                    </a:lnR>
-                    <a:solidFill>
-                      <a:srgbClr val="E4E4E4"/>
-                    </a:solidFill>
-                  </a:tcPr>
-                </a:tc>
-                <a:tc>
-                  <a:txBody>
-                    <a:bodyPr/>
-                    <a:lstStyle/>
-                    <a:p>
-                      <a:pPr marL="0" marR="0" indent="0" algn="ctr" defTabSz="457200" rtl="0" eaLnBrk="1" fontAlgn="auto" latinLnBrk="0" hangingPunct="1">
-                        <a:lnSpc>
-                          <a:spcPts val="1100"/>
-                        </a:lnSpc>
-                        <a:spcBef>
-                          <a:spcPts val="600"/>
-                        </a:spcBef>
-                        <a:spcAft>
-                          <a:spcPts val="300"/>
-                        </a:spcAft>
-                        <a:buClrTx/>
-                        <a:buSzTx/>
-                        <a:buFontTx/>
-                        <a:buNone/>
-                        <a:tabLst/>
-                        <a:defRPr/>
-                      </a:pPr>
-                      <a:endParaRPr lang="es-MX" sz="1100" b="1" dirty="0" smtClean="0">
-                        <a:solidFill>
-                          <a:srgbClr val="008040"/>
-                        </a:solidFill>
-                        <a:effectLst/>
-                        <a:latin typeface="Arial Narrow" panose="020B0606020202030204" pitchFamily="34" charset="0"/>
-                        <a:ea typeface="Calibri"/>
-                        <a:cs typeface="Times New Roman"/>
-                      </a:endParaRPr>
-                    </a:p>
-                  </a:txBody>
-                  <a:tcPr marL="68580" marR="68580" marT="0" marB="0" anchor="ctr">
-                    <a:lnL w="6350" cap="flat" cmpd="sng" algn="ctr">
-                      <a:solidFill>
-                        <a:schemeClr val="bg1"/>
-                      </a:solidFill>
-                      <a:prstDash val="solid"/>
-                      <a:round/>
-                      <a:headEnd type="none" w="med" len="med"/>
-                      <a:tailEnd type="none" w="med" len="med"/>
-                    </a:lnL>
-                    <a:lnR w="6350" cap="flat" cmpd="sng" algn="ctr">
-                      <a:solidFill>
-                        <a:schemeClr val="bg1"/>
-                      </a:solidFill>
-                      <a:prstDash val="solid"/>
-                      <a:round/>
-                      <a:headEnd type="none" w="med" len="med"/>
-                      <a:tailEnd type="none" w="med" len="med"/>
-                    </a:lnR>
-                    <a:noFill/>
-                  </a:tcPr>
-                </a:tc>
-              </a:tr>
-              <a:tr h="105511">
-                <a:tc gridSpan="2">
-                  <a:txBody>
-                    <a:bodyPr/>
-                    <a:lstStyle/>
-                    <a:p>
-                      <a:pPr algn="l">
-                        <a:lnSpc>
-                          <a:spcPct val="120000"/>
-                        </a:lnSpc>
-                        <a:spcAft>
-                          <a:spcPts val="0"/>
-                        </a:spcAft>
-                      </a:pPr>
-                      <a:endParaRPr lang="es-MX" sz="300" dirty="0">
-                        <a:solidFill>
-                          <a:srgbClr val="404040"/>
-                        </a:solidFill>
-                        <a:effectLst/>
-                        <a:latin typeface="Arial Narrow" panose="020B0606020202030204" pitchFamily="34" charset="0"/>
-                        <a:ea typeface="Calibri"/>
-                        <a:cs typeface="Times New Roman"/>
-                      </a:endParaRPr>
-                    </a:p>
-                  </a:txBody>
-                  <a:tcPr marL="41308" marR="41308" marT="0" marB="0" anchor="ctr">
-                    <a:lnB w="3175" cap="flat" cmpd="sng" algn="ctr">
-                      <a:solidFill>
-                        <a:schemeClr val="bg1">
-                          <a:lumMod val="85000"/>
-                        </a:schemeClr>
-                      </a:solidFill>
-                      <a:prstDash val="solid"/>
-                      <a:round/>
-                      <a:headEnd type="none" w="med" len="med"/>
-                      <a:tailEnd type="none" w="med" len="med"/>
-                    </a:lnB>
-                    <a:solidFill>
-                      <a:schemeClr val="bg1"/>
-                    </a:solidFill>
-                  </a:tcPr>
-                </a:tc>
-                <a:tc hMerge="1">
-                  <a:txBody>
-                    <a:bodyPr/>
-                    <a:lstStyle/>
-                    <a:p>
-                      <a:endParaRPr lang="es-MX"/>
-                    </a:p>
-                  </a:txBody>
-                  <a:tcPr/>
-                </a:tc>
-                <a:tc>
-                  <a:txBody>
-                    <a:bodyPr/>
-                    <a:lstStyle/>
-                    <a:p>
-                      <a:pPr algn="l">
-                        <a:lnSpc>
-                          <a:spcPct val="120000"/>
-                        </a:lnSpc>
-                        <a:spcAft>
-                          <a:spcPts val="0"/>
-                        </a:spcAft>
-                      </a:pPr>
-                      <a:endParaRPr lang="es-MX" sz="300" dirty="0">
-                        <a:solidFill>
-                          <a:srgbClr val="404040"/>
-                        </a:solidFill>
-                        <a:effectLst/>
-                        <a:latin typeface="Arial Narrow" panose="020B0606020202030204" pitchFamily="34" charset="0"/>
-                        <a:ea typeface="Calibri"/>
-                        <a:cs typeface="Times New Roman"/>
-                      </a:endParaRPr>
-                    </a:p>
-                  </a:txBody>
-                  <a:tcPr marL="41308" marR="41308" marT="0" marB="0" anchor="ctr">
-                    <a:lnB w="3175" cap="flat" cmpd="sng" algn="ctr">
-                      <a:solidFill>
-                        <a:schemeClr val="bg1">
-                          <a:lumMod val="85000"/>
-                        </a:schemeClr>
-                      </a:solidFill>
-                      <a:prstDash val="solid"/>
-                      <a:round/>
-                      <a:headEnd type="none" w="med" len="med"/>
-                      <a:tailEnd type="none" w="med" len="med"/>
-                    </a:lnB>
-                    <a:solidFill>
-                      <a:schemeClr val="bg1"/>
-                    </a:solidFill>
-                  </a:tcPr>
-                </a:tc>
-              </a:tr>
-              <a:tr h="4611581">
-                <a:tc gridSpan="3">
-                  <a:txBody>
-                    <a:bodyPr/>
-                    <a:lstStyle/>
-                    <a:p>
-                      <a:pPr marL="0" marR="0" indent="0" algn="l" defTabSz="457200" rtl="0" eaLnBrk="1" fontAlgn="auto" latinLnBrk="0" hangingPunct="1">
-                        <a:lnSpc>
-                          <a:spcPct val="120000"/>
-                        </a:lnSpc>
-                        <a:spcBef>
-                          <a:spcPts val="0"/>
-                        </a:spcBef>
-                        <a:spcAft>
-                          <a:spcPts val="0"/>
-                        </a:spcAft>
-                        <a:buClr>
-                          <a:srgbClr val="008040"/>
-                        </a:buClr>
-                        <a:buSzTx/>
-                        <a:buFont typeface="Wingdings" panose="05000000000000000000" pitchFamily="2" charset="2"/>
-                        <a:buNone/>
-                        <a:tabLst/>
-                        <a:defRPr/>
-                      </a:pPr>
-                      <a:endParaRPr lang="es-MX" sz="1400" dirty="0" smtClean="0">
-                        <a:solidFill>
-                          <a:schemeClr val="tx1">
-                            <a:lumMod val="75000"/>
-                            <a:lumOff val="25000"/>
-                          </a:schemeClr>
-                        </a:solidFill>
-                        <a:effectLst/>
-                        <a:latin typeface="Arial Narrow" panose="020B0606020202030204" pitchFamily="34" charset="0"/>
-                        <a:ea typeface="Calibri"/>
-                        <a:cs typeface="Arial"/>
-                      </a:endParaRPr>
-                    </a:p>
-                  </a:txBody>
-                  <a:tcPr marL="68580" marR="68580" marT="0" marB="0">
-                    <a:lnL w="12700" cmpd="sng">
-                      <a:noFill/>
-                    </a:lnL>
-                    <a:lnR w="76200" cap="flat" cmpd="sng" algn="ctr">
-                      <a:noFill/>
-                      <a:prstDash val="solid"/>
-                      <a:round/>
-                      <a:headEnd type="none" w="med" len="med"/>
-                      <a:tailEnd type="none" w="med" len="med"/>
-                    </a:lnR>
-                    <a:lnT w="3175" cap="flat" cmpd="sng" algn="ctr">
-                      <a:solidFill>
-                        <a:schemeClr val="bg1">
-                          <a:lumMod val="85000"/>
-                        </a:schemeClr>
-                      </a:solidFill>
-                      <a:prstDash val="solid"/>
-                      <a:round/>
-                      <a:headEnd type="none" w="med" len="med"/>
-                      <a:tailEnd type="none" w="med" len="med"/>
-                    </a:lnT>
-                    <a:lnB w="6350" cap="flat" cmpd="sng" algn="ctr">
-                      <a:noFill/>
-                      <a:prstDash val="solid"/>
-                      <a:round/>
-                      <a:headEnd type="none" w="med" len="med"/>
-                      <a:tailEnd type="none" w="med" len="med"/>
-                    </a:lnB>
-                    <a:lnTlToBr w="12700" cmpd="sng">
-                      <a:noFill/>
-                      <a:prstDash val="solid"/>
-                    </a:lnTlToBr>
-                    <a:lnBlToTr w="12700" cmpd="sng">
-                      <a:noFill/>
-                      <a:prstDash val="solid"/>
-                    </a:lnBlToTr>
-                    <a:noFill/>
-                  </a:tcPr>
-                </a:tc>
-                <a:tc hMerge="1">
-                  <a:txBody>
-                    <a:bodyPr/>
-                    <a:lstStyle/>
-                    <a:p>
-                      <a:endParaRPr lang="es-MX"/>
-                    </a:p>
-                  </a:txBody>
-                  <a:tcPr/>
-                </a:tc>
-                <a:tc hMerge="1">
-                  <a:txBody>
-                    <a:bodyPr/>
-                    <a:lstStyle/>
-                    <a:p>
-                      <a:pPr marL="0" indent="0" algn="l">
-                        <a:lnSpc>
-                          <a:spcPct val="120000"/>
-                        </a:lnSpc>
-                        <a:spcAft>
-                          <a:spcPts val="0"/>
-                        </a:spcAft>
-                        <a:buClr>
-                          <a:srgbClr val="008040"/>
-                        </a:buClr>
-                        <a:buFont typeface="Wingdings" panose="05000000000000000000" pitchFamily="2" charset="2"/>
-                        <a:buNone/>
-                      </a:pPr>
-                      <a:endParaRPr lang="es-MX" sz="1100" b="1" dirty="0">
-                        <a:solidFill>
-                          <a:schemeClr val="tx1">
-                            <a:lumMod val="75000"/>
-                            <a:lumOff val="25000"/>
-                          </a:schemeClr>
-                        </a:solidFill>
-                        <a:effectLst/>
-                        <a:latin typeface="Arial Narrow" panose="020B0606020202030204" pitchFamily="34" charset="0"/>
-                        <a:ea typeface="Calibri"/>
-                        <a:cs typeface="Times New Roman"/>
-                      </a:endParaRPr>
-                    </a:p>
-                  </a:txBody>
-                  <a:tcPr marL="68580" marR="68580" marT="0" marB="0">
-                    <a:lnL w="12700" cmpd="sng">
-                      <a:noFill/>
-                    </a:lnL>
-                    <a:lnR w="76200" cap="flat" cmpd="sng" algn="ctr">
-                      <a:noFill/>
-                      <a:prstDash val="solid"/>
-                      <a:round/>
-                      <a:headEnd type="none" w="med" len="med"/>
-                      <a:tailEnd type="none" w="med" len="med"/>
-                    </a:lnR>
-                    <a:lnT w="3175" cap="flat" cmpd="sng" algn="ctr">
-                      <a:solidFill>
-                        <a:srgbClr val="008040"/>
-                      </a:solidFill>
-                      <a:prstDash val="solid"/>
-                      <a:round/>
-                      <a:headEnd type="none" w="med" len="med"/>
-                      <a:tailEnd type="none" w="med" len="med"/>
-                    </a:lnT>
-                    <a:lnB w="6350" cap="flat" cmpd="sng" algn="ctr">
-                      <a:noFill/>
-                      <a:prstDash val="solid"/>
-                      <a:round/>
-                      <a:headEnd type="none" w="med" len="med"/>
-                      <a:tailEnd type="none" w="med" len="med"/>
-                    </a:lnB>
-                    <a:lnTlToBr w="12700" cmpd="sng">
-                      <a:noFill/>
-                      <a:prstDash val="solid"/>
-                    </a:lnTlToBr>
-                    <a:lnBlToTr w="12700" cmpd="sng">
-                      <a:noFill/>
-                      <a:prstDash val="solid"/>
-                    </a:lnBlToTr>
-                    <a:noFill/>
-                  </a:tcPr>
-                </a:tc>
-              </a:tr>
-            </a:tbl>
-          </a:graphicData>
-        </a:graphic>
-      </p:graphicFrame>
-      <p:pic>
-        <p:nvPicPr>
-          <p:cNvPr id="5" name="3 Marcador de contenido"/>
-          <p:cNvPicPr>
-            <a:picLocks noChangeAspect="1"/>
-          </p:cNvPicPr>
-          <p:nvPr/>
-        </p:nvPicPr>
-        <p:blipFill>
-          <a:blip r:embed="rId2" cstate="print">
-            <a:extLst>
-              <a:ext uri="{28A0092B-C50C-407E-A947-70E740481C1C}">
-                <a14:useLocalDpi xmlns:a14="http://schemas.microsoft.com/office/drawing/2010/main" val="0"/>
-              </a:ext>
-            </a:extLst>
-          </a:blip>
-          <a:stretch>
-            <a:fillRect/>
-          </a:stretch>
-        </p:blipFill>
-        <p:spPr>
-          <a:xfrm>
-            <a:off x="313896" y="1589268"/>
-            <a:ext cx="347901" cy="382770"/>
-          </a:xfrm>
-          <a:prstGeom prst="rect">
-            <a:avLst/>
-          </a:prstGeom>
-          <a:solidFill>
-            <a:srgbClr val="C00000"/>
-          </a:solidFill>
-        </p:spPr>
-      </p:pic>
-      <p:pic>
-        <p:nvPicPr>
-          <p:cNvPr id="7" name="6 Imagen">
-            <a:hlinkClick r:id="rId3" action="ppaction://hlinkpres?slideindex=2&amp;slidetitle=Obras Concluidas por Sector"/>
-          </p:cNvPr>
-          <p:cNvPicPr>
-            <a:picLocks noChangeAspect="1"/>
-          </p:cNvPicPr>
-          <p:nvPr/>
-        </p:nvPicPr>
-        <p:blipFill>
-          <a:blip r:embed="rId4">
-            <a:extLst>
-              <a:ext uri="{28A0092B-C50C-407E-A947-70E740481C1C}">
-                <a14:useLocalDpi xmlns:a14="http://schemas.microsoft.com/office/drawing/2010/main" val="0"/>
-              </a:ext>
-            </a:extLst>
-          </a:blip>
-          <a:stretch>
-            <a:fillRect/>
-          </a:stretch>
-        </p:blipFill>
-        <p:spPr>
-          <a:xfrm>
-            <a:off x="8822656" y="6475642"/>
-            <a:ext cx="234000" cy="303946"/>
-          </a:xfrm>
-          <a:prstGeom prst="rect">
-            <a:avLst/>
-          </a:prstGeom>
-        </p:spPr>
-      </p:pic>
-    </p:spTree>
-    <p:extLst>
-      <p:ext uri="{BB962C8B-B14F-4D97-AF65-F5344CB8AC3E}">
-        <p14:creationId xmlns:p14="http://schemas.microsoft.com/office/powerpoint/2010/main" val="3656640534"/>
-      </p:ext>
-    </p:extLst>
-  </p:cSld>
-  <p:clrMapOvr>
-    <a:masterClrMapping/>
-  </p:clrMapOvr>
-  <p:timing>
-    <p:tnLst>
-      <p:par>
-        <p:cTn id="1" dur="indefinite" restart="never" nodeType="tmRoot"/>
-      </p:par>
-    </p:tnLst>
-  </p:timing>
-</p:sld>
-</file>
-
-<file path=ppt/slides/slide20.xml><?xml version="1.0" encoding="utf-8"?>
+<file path=ppt/slides/slide22.xml><?xml version="1.0" encoding="utf-8"?>
 <p:sld xmlns:a="http://schemas.openxmlformats.org/drawingml/2006/main" xmlns:r="http://schemas.openxmlformats.org/officeDocument/2006/relationships" xmlns:p="http://schemas.openxmlformats.org/presentationml/2006/main">
   <p:cSld>
     <p:spTree>
@@ -17642,7 +19956,7 @@
 </p:sld>
 </file>
 
-<file path=ppt/slides/slide21.xml><?xml version="1.0" encoding="utf-8"?>
+<file path=ppt/slides/slide23.xml><?xml version="1.0" encoding="utf-8"?>
 <p:sld xmlns:a="http://schemas.openxmlformats.org/drawingml/2006/main" xmlns:r="http://schemas.openxmlformats.org/officeDocument/2006/relationships" xmlns:p="http://schemas.openxmlformats.org/presentationml/2006/main">
   <p:cSld>
     <p:spTree>
@@ -19089,7 +21403,7 @@
 </p:sld>
 </file>
 
-<file path=ppt/slides/slide22.xml><?xml version="1.0" encoding="utf-8"?>
+<file path=ppt/slides/slide24.xml><?xml version="1.0" encoding="utf-8"?>
 <p:sld xmlns:a="http://schemas.openxmlformats.org/drawingml/2006/main" xmlns:r="http://schemas.openxmlformats.org/officeDocument/2006/relationships" xmlns:p="http://schemas.openxmlformats.org/presentationml/2006/main">
   <p:cSld>
     <p:spTree>
@@ -19742,7 +22056,7 @@
 </p:sld>
 </file>
 
-<file path=ppt/slides/slide23.xml><?xml version="1.0" encoding="utf-8"?>
+<file path=ppt/slides/slide25.xml><?xml version="1.0" encoding="utf-8"?>
 <p:sld xmlns:a="http://schemas.openxmlformats.org/drawingml/2006/main" xmlns:r="http://schemas.openxmlformats.org/officeDocument/2006/relationships" xmlns:p="http://schemas.openxmlformats.org/presentationml/2006/main">
   <p:cSld>
     <p:spTree>
@@ -21193,7 +23507,7 @@
 </p:sld>
 </file>
 
-<file path=ppt/slides/slide24.xml><?xml version="1.0" encoding="utf-8"?>
+<file path=ppt/slides/slide26.xml><?xml version="1.0" encoding="utf-8"?>
 <p:sld xmlns:a="http://schemas.openxmlformats.org/drawingml/2006/main" xmlns:r="http://schemas.openxmlformats.org/officeDocument/2006/relationships" xmlns:p="http://schemas.openxmlformats.org/presentationml/2006/main">
   <p:cSld>
     <p:spTree>
@@ -21881,7 +24195,7 @@
 </p:sld>
 </file>
 
-<file path=ppt/slides/slide25.xml><?xml version="1.0" encoding="utf-8"?>
+<file path=ppt/slides/slide27.xml><?xml version="1.0" encoding="utf-8"?>
 <p:sld xmlns:a="http://schemas.openxmlformats.org/drawingml/2006/main" xmlns:r="http://schemas.openxmlformats.org/officeDocument/2006/relationships" xmlns:p="http://schemas.openxmlformats.org/presentationml/2006/main">
   <p:cSld>
     <p:spTree>
@@ -23333,7 +25647,7 @@
 </p:sld>
 </file>
 
-<file path=ppt/slides/slide26.xml><?xml version="1.0" encoding="utf-8"?>
+<file path=ppt/slides/slide28.xml><?xml version="1.0" encoding="utf-8"?>
 <p:sld xmlns:a="http://schemas.openxmlformats.org/drawingml/2006/main" xmlns:r="http://schemas.openxmlformats.org/officeDocument/2006/relationships" xmlns:p="http://schemas.openxmlformats.org/presentationml/2006/main">
   <p:cSld>
     <p:spTree>
@@ -24003,7 +26317,7 @@
 </p:sld>
 </file>
 
-<file path=ppt/slides/slide27.xml><?xml version="1.0" encoding="utf-8"?>
+<file path=ppt/slides/slide29.xml><?xml version="1.0" encoding="utf-8"?>
 <p:sld xmlns:a="http://schemas.openxmlformats.org/drawingml/2006/main" xmlns:r="http://schemas.openxmlformats.org/officeDocument/2006/relationships" xmlns:p="http://schemas.openxmlformats.org/presentationml/2006/main">
   <p:cSld>
     <p:spTree>
@@ -25472,2178 +27786,6 @@
     <p:extLst>
       <p:ext uri="{BB962C8B-B14F-4D97-AF65-F5344CB8AC3E}">
         <p14:creationId xmlns:p14="http://schemas.microsoft.com/office/powerpoint/2010/main" val="3356168036"/>
-      </p:ext>
-    </p:extLst>
-  </p:cSld>
-  <p:clrMapOvr>
-    <a:masterClrMapping/>
-  </p:clrMapOvr>
-  <p:timing>
-    <p:tnLst>
-      <p:par>
-        <p:cTn id="1" dur="indefinite" restart="never" nodeType="tmRoot"/>
-      </p:par>
-    </p:tnLst>
-  </p:timing>
-</p:sld>
-</file>
-
-<file path=ppt/slides/slide28.xml><?xml version="1.0" encoding="utf-8"?>
-<p:sld xmlns:a="http://schemas.openxmlformats.org/drawingml/2006/main" xmlns:r="http://schemas.openxmlformats.org/officeDocument/2006/relationships" xmlns:p="http://schemas.openxmlformats.org/presentationml/2006/main">
-  <p:cSld>
-    <p:spTree>
-      <p:nvGrpSpPr>
-        <p:cNvPr id="1" name=""/>
-        <p:cNvGrpSpPr/>
-        <p:nvPr/>
-      </p:nvGrpSpPr>
-      <p:grpSpPr>
-        <a:xfrm>
-          <a:off x="0" y="0"/>
-          <a:ext cx="0" cy="0"/>
-          <a:chOff x="0" y="0"/>
-          <a:chExt cx="0" cy="0"/>
-        </a:xfrm>
-      </p:grpSpPr>
-      <p:graphicFrame>
-        <p:nvGraphicFramePr>
-          <p:cNvPr id="4" name="3 Tabla"/>
-          <p:cNvGraphicFramePr>
-            <a:graphicFrameLocks noGrp="1"/>
-          </p:cNvGraphicFramePr>
-          <p:nvPr>
-            <p:extLst>
-              <p:ext uri="{D42A27DB-BD31-4B8C-83A1-F6EECF244321}">
-                <p14:modId xmlns:p14="http://schemas.microsoft.com/office/powerpoint/2010/main" val="638792650"/>
-              </p:ext>
-            </p:extLst>
-          </p:nvPr>
-        </p:nvGraphicFramePr>
-        <p:xfrm>
-          <a:off x="199685" y="1392495"/>
-          <a:ext cx="8739971" cy="5178898"/>
-        </p:xfrm>
-        <a:graphic>
-          <a:graphicData uri="http://schemas.openxmlformats.org/drawingml/2006/table">
-            <a:tbl>
-              <a:tblPr firstRow="1" bandRow="1">
-                <a:tableStyleId>{5C22544A-7EE6-4342-B048-85BDC9FD1C3A}</a:tableStyleId>
-              </a:tblPr>
-              <a:tblGrid>
-                <a:gridCol w="499916"/>
-                <a:gridCol w="2408998"/>
-                <a:gridCol w="5831057"/>
-              </a:tblGrid>
-              <a:tr h="114293">
-                <a:tc gridSpan="2">
-                  <a:txBody>
-                    <a:bodyPr/>
-                    <a:lstStyle/>
-                    <a:p>
-                      <a:pPr algn="ctr">
-                        <a:lnSpc>
-                          <a:spcPts val="900"/>
-                        </a:lnSpc>
-                        <a:spcBef>
-                          <a:spcPts val="600"/>
-                        </a:spcBef>
-                        <a:spcAft>
-                          <a:spcPts val="300"/>
-                        </a:spcAft>
-                      </a:pPr>
-                      <a:endParaRPr lang="es-MX" sz="900" dirty="0">
-                        <a:solidFill>
-                          <a:srgbClr val="008040"/>
-                        </a:solidFill>
-                        <a:effectLst/>
-                        <a:latin typeface="Arial Narrow" panose="020B0606020202030204" pitchFamily="34" charset="0"/>
-                        <a:ea typeface="Calibri"/>
-                        <a:cs typeface="Times New Roman"/>
-                      </a:endParaRPr>
-                    </a:p>
-                  </a:txBody>
-                  <a:tcPr marL="63988" marR="63988" marT="0" marB="0" anchor="ctr">
-                    <a:solidFill>
-                      <a:schemeClr val="bg1">
-                        <a:lumMod val="95000"/>
-                      </a:schemeClr>
-                    </a:solidFill>
-                  </a:tcPr>
-                </a:tc>
-                <a:tc hMerge="1">
-                  <a:txBody>
-                    <a:bodyPr/>
-                    <a:lstStyle/>
-                    <a:p>
-                      <a:endParaRPr lang="es-MX"/>
-                    </a:p>
-                  </a:txBody>
-                  <a:tcPr/>
-                </a:tc>
-                <a:tc>
-                  <a:txBody>
-                    <a:bodyPr/>
-                    <a:lstStyle/>
-                    <a:p>
-                      <a:pPr algn="ctr">
-                        <a:lnSpc>
-                          <a:spcPts val="900"/>
-                        </a:lnSpc>
-                        <a:spcBef>
-                          <a:spcPts val="600"/>
-                        </a:spcBef>
-                        <a:spcAft>
-                          <a:spcPts val="300"/>
-                        </a:spcAft>
-                      </a:pPr>
-                      <a:endParaRPr lang="es-MX" sz="900" dirty="0">
-                        <a:solidFill>
-                          <a:srgbClr val="008040"/>
-                        </a:solidFill>
-                        <a:effectLst/>
-                        <a:latin typeface="Arial Narrow" panose="020B0606020202030204" pitchFamily="34" charset="0"/>
-                        <a:ea typeface="Calibri"/>
-                        <a:cs typeface="Times New Roman"/>
-                      </a:endParaRPr>
-                    </a:p>
-                  </a:txBody>
-                  <a:tcPr marL="63988" marR="63988" marT="0" marB="0" anchor="ctr">
-                    <a:noFill/>
-                  </a:tcPr>
-                </a:tc>
-              </a:tr>
-              <a:tr h="523886">
-                <a:tc>
-                  <a:txBody>
-                    <a:bodyPr/>
-                    <a:lstStyle/>
-                    <a:p>
-                      <a:pPr algn="ctr">
-                        <a:lnSpc>
-                          <a:spcPts val="1100"/>
-                        </a:lnSpc>
-                        <a:spcBef>
-                          <a:spcPts val="600"/>
-                        </a:spcBef>
-                        <a:spcAft>
-                          <a:spcPts val="300"/>
-                        </a:spcAft>
-                      </a:pPr>
-                      <a:endParaRPr lang="es-MX" sz="1100" b="1" dirty="0">
-                        <a:solidFill>
-                          <a:srgbClr val="008040"/>
-                        </a:solidFill>
-                        <a:effectLst/>
-                        <a:latin typeface="Arial Narrow" panose="020B0606020202030204" pitchFamily="34" charset="0"/>
-                        <a:ea typeface="Calibri"/>
-                        <a:cs typeface="Times New Roman"/>
-                      </a:endParaRPr>
-                    </a:p>
-                  </a:txBody>
-                  <a:tcPr marL="68580" marR="68580" marT="0" marB="0" anchor="ctr">
-                    <a:lnL w="3175" cap="flat" cmpd="sng" algn="ctr">
-                      <a:noFill/>
-                      <a:prstDash val="solid"/>
-                      <a:round/>
-                      <a:headEnd type="none" w="med" len="med"/>
-                      <a:tailEnd type="none" w="med" len="med"/>
-                    </a:lnL>
-                    <a:lnR w="6350" cap="flat" cmpd="sng" algn="ctr">
-                      <a:solidFill>
-                        <a:schemeClr val="bg1"/>
-                      </a:solidFill>
-                      <a:prstDash val="solid"/>
-                      <a:round/>
-                      <a:headEnd type="none" w="med" len="med"/>
-                      <a:tailEnd type="none" w="med" len="med"/>
-                    </a:lnR>
-                    <a:solidFill>
-                      <a:schemeClr val="tx2">
-                        <a:lumMod val="60000"/>
-                        <a:lumOff val="40000"/>
-                      </a:schemeClr>
-                    </a:solidFill>
-                  </a:tcPr>
-                </a:tc>
-                <a:tc>
-                  <a:txBody>
-                    <a:bodyPr/>
-                    <a:lstStyle/>
-                    <a:p>
-                      <a:pPr marL="0" marR="0" indent="0" algn="l" defTabSz="457200" rtl="0" eaLnBrk="1" fontAlgn="auto" latinLnBrk="0" hangingPunct="1">
-                        <a:lnSpc>
-                          <a:spcPts val="1100"/>
-                        </a:lnSpc>
-                        <a:spcBef>
-                          <a:spcPts val="0"/>
-                        </a:spcBef>
-                        <a:spcAft>
-                          <a:spcPts val="0"/>
-                        </a:spcAft>
-                        <a:buClrTx/>
-                        <a:buSzTx/>
-                        <a:buFontTx/>
-                        <a:buNone/>
-                        <a:tabLst/>
-                        <a:defRPr/>
-                      </a:pPr>
-                      <a:r>
-                        <a:rPr lang="es-MX" sz="1400" b="1" dirty="0" smtClean="0">
-                          <a:solidFill>
-                            <a:schemeClr val="tx1">
-                              <a:lumMod val="75000"/>
-                              <a:lumOff val="25000"/>
-                            </a:schemeClr>
-                          </a:solidFill>
-                          <a:effectLst/>
-                          <a:latin typeface="Arial Narrow" panose="020B0606020202030204" pitchFamily="34" charset="0"/>
-                          <a:ea typeface="Calibri"/>
-                          <a:cs typeface="Arial"/>
-                        </a:rPr>
-                        <a:t>Comisión Nacional del Agua</a:t>
-                      </a:r>
-                    </a:p>
-                  </a:txBody>
-                  <a:tcPr marL="68580" marR="68580" marT="0" marB="0" anchor="ctr">
-                    <a:lnL w="6350" cap="flat" cmpd="sng" algn="ctr">
-                      <a:solidFill>
-                        <a:schemeClr val="bg1"/>
-                      </a:solidFill>
-                      <a:prstDash val="solid"/>
-                      <a:round/>
-                      <a:headEnd type="none" w="med" len="med"/>
-                      <a:tailEnd type="none" w="med" len="med"/>
-                    </a:lnL>
-                    <a:lnR w="6350" cap="flat" cmpd="sng" algn="ctr">
-                      <a:solidFill>
-                        <a:schemeClr val="bg1"/>
-                      </a:solidFill>
-                      <a:prstDash val="solid"/>
-                      <a:round/>
-                      <a:headEnd type="none" w="med" len="med"/>
-                      <a:tailEnd type="none" w="med" len="med"/>
-                    </a:lnR>
-                    <a:solidFill>
-                      <a:srgbClr val="E4E4E4"/>
-                    </a:solidFill>
-                  </a:tcPr>
-                </a:tc>
-                <a:tc>
-                  <a:txBody>
-                    <a:bodyPr/>
-                    <a:lstStyle/>
-                    <a:p>
-                      <a:pPr marL="0" marR="0" indent="0" algn="ctr" defTabSz="457200" rtl="0" eaLnBrk="1" fontAlgn="auto" latinLnBrk="0" hangingPunct="1">
-                        <a:lnSpc>
-                          <a:spcPts val="1100"/>
-                        </a:lnSpc>
-                        <a:spcBef>
-                          <a:spcPts val="600"/>
-                        </a:spcBef>
-                        <a:spcAft>
-                          <a:spcPts val="300"/>
-                        </a:spcAft>
-                        <a:buClrTx/>
-                        <a:buSzTx/>
-                        <a:buFontTx/>
-                        <a:buNone/>
-                        <a:tabLst/>
-                        <a:defRPr/>
-                      </a:pPr>
-                      <a:endParaRPr lang="es-MX" sz="1100" b="1" dirty="0" smtClean="0">
-                        <a:solidFill>
-                          <a:srgbClr val="008040"/>
-                        </a:solidFill>
-                        <a:effectLst/>
-                        <a:latin typeface="Arial Narrow" panose="020B0606020202030204" pitchFamily="34" charset="0"/>
-                        <a:ea typeface="Calibri"/>
-                        <a:cs typeface="Times New Roman"/>
-                      </a:endParaRPr>
-                    </a:p>
-                  </a:txBody>
-                  <a:tcPr marL="68580" marR="68580" marT="0" marB="0" anchor="ctr">
-                    <a:lnL w="6350" cap="flat" cmpd="sng" algn="ctr">
-                      <a:solidFill>
-                        <a:schemeClr val="bg1"/>
-                      </a:solidFill>
-                      <a:prstDash val="solid"/>
-                      <a:round/>
-                      <a:headEnd type="none" w="med" len="med"/>
-                      <a:tailEnd type="none" w="med" len="med"/>
-                    </a:lnL>
-                    <a:lnR w="6350" cap="flat" cmpd="sng" algn="ctr">
-                      <a:solidFill>
-                        <a:schemeClr val="bg1"/>
-                      </a:solidFill>
-                      <a:prstDash val="solid"/>
-                      <a:round/>
-                      <a:headEnd type="none" w="med" len="med"/>
-                      <a:tailEnd type="none" w="med" len="med"/>
-                    </a:lnR>
-                    <a:noFill/>
-                  </a:tcPr>
-                </a:tc>
-              </a:tr>
-              <a:tr h="99093">
-                <a:tc gridSpan="2">
-                  <a:txBody>
-                    <a:bodyPr/>
-                    <a:lstStyle/>
-                    <a:p>
-                      <a:pPr algn="l">
-                        <a:lnSpc>
-                          <a:spcPct val="120000"/>
-                        </a:lnSpc>
-                        <a:spcAft>
-                          <a:spcPts val="0"/>
-                        </a:spcAft>
-                      </a:pPr>
-                      <a:endParaRPr lang="es-MX" sz="300" dirty="0">
-                        <a:solidFill>
-                          <a:srgbClr val="404040"/>
-                        </a:solidFill>
-                        <a:effectLst/>
-                        <a:latin typeface="Arial Narrow" panose="020B0606020202030204" pitchFamily="34" charset="0"/>
-                        <a:ea typeface="Calibri"/>
-                        <a:cs typeface="Times New Roman"/>
-                      </a:endParaRPr>
-                    </a:p>
-                  </a:txBody>
-                  <a:tcPr marL="41308" marR="41308" marT="0" marB="0" anchor="ctr">
-                    <a:lnB w="3175" cap="flat" cmpd="sng" algn="ctr">
-                      <a:solidFill>
-                        <a:schemeClr val="bg1">
-                          <a:lumMod val="85000"/>
-                        </a:schemeClr>
-                      </a:solidFill>
-                      <a:prstDash val="solid"/>
-                      <a:round/>
-                      <a:headEnd type="none" w="med" len="med"/>
-                      <a:tailEnd type="none" w="med" len="med"/>
-                    </a:lnB>
-                    <a:solidFill>
-                      <a:schemeClr val="bg1"/>
-                    </a:solidFill>
-                  </a:tcPr>
-                </a:tc>
-                <a:tc hMerge="1">
-                  <a:txBody>
-                    <a:bodyPr/>
-                    <a:lstStyle/>
-                    <a:p>
-                      <a:endParaRPr lang="es-MX"/>
-                    </a:p>
-                  </a:txBody>
-                  <a:tcPr/>
-                </a:tc>
-                <a:tc>
-                  <a:txBody>
-                    <a:bodyPr/>
-                    <a:lstStyle/>
-                    <a:p>
-                      <a:pPr algn="l">
-                        <a:lnSpc>
-                          <a:spcPct val="120000"/>
-                        </a:lnSpc>
-                        <a:spcAft>
-                          <a:spcPts val="0"/>
-                        </a:spcAft>
-                      </a:pPr>
-                      <a:endParaRPr lang="es-MX" sz="300" dirty="0">
-                        <a:solidFill>
-                          <a:srgbClr val="404040"/>
-                        </a:solidFill>
-                        <a:effectLst/>
-                        <a:latin typeface="Arial Narrow" panose="020B0606020202030204" pitchFamily="34" charset="0"/>
-                        <a:ea typeface="Calibri"/>
-                        <a:cs typeface="Times New Roman"/>
-                      </a:endParaRPr>
-                    </a:p>
-                  </a:txBody>
-                  <a:tcPr marL="41308" marR="41308" marT="0" marB="0" anchor="ctr">
-                    <a:lnB w="3175" cap="flat" cmpd="sng" algn="ctr">
-                      <a:solidFill>
-                        <a:schemeClr val="bg1">
-                          <a:lumMod val="85000"/>
-                        </a:schemeClr>
-                      </a:solidFill>
-                      <a:prstDash val="solid"/>
-                      <a:round/>
-                      <a:headEnd type="none" w="med" len="med"/>
-                      <a:tailEnd type="none" w="med" len="med"/>
-                    </a:lnB>
-                    <a:solidFill>
-                      <a:schemeClr val="bg1"/>
-                    </a:solidFill>
-                  </a:tcPr>
-                </a:tc>
-              </a:tr>
-              <a:tr h="3893809">
-                <a:tc gridSpan="3">
-                  <a:txBody>
-                    <a:bodyPr/>
-                    <a:lstStyle/>
-                    <a:p>
-                      <a:pPr marL="4763" lvl="1" indent="0" algn="just">
-                        <a:buNone/>
-                      </a:pPr>
-                      <a:endParaRPr lang="es-MX" sz="1400" b="1" dirty="0" smtClean="0">
-                        <a:solidFill>
-                          <a:srgbClr val="C00000"/>
-                        </a:solidFill>
-                        <a:latin typeface="Arial Narrow" panose="020B0606020202030204" pitchFamily="34" charset="0"/>
-                      </a:endParaRPr>
-                    </a:p>
-                  </a:txBody>
-                  <a:tcPr marL="68580" marR="68580" marT="0" marB="0">
-                    <a:lnL w="12700" cmpd="sng">
-                      <a:noFill/>
-                    </a:lnL>
-                    <a:lnR w="76200" cap="flat" cmpd="sng" algn="ctr">
-                      <a:noFill/>
-                      <a:prstDash val="solid"/>
-                      <a:round/>
-                      <a:headEnd type="none" w="med" len="med"/>
-                      <a:tailEnd type="none" w="med" len="med"/>
-                    </a:lnR>
-                    <a:lnT w="3175" cap="flat" cmpd="sng" algn="ctr">
-                      <a:solidFill>
-                        <a:schemeClr val="bg1">
-                          <a:lumMod val="85000"/>
-                        </a:schemeClr>
-                      </a:solidFill>
-                      <a:prstDash val="solid"/>
-                      <a:round/>
-                      <a:headEnd type="none" w="med" len="med"/>
-                      <a:tailEnd type="none" w="med" len="med"/>
-                    </a:lnT>
-                    <a:lnB w="3175" cap="flat" cmpd="sng" algn="ctr">
-                      <a:solidFill>
-                        <a:schemeClr val="bg1">
-                          <a:lumMod val="85000"/>
-                        </a:schemeClr>
-                      </a:solidFill>
-                      <a:prstDash val="solid"/>
-                      <a:round/>
-                      <a:headEnd type="none" w="med" len="med"/>
-                      <a:tailEnd type="none" w="med" len="med"/>
-                    </a:lnB>
-                    <a:lnTlToBr w="12700" cmpd="sng">
-                      <a:noFill/>
-                      <a:prstDash val="solid"/>
-                    </a:lnTlToBr>
-                    <a:lnBlToTr w="12700" cmpd="sng">
-                      <a:noFill/>
-                      <a:prstDash val="solid"/>
-                    </a:lnBlToTr>
-                    <a:noFill/>
-                  </a:tcPr>
-                </a:tc>
-                <a:tc hMerge="1">
-                  <a:txBody>
-                    <a:bodyPr/>
-                    <a:lstStyle/>
-                    <a:p>
-                      <a:endParaRPr lang="es-MX"/>
-                    </a:p>
-                  </a:txBody>
-                  <a:tcPr/>
-                </a:tc>
-                <a:tc hMerge="1">
-                  <a:txBody>
-                    <a:bodyPr/>
-                    <a:lstStyle/>
-                    <a:p>
-                      <a:pPr marL="0" indent="0" algn="l">
-                        <a:lnSpc>
-                          <a:spcPct val="120000"/>
-                        </a:lnSpc>
-                        <a:spcAft>
-                          <a:spcPts val="0"/>
-                        </a:spcAft>
-                        <a:buClr>
-                          <a:srgbClr val="008040"/>
-                        </a:buClr>
-                        <a:buFont typeface="Wingdings" panose="05000000000000000000" pitchFamily="2" charset="2"/>
-                        <a:buNone/>
-                      </a:pPr>
-                      <a:endParaRPr lang="es-MX" sz="1100" b="1" dirty="0">
-                        <a:solidFill>
-                          <a:schemeClr val="tx1">
-                            <a:lumMod val="75000"/>
-                            <a:lumOff val="25000"/>
-                          </a:schemeClr>
-                        </a:solidFill>
-                        <a:effectLst/>
-                        <a:latin typeface="Arial Narrow" panose="020B0606020202030204" pitchFamily="34" charset="0"/>
-                        <a:ea typeface="Calibri"/>
-                        <a:cs typeface="Times New Roman"/>
-                      </a:endParaRPr>
-                    </a:p>
-                  </a:txBody>
-                  <a:tcPr marL="68580" marR="68580" marT="0" marB="0">
-                    <a:lnL w="12700" cmpd="sng">
-                      <a:noFill/>
-                    </a:lnL>
-                    <a:lnR w="76200" cap="flat" cmpd="sng" algn="ctr">
-                      <a:noFill/>
-                      <a:prstDash val="solid"/>
-                      <a:round/>
-                      <a:headEnd type="none" w="med" len="med"/>
-                      <a:tailEnd type="none" w="med" len="med"/>
-                    </a:lnR>
-                    <a:lnT w="3175" cap="flat" cmpd="sng" algn="ctr">
-                      <a:solidFill>
-                        <a:srgbClr val="008040"/>
-                      </a:solidFill>
-                      <a:prstDash val="solid"/>
-                      <a:round/>
-                      <a:headEnd type="none" w="med" len="med"/>
-                      <a:tailEnd type="none" w="med" len="med"/>
-                    </a:lnT>
-                    <a:lnB w="6350" cap="flat" cmpd="sng" algn="ctr">
-                      <a:noFill/>
-                      <a:prstDash val="solid"/>
-                      <a:round/>
-                      <a:headEnd type="none" w="med" len="med"/>
-                      <a:tailEnd type="none" w="med" len="med"/>
-                    </a:lnB>
-                    <a:lnTlToBr w="12700" cmpd="sng">
-                      <a:noFill/>
-                      <a:prstDash val="solid"/>
-                    </a:lnTlToBr>
-                    <a:lnBlToTr w="12700" cmpd="sng">
-                      <a:noFill/>
-                      <a:prstDash val="solid"/>
-                    </a:lnBlToTr>
-                    <a:noFill/>
-                  </a:tcPr>
-                </a:tc>
-              </a:tr>
-              <a:tr h="547810">
-                <a:tc gridSpan="3">
-                  <a:txBody>
-                    <a:bodyPr/>
-                    <a:lstStyle/>
-                    <a:p>
-                      <a:pPr algn="just"/>
-                      <a:endParaRPr lang="es-MX" sz="800" b="1" dirty="0" smtClean="0">
-                        <a:solidFill>
-                          <a:schemeClr val="tx1">
-                            <a:lumMod val="75000"/>
-                            <a:lumOff val="25000"/>
-                          </a:schemeClr>
-                        </a:solidFill>
-                      </a:endParaRPr>
-                    </a:p>
-                  </a:txBody>
-                  <a:tcPr marL="68580" marR="68580" marT="0" marB="0">
-                    <a:lnL w="12700" cmpd="sng">
-                      <a:noFill/>
-                    </a:lnL>
-                    <a:lnR w="76200" cap="flat" cmpd="sng" algn="ctr">
-                      <a:noFill/>
-                      <a:prstDash val="solid"/>
-                      <a:round/>
-                      <a:headEnd type="none" w="med" len="med"/>
-                      <a:tailEnd type="none" w="med" len="med"/>
-                    </a:lnR>
-                    <a:lnT w="3175" cap="flat" cmpd="sng" algn="ctr">
-                      <a:solidFill>
-                        <a:schemeClr val="bg1">
-                          <a:lumMod val="85000"/>
-                        </a:schemeClr>
-                      </a:solidFill>
-                      <a:prstDash val="solid"/>
-                      <a:round/>
-                      <a:headEnd type="none" w="med" len="med"/>
-                      <a:tailEnd type="none" w="med" len="med"/>
-                    </a:lnT>
-                    <a:lnB w="6350" cap="flat" cmpd="sng" algn="ctr">
-                      <a:noFill/>
-                      <a:prstDash val="solid"/>
-                      <a:round/>
-                      <a:headEnd type="none" w="med" len="med"/>
-                      <a:tailEnd type="none" w="med" len="med"/>
-                    </a:lnB>
-                    <a:lnTlToBr w="12700" cmpd="sng">
-                      <a:noFill/>
-                      <a:prstDash val="solid"/>
-                    </a:lnTlToBr>
-                    <a:lnBlToTr w="12700" cmpd="sng">
-                      <a:noFill/>
-                      <a:prstDash val="solid"/>
-                    </a:lnBlToTr>
-                    <a:noFill/>
-                  </a:tcPr>
-                </a:tc>
-                <a:tc hMerge="1">
-                  <a:txBody>
-                    <a:bodyPr/>
-                    <a:lstStyle/>
-                    <a:p>
-                      <a:endParaRPr lang="es-MX"/>
-                    </a:p>
-                  </a:txBody>
-                  <a:tcPr/>
-                </a:tc>
-                <a:tc hMerge="1">
-                  <a:txBody>
-                    <a:bodyPr/>
-                    <a:lstStyle/>
-                    <a:p>
-                      <a:endParaRPr lang="es-MX"/>
-                    </a:p>
-                  </a:txBody>
-                  <a:tcPr/>
-                </a:tc>
-              </a:tr>
-            </a:tbl>
-          </a:graphicData>
-        </a:graphic>
-      </p:graphicFrame>
-      <p:pic>
-        <p:nvPicPr>
-          <p:cNvPr id="5" name="4 Imagen"/>
-          <p:cNvPicPr>
-            <a:picLocks noChangeAspect="1"/>
-          </p:cNvPicPr>
-          <p:nvPr/>
-        </p:nvPicPr>
-        <p:blipFill>
-          <a:blip r:embed="rId2" cstate="print">
-            <a:extLst>
-              <a:ext uri="{28A0092B-C50C-407E-A947-70E740481C1C}">
-                <a14:useLocalDpi xmlns:a14="http://schemas.microsoft.com/office/drawing/2010/main" val="0"/>
-              </a:ext>
-            </a:extLst>
-          </a:blip>
-          <a:stretch>
-            <a:fillRect/>
-          </a:stretch>
-        </p:blipFill>
-        <p:spPr>
-          <a:xfrm>
-            <a:off x="264200" y="1583460"/>
-            <a:ext cx="385999" cy="414677"/>
-          </a:xfrm>
-          <a:prstGeom prst="rect">
-            <a:avLst/>
-          </a:prstGeom>
-        </p:spPr>
-      </p:pic>
-      <p:pic>
-        <p:nvPicPr>
-          <p:cNvPr id="7" name="6 Imagen">
-            <a:hlinkClick r:id="rId3" action="ppaction://hlinkpres?slideindex=2&amp;slidetitle=Obras Concluidas por Sector"/>
-          </p:cNvPr>
-          <p:cNvPicPr>
-            <a:picLocks noChangeAspect="1"/>
-          </p:cNvPicPr>
-          <p:nvPr/>
-        </p:nvPicPr>
-        <p:blipFill>
-          <a:blip r:embed="rId4">
-            <a:extLst>
-              <a:ext uri="{28A0092B-C50C-407E-A947-70E740481C1C}">
-                <a14:useLocalDpi xmlns:a14="http://schemas.microsoft.com/office/drawing/2010/main" val="0"/>
-              </a:ext>
-            </a:extLst>
-          </a:blip>
-          <a:stretch>
-            <a:fillRect/>
-          </a:stretch>
-        </p:blipFill>
-        <p:spPr>
-          <a:xfrm>
-            <a:off x="8822656" y="6475642"/>
-            <a:ext cx="234000" cy="303946"/>
-          </a:xfrm>
-          <a:prstGeom prst="rect">
-            <a:avLst/>
-          </a:prstGeom>
-        </p:spPr>
-      </p:pic>
-    </p:spTree>
-    <p:extLst>
-      <p:ext uri="{BB962C8B-B14F-4D97-AF65-F5344CB8AC3E}">
-        <p14:creationId xmlns:p14="http://schemas.microsoft.com/office/powerpoint/2010/main" val="3583704180"/>
-      </p:ext>
-    </p:extLst>
-  </p:cSld>
-  <p:clrMapOvr>
-    <a:masterClrMapping/>
-  </p:clrMapOvr>
-  <p:timing>
-    <p:tnLst>
-      <p:par>
-        <p:cTn id="1" dur="indefinite" restart="never" nodeType="tmRoot"/>
-      </p:par>
-    </p:tnLst>
-  </p:timing>
-</p:sld>
-</file>
-
-<file path=ppt/slides/slide29.xml><?xml version="1.0" encoding="utf-8"?>
-<p:sld xmlns:a="http://schemas.openxmlformats.org/drawingml/2006/main" xmlns:r="http://schemas.openxmlformats.org/officeDocument/2006/relationships" xmlns:p="http://schemas.openxmlformats.org/presentationml/2006/main">
-  <p:cSld>
-    <p:spTree>
-      <p:nvGrpSpPr>
-        <p:cNvPr id="1" name=""/>
-        <p:cNvGrpSpPr/>
-        <p:nvPr/>
-      </p:nvGrpSpPr>
-      <p:grpSpPr>
-        <a:xfrm>
-          <a:off x="0" y="0"/>
-          <a:ext cx="0" cy="0"/>
-          <a:chOff x="0" y="0"/>
-          <a:chExt cx="0" cy="0"/>
-        </a:xfrm>
-      </p:grpSpPr>
-      <p:graphicFrame>
-        <p:nvGraphicFramePr>
-          <p:cNvPr id="4" name="3 Tabla"/>
-          <p:cNvGraphicFramePr>
-            <a:graphicFrameLocks noGrp="1"/>
-          </p:cNvGraphicFramePr>
-          <p:nvPr>
-            <p:extLst>
-              <p:ext uri="{D42A27DB-BD31-4B8C-83A1-F6EECF244321}">
-                <p14:modId xmlns:p14="http://schemas.microsoft.com/office/powerpoint/2010/main" val="587453992"/>
-              </p:ext>
-            </p:extLst>
-          </p:nvPr>
-        </p:nvGraphicFramePr>
-        <p:xfrm>
-          <a:off x="272955" y="1394275"/>
-          <a:ext cx="8707272" cy="5279481"/>
-        </p:xfrm>
-        <a:graphic>
-          <a:graphicData uri="http://schemas.openxmlformats.org/drawingml/2006/table">
-            <a:tbl>
-              <a:tblPr firstRow="1" bandRow="1">
-                <a:tableStyleId>{5C22544A-7EE6-4342-B048-85BDC9FD1C3A}</a:tableStyleId>
-              </a:tblPr>
-              <a:tblGrid>
-                <a:gridCol w="498046"/>
-                <a:gridCol w="6039232"/>
-                <a:gridCol w="2169994"/>
-              </a:tblGrid>
-              <a:tr h="139851">
-                <a:tc gridSpan="2">
-                  <a:txBody>
-                    <a:bodyPr/>
-                    <a:lstStyle/>
-                    <a:p>
-                      <a:pPr algn="ctr">
-                        <a:lnSpc>
-                          <a:spcPts val="900"/>
-                        </a:lnSpc>
-                        <a:spcBef>
-                          <a:spcPts val="600"/>
-                        </a:spcBef>
-                        <a:spcAft>
-                          <a:spcPts val="300"/>
-                        </a:spcAft>
-                      </a:pPr>
-                      <a:endParaRPr lang="es-MX" sz="900" dirty="0">
-                        <a:solidFill>
-                          <a:srgbClr val="008040"/>
-                        </a:solidFill>
-                        <a:effectLst/>
-                        <a:latin typeface="Arial Narrow" panose="020B0606020202030204" pitchFamily="34" charset="0"/>
-                        <a:ea typeface="Calibri"/>
-                        <a:cs typeface="Times New Roman"/>
-                      </a:endParaRPr>
-                    </a:p>
-                  </a:txBody>
-                  <a:tcPr marL="63988" marR="63988" marT="0" marB="0" anchor="ctr">
-                    <a:solidFill>
-                      <a:schemeClr val="bg1">
-                        <a:lumMod val="95000"/>
-                      </a:schemeClr>
-                    </a:solidFill>
-                  </a:tcPr>
-                </a:tc>
-                <a:tc hMerge="1">
-                  <a:txBody>
-                    <a:bodyPr/>
-                    <a:lstStyle/>
-                    <a:p>
-                      <a:endParaRPr lang="es-MX"/>
-                    </a:p>
-                  </a:txBody>
-                  <a:tcPr/>
-                </a:tc>
-                <a:tc>
-                  <a:txBody>
-                    <a:bodyPr/>
-                    <a:lstStyle/>
-                    <a:p>
-                      <a:pPr algn="ctr">
-                        <a:lnSpc>
-                          <a:spcPts val="900"/>
-                        </a:lnSpc>
-                        <a:spcBef>
-                          <a:spcPts val="600"/>
-                        </a:spcBef>
-                        <a:spcAft>
-                          <a:spcPts val="300"/>
-                        </a:spcAft>
-                      </a:pPr>
-                      <a:endParaRPr lang="es-MX" sz="900" dirty="0">
-                        <a:solidFill>
-                          <a:srgbClr val="008040"/>
-                        </a:solidFill>
-                        <a:effectLst/>
-                        <a:latin typeface="Arial Narrow" panose="020B0606020202030204" pitchFamily="34" charset="0"/>
-                        <a:ea typeface="Calibri"/>
-                        <a:cs typeface="Times New Roman"/>
-                      </a:endParaRPr>
-                    </a:p>
-                  </a:txBody>
-                  <a:tcPr marL="63988" marR="63988" marT="0" marB="0" anchor="ctr">
-                    <a:noFill/>
-                  </a:tcPr>
-                </a:tc>
-              </a:tr>
-              <a:tr h="458839">
-                <a:tc>
-                  <a:txBody>
-                    <a:bodyPr/>
-                    <a:lstStyle/>
-                    <a:p>
-                      <a:pPr algn="ctr">
-                        <a:lnSpc>
-                          <a:spcPts val="1100"/>
-                        </a:lnSpc>
-                        <a:spcBef>
-                          <a:spcPts val="600"/>
-                        </a:spcBef>
-                        <a:spcAft>
-                          <a:spcPts val="300"/>
-                        </a:spcAft>
-                      </a:pPr>
-                      <a:endParaRPr lang="es-MX" sz="1100" b="1" dirty="0">
-                        <a:solidFill>
-                          <a:srgbClr val="008040"/>
-                        </a:solidFill>
-                        <a:effectLst/>
-                        <a:latin typeface="Arial Narrow" panose="020B0606020202030204" pitchFamily="34" charset="0"/>
-                        <a:ea typeface="Calibri"/>
-                        <a:cs typeface="Times New Roman"/>
-                      </a:endParaRPr>
-                    </a:p>
-                  </a:txBody>
-                  <a:tcPr marL="68580" marR="68580" marT="0" marB="0" anchor="ctr">
-                    <a:lnL w="3175" cap="flat" cmpd="sng" algn="ctr">
-                      <a:noFill/>
-                      <a:prstDash val="solid"/>
-                      <a:round/>
-                      <a:headEnd type="none" w="med" len="med"/>
-                      <a:tailEnd type="none" w="med" len="med"/>
-                    </a:lnL>
-                    <a:lnR w="6350" cap="flat" cmpd="sng" algn="ctr">
-                      <a:solidFill>
-                        <a:schemeClr val="bg1"/>
-                      </a:solidFill>
-                      <a:prstDash val="solid"/>
-                      <a:round/>
-                      <a:headEnd type="none" w="med" len="med"/>
-                      <a:tailEnd type="none" w="med" len="med"/>
-                    </a:lnR>
-                    <a:solidFill>
-                      <a:srgbClr val="D60093"/>
-                    </a:solidFill>
-                  </a:tcPr>
-                </a:tc>
-                <a:tc>
-                  <a:txBody>
-                    <a:bodyPr/>
-                    <a:lstStyle/>
-                    <a:p>
-                      <a:pPr marL="0" marR="0" indent="0" algn="l" defTabSz="457200" rtl="0" eaLnBrk="1" fontAlgn="auto" latinLnBrk="0" hangingPunct="1">
-                        <a:lnSpc>
-                          <a:spcPts val="1100"/>
-                        </a:lnSpc>
-                        <a:spcBef>
-                          <a:spcPts val="0"/>
-                        </a:spcBef>
-                        <a:spcAft>
-                          <a:spcPts val="0"/>
-                        </a:spcAft>
-                        <a:buClrTx/>
-                        <a:buSzTx/>
-                        <a:buFontTx/>
-                        <a:buNone/>
-                        <a:tabLst/>
-                        <a:defRPr/>
-                      </a:pPr>
-                      <a:r>
-                        <a:rPr lang="es-MX" sz="1400" b="1" dirty="0" smtClean="0">
-                          <a:solidFill>
-                            <a:schemeClr val="tx1">
-                              <a:lumMod val="75000"/>
-                              <a:lumOff val="25000"/>
-                            </a:schemeClr>
-                          </a:solidFill>
-                          <a:effectLst/>
-                          <a:latin typeface="Arial Narrow" panose="020B0606020202030204" pitchFamily="34" charset="0"/>
-                          <a:ea typeface="Calibri"/>
-                          <a:cs typeface="Arial"/>
-                        </a:rPr>
-                        <a:t>Comisión</a:t>
-                      </a:r>
-                      <a:r>
-                        <a:rPr lang="es-MX" sz="1400" b="1" baseline="0" dirty="0" smtClean="0">
-                          <a:solidFill>
-                            <a:schemeClr val="tx1">
-                              <a:lumMod val="75000"/>
-                              <a:lumOff val="25000"/>
-                            </a:schemeClr>
-                          </a:solidFill>
-                          <a:effectLst/>
-                          <a:latin typeface="Arial Narrow" panose="020B0606020202030204" pitchFamily="34" charset="0"/>
-                          <a:ea typeface="Calibri"/>
-                          <a:cs typeface="Arial"/>
-                        </a:rPr>
-                        <a:t> Nacional para el Desarrollo de los Pueblos Indígenas.</a:t>
-                      </a:r>
-                      <a:endParaRPr lang="es-MX" sz="1400" b="1" dirty="0" smtClean="0">
-                        <a:solidFill>
-                          <a:schemeClr val="tx1">
-                            <a:lumMod val="75000"/>
-                            <a:lumOff val="25000"/>
-                          </a:schemeClr>
-                        </a:solidFill>
-                        <a:effectLst/>
-                        <a:latin typeface="Arial Narrow" panose="020B0606020202030204" pitchFamily="34" charset="0"/>
-                        <a:ea typeface="Calibri"/>
-                        <a:cs typeface="Arial"/>
-                      </a:endParaRPr>
-                    </a:p>
-                  </a:txBody>
-                  <a:tcPr marL="68580" marR="68580" marT="0" marB="0" anchor="ctr">
-                    <a:lnL w="6350" cap="flat" cmpd="sng" algn="ctr">
-                      <a:solidFill>
-                        <a:schemeClr val="bg1"/>
-                      </a:solidFill>
-                      <a:prstDash val="solid"/>
-                      <a:round/>
-                      <a:headEnd type="none" w="med" len="med"/>
-                      <a:tailEnd type="none" w="med" len="med"/>
-                    </a:lnL>
-                    <a:lnR w="6350" cap="flat" cmpd="sng" algn="ctr">
-                      <a:solidFill>
-                        <a:schemeClr val="bg1"/>
-                      </a:solidFill>
-                      <a:prstDash val="solid"/>
-                      <a:round/>
-                      <a:headEnd type="none" w="med" len="med"/>
-                      <a:tailEnd type="none" w="med" len="med"/>
-                    </a:lnR>
-                    <a:solidFill>
-                      <a:srgbClr val="E4E4E4"/>
-                    </a:solidFill>
-                  </a:tcPr>
-                </a:tc>
-                <a:tc>
-                  <a:txBody>
-                    <a:bodyPr/>
-                    <a:lstStyle/>
-                    <a:p>
-                      <a:pPr marL="0" marR="0" indent="0" algn="ctr" defTabSz="457200" rtl="0" eaLnBrk="1" fontAlgn="auto" latinLnBrk="0" hangingPunct="1">
-                        <a:lnSpc>
-                          <a:spcPts val="1100"/>
-                        </a:lnSpc>
-                        <a:spcBef>
-                          <a:spcPts val="600"/>
-                        </a:spcBef>
-                        <a:spcAft>
-                          <a:spcPts val="300"/>
-                        </a:spcAft>
-                        <a:buClrTx/>
-                        <a:buSzTx/>
-                        <a:buFontTx/>
-                        <a:buNone/>
-                        <a:tabLst/>
-                        <a:defRPr/>
-                      </a:pPr>
-                      <a:endParaRPr lang="es-MX" sz="1100" b="1" dirty="0" smtClean="0">
-                        <a:solidFill>
-                          <a:srgbClr val="008040"/>
-                        </a:solidFill>
-                        <a:effectLst/>
-                        <a:latin typeface="Arial Narrow" panose="020B0606020202030204" pitchFamily="34" charset="0"/>
-                        <a:ea typeface="Calibri"/>
-                        <a:cs typeface="Times New Roman"/>
-                      </a:endParaRPr>
-                    </a:p>
-                  </a:txBody>
-                  <a:tcPr marL="68580" marR="68580" marT="0" marB="0" anchor="ctr">
-                    <a:lnL w="6350" cap="flat" cmpd="sng" algn="ctr">
-                      <a:solidFill>
-                        <a:schemeClr val="bg1"/>
-                      </a:solidFill>
-                      <a:prstDash val="solid"/>
-                      <a:round/>
-                      <a:headEnd type="none" w="med" len="med"/>
-                      <a:tailEnd type="none" w="med" len="med"/>
-                    </a:lnL>
-                    <a:lnR w="6350" cap="flat" cmpd="sng" algn="ctr">
-                      <a:solidFill>
-                        <a:schemeClr val="bg1"/>
-                      </a:solidFill>
-                      <a:prstDash val="solid"/>
-                      <a:round/>
-                      <a:headEnd type="none" w="med" len="med"/>
-                      <a:tailEnd type="none" w="med" len="med"/>
-                    </a:lnR>
-                    <a:noFill/>
-                  </a:tcPr>
-                </a:tc>
-              </a:tr>
-              <a:tr h="104699">
-                <a:tc gridSpan="2">
-                  <a:txBody>
-                    <a:bodyPr/>
-                    <a:lstStyle/>
-                    <a:p>
-                      <a:pPr algn="l">
-                        <a:lnSpc>
-                          <a:spcPct val="120000"/>
-                        </a:lnSpc>
-                        <a:spcAft>
-                          <a:spcPts val="0"/>
-                        </a:spcAft>
-                      </a:pPr>
-                      <a:endParaRPr lang="es-MX" sz="300" dirty="0">
-                        <a:solidFill>
-                          <a:srgbClr val="404040"/>
-                        </a:solidFill>
-                        <a:effectLst/>
-                        <a:latin typeface="Arial Narrow" panose="020B0606020202030204" pitchFamily="34" charset="0"/>
-                        <a:ea typeface="Calibri"/>
-                        <a:cs typeface="Times New Roman"/>
-                      </a:endParaRPr>
-                    </a:p>
-                  </a:txBody>
-                  <a:tcPr marL="41308" marR="41308" marT="0" marB="0" anchor="ctr">
-                    <a:lnB w="3175" cap="flat" cmpd="sng" algn="ctr">
-                      <a:solidFill>
-                        <a:schemeClr val="bg1">
-                          <a:lumMod val="85000"/>
-                        </a:schemeClr>
-                      </a:solidFill>
-                      <a:prstDash val="solid"/>
-                      <a:round/>
-                      <a:headEnd type="none" w="med" len="med"/>
-                      <a:tailEnd type="none" w="med" len="med"/>
-                    </a:lnB>
-                    <a:solidFill>
-                      <a:schemeClr val="bg1"/>
-                    </a:solidFill>
-                  </a:tcPr>
-                </a:tc>
-                <a:tc hMerge="1">
-                  <a:txBody>
-                    <a:bodyPr/>
-                    <a:lstStyle/>
-                    <a:p>
-                      <a:endParaRPr lang="es-MX"/>
-                    </a:p>
-                  </a:txBody>
-                  <a:tcPr/>
-                </a:tc>
-                <a:tc>
-                  <a:txBody>
-                    <a:bodyPr/>
-                    <a:lstStyle/>
-                    <a:p>
-                      <a:pPr algn="l">
-                        <a:lnSpc>
-                          <a:spcPct val="120000"/>
-                        </a:lnSpc>
-                        <a:spcAft>
-                          <a:spcPts val="0"/>
-                        </a:spcAft>
-                      </a:pPr>
-                      <a:endParaRPr lang="es-MX" sz="300" dirty="0">
-                        <a:solidFill>
-                          <a:srgbClr val="404040"/>
-                        </a:solidFill>
-                        <a:effectLst/>
-                        <a:latin typeface="Arial Narrow" panose="020B0606020202030204" pitchFamily="34" charset="0"/>
-                        <a:ea typeface="Calibri"/>
-                        <a:cs typeface="Times New Roman"/>
-                      </a:endParaRPr>
-                    </a:p>
-                  </a:txBody>
-                  <a:tcPr marL="41308" marR="41308" marT="0" marB="0" anchor="ctr">
-                    <a:lnB w="3175" cap="flat" cmpd="sng" algn="ctr">
-                      <a:solidFill>
-                        <a:schemeClr val="bg1">
-                          <a:lumMod val="85000"/>
-                        </a:schemeClr>
-                      </a:solidFill>
-                      <a:prstDash val="solid"/>
-                      <a:round/>
-                      <a:headEnd type="none" w="med" len="med"/>
-                      <a:tailEnd type="none" w="med" len="med"/>
-                    </a:lnB>
-                    <a:solidFill>
-                      <a:schemeClr val="bg1"/>
-                    </a:solidFill>
-                  </a:tcPr>
-                </a:tc>
-              </a:tr>
-              <a:tr h="4576092">
-                <a:tc gridSpan="3">
-                  <a:txBody>
-                    <a:bodyPr/>
-                    <a:lstStyle/>
-                    <a:p>
-                      <a:pPr marL="0" marR="0" indent="0" algn="l" defTabSz="457200" rtl="0" eaLnBrk="1" fontAlgn="auto" latinLnBrk="0" hangingPunct="1">
-                        <a:lnSpc>
-                          <a:spcPct val="120000"/>
-                        </a:lnSpc>
-                        <a:spcBef>
-                          <a:spcPts val="0"/>
-                        </a:spcBef>
-                        <a:spcAft>
-                          <a:spcPts val="0"/>
-                        </a:spcAft>
-                        <a:buClr>
-                          <a:srgbClr val="008040"/>
-                        </a:buClr>
-                        <a:buSzTx/>
-                        <a:buFont typeface="Wingdings" panose="05000000000000000000" pitchFamily="2" charset="2"/>
-                        <a:buNone/>
-                        <a:tabLst/>
-                        <a:defRPr/>
-                      </a:pPr>
-                      <a:endParaRPr lang="es-MX" sz="1100" dirty="0" smtClean="0">
-                        <a:solidFill>
-                          <a:schemeClr val="tx1">
-                            <a:lumMod val="75000"/>
-                            <a:lumOff val="25000"/>
-                          </a:schemeClr>
-                        </a:solidFill>
-                        <a:effectLst/>
-                        <a:latin typeface="Arial Narrow" panose="020B0606020202030204" pitchFamily="34" charset="0"/>
-                        <a:ea typeface="Calibri"/>
-                        <a:cs typeface="Arial"/>
-                      </a:endParaRPr>
-                    </a:p>
-                  </a:txBody>
-                  <a:tcPr marL="68580" marR="68580" marT="0" marB="0">
-                    <a:lnL w="12700" cmpd="sng">
-                      <a:noFill/>
-                    </a:lnL>
-                    <a:lnR w="76200" cap="flat" cmpd="sng" algn="ctr">
-                      <a:noFill/>
-                      <a:prstDash val="solid"/>
-                      <a:round/>
-                      <a:headEnd type="none" w="med" len="med"/>
-                      <a:tailEnd type="none" w="med" len="med"/>
-                    </a:lnR>
-                    <a:lnT w="3175" cap="flat" cmpd="sng" algn="ctr">
-                      <a:solidFill>
-                        <a:schemeClr val="bg1">
-                          <a:lumMod val="85000"/>
-                        </a:schemeClr>
-                      </a:solidFill>
-                      <a:prstDash val="solid"/>
-                      <a:round/>
-                      <a:headEnd type="none" w="med" len="med"/>
-                      <a:tailEnd type="none" w="med" len="med"/>
-                    </a:lnT>
-                    <a:lnB w="6350" cap="flat" cmpd="sng" algn="ctr">
-                      <a:noFill/>
-                      <a:prstDash val="solid"/>
-                      <a:round/>
-                      <a:headEnd type="none" w="med" len="med"/>
-                      <a:tailEnd type="none" w="med" len="med"/>
-                    </a:lnB>
-                    <a:lnTlToBr w="12700" cmpd="sng">
-                      <a:noFill/>
-                      <a:prstDash val="solid"/>
-                    </a:lnTlToBr>
-                    <a:lnBlToTr w="12700" cmpd="sng">
-                      <a:noFill/>
-                      <a:prstDash val="solid"/>
-                    </a:lnBlToTr>
-                    <a:noFill/>
-                  </a:tcPr>
-                </a:tc>
-                <a:tc hMerge="1">
-                  <a:txBody>
-                    <a:bodyPr/>
-                    <a:lstStyle/>
-                    <a:p>
-                      <a:endParaRPr lang="es-MX"/>
-                    </a:p>
-                  </a:txBody>
-                  <a:tcPr/>
-                </a:tc>
-                <a:tc hMerge="1">
-                  <a:txBody>
-                    <a:bodyPr/>
-                    <a:lstStyle/>
-                    <a:p>
-                      <a:pPr marL="0" indent="0" algn="l">
-                        <a:lnSpc>
-                          <a:spcPct val="120000"/>
-                        </a:lnSpc>
-                        <a:spcAft>
-                          <a:spcPts val="0"/>
-                        </a:spcAft>
-                        <a:buClr>
-                          <a:srgbClr val="008040"/>
-                        </a:buClr>
-                        <a:buFont typeface="Wingdings" panose="05000000000000000000" pitchFamily="2" charset="2"/>
-                        <a:buNone/>
-                      </a:pPr>
-                      <a:endParaRPr lang="es-MX" sz="1100" b="1" dirty="0">
-                        <a:solidFill>
-                          <a:schemeClr val="tx1">
-                            <a:lumMod val="75000"/>
-                            <a:lumOff val="25000"/>
-                          </a:schemeClr>
-                        </a:solidFill>
-                        <a:effectLst/>
-                        <a:latin typeface="Arial Narrow" panose="020B0606020202030204" pitchFamily="34" charset="0"/>
-                        <a:ea typeface="Calibri"/>
-                        <a:cs typeface="Times New Roman"/>
-                      </a:endParaRPr>
-                    </a:p>
-                  </a:txBody>
-                  <a:tcPr marL="68580" marR="68580" marT="0" marB="0">
-                    <a:lnL w="12700" cmpd="sng">
-                      <a:noFill/>
-                    </a:lnL>
-                    <a:lnR w="76200" cap="flat" cmpd="sng" algn="ctr">
-                      <a:noFill/>
-                      <a:prstDash val="solid"/>
-                      <a:round/>
-                      <a:headEnd type="none" w="med" len="med"/>
-                      <a:tailEnd type="none" w="med" len="med"/>
-                    </a:lnR>
-                    <a:lnT w="3175" cap="flat" cmpd="sng" algn="ctr">
-                      <a:solidFill>
-                        <a:srgbClr val="008040"/>
-                      </a:solidFill>
-                      <a:prstDash val="solid"/>
-                      <a:round/>
-                      <a:headEnd type="none" w="med" len="med"/>
-                      <a:tailEnd type="none" w="med" len="med"/>
-                    </a:lnT>
-                    <a:lnB w="6350" cap="flat" cmpd="sng" algn="ctr">
-                      <a:noFill/>
-                      <a:prstDash val="solid"/>
-                      <a:round/>
-                      <a:headEnd type="none" w="med" len="med"/>
-                      <a:tailEnd type="none" w="med" len="med"/>
-                    </a:lnB>
-                    <a:lnTlToBr w="12700" cmpd="sng">
-                      <a:noFill/>
-                      <a:prstDash val="solid"/>
-                    </a:lnTlToBr>
-                    <a:lnBlToTr w="12700" cmpd="sng">
-                      <a:noFill/>
-                      <a:prstDash val="solid"/>
-                    </a:lnBlToTr>
-                    <a:noFill/>
-                  </a:tcPr>
-                </a:tc>
-              </a:tr>
-            </a:tbl>
-          </a:graphicData>
-        </a:graphic>
-      </p:graphicFrame>
-      <p:graphicFrame>
-        <p:nvGraphicFramePr>
-          <p:cNvPr id="9" name="8 Tabla"/>
-          <p:cNvGraphicFramePr>
-            <a:graphicFrameLocks noGrp="1"/>
-          </p:cNvGraphicFramePr>
-          <p:nvPr>
-            <p:extLst>
-              <p:ext uri="{D42A27DB-BD31-4B8C-83A1-F6EECF244321}">
-                <p14:modId xmlns:p14="http://schemas.microsoft.com/office/powerpoint/2010/main" val="3729878524"/>
-              </p:ext>
-            </p:extLst>
-          </p:nvPr>
-        </p:nvGraphicFramePr>
-        <p:xfrm>
-          <a:off x="1524000" y="3492623"/>
-          <a:ext cx="6096000" cy="1854200"/>
-        </p:xfrm>
-        <a:graphic>
-          <a:graphicData uri="http://schemas.openxmlformats.org/drawingml/2006/table">
-            <a:tbl>
-              <a:tblPr firstRow="1" bandRow="1">
-                <a:tableStyleId>{2D5ABB26-0587-4C30-8999-92F81FD0307C}</a:tableStyleId>
-              </a:tblPr>
-              <a:tblGrid>
-                <a:gridCol w="2032000"/>
-                <a:gridCol w="2032000"/>
-                <a:gridCol w="2032000"/>
-              </a:tblGrid>
-              <a:tr h="370840">
-                <a:tc>
-                  <a:txBody>
-                    <a:bodyPr/>
-                    <a:lstStyle/>
-                    <a:p>
-                      <a:pPr algn="ctr"/>
-                      <a:endParaRPr lang="es-MX" b="1" dirty="0">
-                        <a:solidFill>
-                          <a:schemeClr val="tx1">
-                            <a:lumMod val="65000"/>
-                            <a:lumOff val="35000"/>
-                          </a:schemeClr>
-                        </a:solidFill>
-                        <a:latin typeface="Arial Narrow" panose="020B0606020202030204" pitchFamily="34" charset="0"/>
-                      </a:endParaRPr>
-                    </a:p>
-                  </a:txBody>
-                  <a:tcPr>
-                    <a:solidFill>
-                      <a:schemeClr val="bg1">
-                        <a:lumMod val="95000"/>
-                      </a:schemeClr>
-                    </a:solidFill>
-                  </a:tcPr>
-                </a:tc>
-                <a:tc>
-                  <a:txBody>
-                    <a:bodyPr/>
-                    <a:lstStyle/>
-                    <a:p>
-                      <a:pPr algn="ctr"/>
-                      <a:r>
-                        <a:rPr lang="es-MX" b="1" dirty="0" smtClean="0">
-                          <a:solidFill>
-                            <a:schemeClr val="tx1">
-                              <a:lumMod val="65000"/>
-                              <a:lumOff val="35000"/>
-                            </a:schemeClr>
-                          </a:solidFill>
-                          <a:latin typeface="Arial Narrow" panose="020B0606020202030204" pitchFamily="34" charset="0"/>
-                        </a:rPr>
-                        <a:t>Número</a:t>
-                      </a:r>
-                      <a:r>
-                        <a:rPr lang="es-MX" b="1" baseline="0" dirty="0" smtClean="0">
-                          <a:solidFill>
-                            <a:schemeClr val="tx1">
-                              <a:lumMod val="65000"/>
-                              <a:lumOff val="35000"/>
-                            </a:schemeClr>
-                          </a:solidFill>
-                          <a:latin typeface="Arial Narrow" panose="020B0606020202030204" pitchFamily="34" charset="0"/>
-                        </a:rPr>
-                        <a:t> de obras</a:t>
-                      </a:r>
-                      <a:endParaRPr lang="es-MX" b="1" dirty="0">
-                        <a:solidFill>
-                          <a:schemeClr val="tx1">
-                            <a:lumMod val="65000"/>
-                            <a:lumOff val="35000"/>
-                          </a:schemeClr>
-                        </a:solidFill>
-                        <a:latin typeface="Arial Narrow" panose="020B0606020202030204" pitchFamily="34" charset="0"/>
-                      </a:endParaRPr>
-                    </a:p>
-                  </a:txBody>
-                  <a:tcPr>
-                    <a:solidFill>
-                      <a:schemeClr val="bg1">
-                        <a:lumMod val="95000"/>
-                      </a:schemeClr>
-                    </a:solidFill>
-                  </a:tcPr>
-                </a:tc>
-                <a:tc>
-                  <a:txBody>
-                    <a:bodyPr/>
-                    <a:lstStyle/>
-                    <a:p>
-                      <a:pPr algn="ctr"/>
-                      <a:r>
-                        <a:rPr lang="es-MX" b="1" dirty="0" smtClean="0">
-                          <a:solidFill>
-                            <a:schemeClr val="tx1">
-                              <a:lumMod val="65000"/>
-                              <a:lumOff val="35000"/>
-                            </a:schemeClr>
-                          </a:solidFill>
-                          <a:latin typeface="Arial Narrow" panose="020B0606020202030204" pitchFamily="34" charset="0"/>
-                        </a:rPr>
-                        <a:t>Inversión mdp</a:t>
-                      </a:r>
-                      <a:endParaRPr lang="es-MX" b="1" dirty="0">
-                        <a:solidFill>
-                          <a:schemeClr val="tx1">
-                            <a:lumMod val="65000"/>
-                            <a:lumOff val="35000"/>
-                          </a:schemeClr>
-                        </a:solidFill>
-                        <a:latin typeface="Arial Narrow" panose="020B0606020202030204" pitchFamily="34" charset="0"/>
-                      </a:endParaRPr>
-                    </a:p>
-                  </a:txBody>
-                  <a:tcPr>
-                    <a:solidFill>
-                      <a:schemeClr val="bg1">
-                        <a:lumMod val="95000"/>
-                      </a:schemeClr>
-                    </a:solidFill>
-                  </a:tcPr>
-                </a:tc>
-              </a:tr>
-              <a:tr h="370840">
-                <a:tc>
-                  <a:txBody>
-                    <a:bodyPr/>
-                    <a:lstStyle/>
-                    <a:p>
-                      <a:r>
-                        <a:rPr lang="es-MX" b="1" dirty="0" smtClean="0">
-                          <a:solidFill>
-                            <a:schemeClr val="tx1">
-                              <a:lumMod val="65000"/>
-                              <a:lumOff val="35000"/>
-                            </a:schemeClr>
-                          </a:solidFill>
-                          <a:latin typeface="Arial Narrow" panose="020B0606020202030204" pitchFamily="34" charset="0"/>
-                        </a:rPr>
-                        <a:t>Concluidas</a:t>
-                      </a:r>
-                      <a:endParaRPr lang="es-MX" b="1" dirty="0">
-                        <a:solidFill>
-                          <a:schemeClr val="tx1">
-                            <a:lumMod val="65000"/>
-                            <a:lumOff val="35000"/>
-                          </a:schemeClr>
-                        </a:solidFill>
-                        <a:latin typeface="Arial Narrow" panose="020B0606020202030204" pitchFamily="34" charset="0"/>
-                      </a:endParaRPr>
-                    </a:p>
-                  </a:txBody>
-                  <a:tcPr>
-                    <a:solidFill>
-                      <a:schemeClr val="bg1">
-                        <a:lumMod val="85000"/>
-                      </a:schemeClr>
-                    </a:solidFill>
-                  </a:tcPr>
-                </a:tc>
-                <a:tc>
-                  <a:txBody>
-                    <a:bodyPr/>
-                    <a:lstStyle/>
-                    <a:p>
-                      <a:pPr algn="ctr"/>
-                      <a:endParaRPr lang="es-MX" dirty="0">
-                        <a:solidFill>
-                          <a:schemeClr val="tx1">
-                            <a:lumMod val="65000"/>
-                            <a:lumOff val="35000"/>
-                          </a:schemeClr>
-                        </a:solidFill>
-                        <a:latin typeface="Arial Narrow" panose="020B0606020202030204" pitchFamily="34" charset="0"/>
-                      </a:endParaRPr>
-                    </a:p>
-                  </a:txBody>
-                  <a:tcPr>
-                    <a:solidFill>
-                      <a:schemeClr val="bg1">
-                        <a:lumMod val="85000"/>
-                      </a:schemeClr>
-                    </a:solidFill>
-                  </a:tcPr>
-                </a:tc>
-                <a:tc>
-                  <a:txBody>
-                    <a:bodyPr/>
-                    <a:lstStyle/>
-                    <a:p>
-                      <a:pPr algn="ctr"/>
-                      <a:endParaRPr lang="es-MX" dirty="0">
-                        <a:solidFill>
-                          <a:schemeClr val="tx1">
-                            <a:lumMod val="65000"/>
-                            <a:lumOff val="35000"/>
-                          </a:schemeClr>
-                        </a:solidFill>
-                        <a:latin typeface="Arial Narrow" panose="020B0606020202030204" pitchFamily="34" charset="0"/>
-                      </a:endParaRPr>
-                    </a:p>
-                  </a:txBody>
-                  <a:tcPr>
-                    <a:solidFill>
-                      <a:schemeClr val="bg1">
-                        <a:lumMod val="85000"/>
-                      </a:schemeClr>
-                    </a:solidFill>
-                  </a:tcPr>
-                </a:tc>
-              </a:tr>
-              <a:tr h="370840">
-                <a:tc>
-                  <a:txBody>
-                    <a:bodyPr/>
-                    <a:lstStyle/>
-                    <a:p>
-                      <a:r>
-                        <a:rPr lang="es-MX" b="1" dirty="0" smtClean="0">
-                          <a:solidFill>
-                            <a:schemeClr val="tx1">
-                              <a:lumMod val="65000"/>
-                              <a:lumOff val="35000"/>
-                            </a:schemeClr>
-                          </a:solidFill>
-                          <a:latin typeface="Arial Narrow" panose="020B0606020202030204" pitchFamily="34" charset="0"/>
-                        </a:rPr>
-                        <a:t>En proceso</a:t>
-                      </a:r>
-                      <a:endParaRPr lang="es-MX" b="1" dirty="0">
-                        <a:solidFill>
-                          <a:schemeClr val="tx1">
-                            <a:lumMod val="65000"/>
-                            <a:lumOff val="35000"/>
-                          </a:schemeClr>
-                        </a:solidFill>
-                        <a:latin typeface="Arial Narrow" panose="020B0606020202030204" pitchFamily="34" charset="0"/>
-                      </a:endParaRPr>
-                    </a:p>
-                  </a:txBody>
-                  <a:tcPr>
-                    <a:noFill/>
-                  </a:tcPr>
-                </a:tc>
-                <a:tc>
-                  <a:txBody>
-                    <a:bodyPr/>
-                    <a:lstStyle/>
-                    <a:p>
-                      <a:pPr algn="ctr"/>
-                      <a:endParaRPr lang="es-MX" dirty="0">
-                        <a:solidFill>
-                          <a:schemeClr val="tx1">
-                            <a:lumMod val="65000"/>
-                            <a:lumOff val="35000"/>
-                          </a:schemeClr>
-                        </a:solidFill>
-                        <a:latin typeface="Arial Narrow" panose="020B0606020202030204" pitchFamily="34" charset="0"/>
-                      </a:endParaRPr>
-                    </a:p>
-                  </a:txBody>
-                  <a:tcPr>
-                    <a:noFill/>
-                  </a:tcPr>
-                </a:tc>
-                <a:tc>
-                  <a:txBody>
-                    <a:bodyPr/>
-                    <a:lstStyle/>
-                    <a:p>
-                      <a:pPr algn="ctr"/>
-                      <a:endParaRPr lang="es-MX" dirty="0">
-                        <a:solidFill>
-                          <a:schemeClr val="tx1">
-                            <a:lumMod val="65000"/>
-                            <a:lumOff val="35000"/>
-                          </a:schemeClr>
-                        </a:solidFill>
-                        <a:latin typeface="Arial Narrow" panose="020B0606020202030204" pitchFamily="34" charset="0"/>
-                      </a:endParaRPr>
-                    </a:p>
-                  </a:txBody>
-                  <a:tcPr>
-                    <a:noFill/>
-                  </a:tcPr>
-                </a:tc>
-              </a:tr>
-              <a:tr h="370840">
-                <a:tc>
-                  <a:txBody>
-                    <a:bodyPr/>
-                    <a:lstStyle/>
-                    <a:p>
-                      <a:r>
-                        <a:rPr lang="es-MX" b="1" dirty="0" smtClean="0">
-                          <a:solidFill>
-                            <a:schemeClr val="tx1">
-                              <a:lumMod val="65000"/>
-                              <a:lumOff val="35000"/>
-                            </a:schemeClr>
-                          </a:solidFill>
-                          <a:latin typeface="Arial Narrow" panose="020B0606020202030204" pitchFamily="34" charset="0"/>
-                        </a:rPr>
-                        <a:t>Proyectadas</a:t>
-                      </a:r>
-                      <a:endParaRPr lang="es-MX" b="1" dirty="0">
-                        <a:solidFill>
-                          <a:schemeClr val="tx1">
-                            <a:lumMod val="65000"/>
-                            <a:lumOff val="35000"/>
-                          </a:schemeClr>
-                        </a:solidFill>
-                        <a:latin typeface="Arial Narrow" panose="020B0606020202030204" pitchFamily="34" charset="0"/>
-                      </a:endParaRPr>
-                    </a:p>
-                  </a:txBody>
-                  <a:tcPr>
-                    <a:solidFill>
-                      <a:schemeClr val="bg1">
-                        <a:lumMod val="85000"/>
-                      </a:schemeClr>
-                    </a:solidFill>
-                  </a:tcPr>
-                </a:tc>
-                <a:tc>
-                  <a:txBody>
-                    <a:bodyPr/>
-                    <a:lstStyle/>
-                    <a:p>
-                      <a:pPr algn="ctr"/>
-                      <a:endParaRPr lang="es-MX" dirty="0">
-                        <a:solidFill>
-                          <a:schemeClr val="tx1">
-                            <a:lumMod val="65000"/>
-                            <a:lumOff val="35000"/>
-                          </a:schemeClr>
-                        </a:solidFill>
-                        <a:latin typeface="Arial Narrow" panose="020B0606020202030204" pitchFamily="34" charset="0"/>
-                      </a:endParaRPr>
-                    </a:p>
-                  </a:txBody>
-                  <a:tcPr>
-                    <a:solidFill>
-                      <a:schemeClr val="bg1">
-                        <a:lumMod val="85000"/>
-                      </a:schemeClr>
-                    </a:solidFill>
-                  </a:tcPr>
-                </a:tc>
-                <a:tc>
-                  <a:txBody>
-                    <a:bodyPr/>
-                    <a:lstStyle/>
-                    <a:p>
-                      <a:pPr algn="ctr"/>
-                      <a:endParaRPr lang="es-MX" dirty="0">
-                        <a:solidFill>
-                          <a:schemeClr val="tx1">
-                            <a:lumMod val="65000"/>
-                            <a:lumOff val="35000"/>
-                          </a:schemeClr>
-                        </a:solidFill>
-                        <a:latin typeface="Arial Narrow" panose="020B0606020202030204" pitchFamily="34" charset="0"/>
-                      </a:endParaRPr>
-                    </a:p>
-                  </a:txBody>
-                  <a:tcPr>
-                    <a:solidFill>
-                      <a:schemeClr val="bg1">
-                        <a:lumMod val="85000"/>
-                      </a:schemeClr>
-                    </a:solidFill>
-                  </a:tcPr>
-                </a:tc>
-              </a:tr>
-              <a:tr h="370840">
-                <a:tc>
-                  <a:txBody>
-                    <a:bodyPr/>
-                    <a:lstStyle/>
-                    <a:p>
-                      <a:r>
-                        <a:rPr lang="es-MX" b="1" dirty="0" smtClean="0">
-                          <a:solidFill>
-                            <a:schemeClr val="tx1">
-                              <a:lumMod val="65000"/>
-                              <a:lumOff val="35000"/>
-                            </a:schemeClr>
-                          </a:solidFill>
-                          <a:latin typeface="Arial Narrow" panose="020B0606020202030204" pitchFamily="34" charset="0"/>
-                        </a:rPr>
-                        <a:t>TOTAL</a:t>
-                      </a:r>
-                      <a:endParaRPr lang="es-MX" b="1" dirty="0">
-                        <a:solidFill>
-                          <a:schemeClr val="tx1">
-                            <a:lumMod val="65000"/>
-                            <a:lumOff val="35000"/>
-                          </a:schemeClr>
-                        </a:solidFill>
-                        <a:latin typeface="Arial Narrow" panose="020B0606020202030204" pitchFamily="34" charset="0"/>
-                      </a:endParaRPr>
-                    </a:p>
-                  </a:txBody>
-                  <a:tcPr/>
-                </a:tc>
-                <a:tc>
-                  <a:txBody>
-                    <a:bodyPr/>
-                    <a:lstStyle/>
-                    <a:p>
-                      <a:pPr algn="ctr"/>
-                      <a:endParaRPr lang="es-MX" b="1" dirty="0">
-                        <a:solidFill>
-                          <a:schemeClr val="tx1">
-                            <a:lumMod val="65000"/>
-                            <a:lumOff val="35000"/>
-                          </a:schemeClr>
-                        </a:solidFill>
-                        <a:latin typeface="Arial Narrow" panose="020B0606020202030204" pitchFamily="34" charset="0"/>
-                      </a:endParaRPr>
-                    </a:p>
-                  </a:txBody>
-                  <a:tcPr/>
-                </a:tc>
-                <a:tc>
-                  <a:txBody>
-                    <a:bodyPr/>
-                    <a:lstStyle/>
-                    <a:p>
-                      <a:pPr algn="ctr"/>
-                      <a:endParaRPr lang="es-MX" b="1" dirty="0">
-                        <a:solidFill>
-                          <a:schemeClr val="tx1">
-                            <a:lumMod val="65000"/>
-                            <a:lumOff val="35000"/>
-                          </a:schemeClr>
-                        </a:solidFill>
-                        <a:latin typeface="Arial Narrow" panose="020B0606020202030204" pitchFamily="34" charset="0"/>
-                      </a:endParaRPr>
-                    </a:p>
-                  </a:txBody>
-                  <a:tcPr/>
-                </a:tc>
-              </a:tr>
-            </a:tbl>
-          </a:graphicData>
-        </a:graphic>
-      </p:graphicFrame>
-      <p:pic>
-        <p:nvPicPr>
-          <p:cNvPr id="5" name="4 Imagen"/>
-          <p:cNvPicPr>
-            <a:picLocks noChangeAspect="1"/>
-          </p:cNvPicPr>
-          <p:nvPr/>
-        </p:nvPicPr>
-        <p:blipFill>
-          <a:blip r:embed="rId2" cstate="print">
-            <a:extLst>
-              <a:ext uri="{28A0092B-C50C-407E-A947-70E740481C1C}">
-                <a14:useLocalDpi xmlns:a14="http://schemas.microsoft.com/office/drawing/2010/main" val="0"/>
-              </a:ext>
-            </a:extLst>
-          </a:blip>
-          <a:stretch>
-            <a:fillRect/>
-          </a:stretch>
-        </p:blipFill>
-        <p:spPr>
-          <a:xfrm>
-            <a:off x="337946" y="1581317"/>
-            <a:ext cx="335970" cy="401652"/>
-          </a:xfrm>
-          <a:prstGeom prst="rect">
-            <a:avLst/>
-          </a:prstGeom>
-        </p:spPr>
-      </p:pic>
-      <p:pic>
-        <p:nvPicPr>
-          <p:cNvPr id="6" name="5 Imagen">
-            <a:hlinkClick r:id="rId3" action="ppaction://hlinkpres?slideindex=2&amp;slidetitle=Obras Concluidas por Sector"/>
-          </p:cNvPr>
-          <p:cNvPicPr>
-            <a:picLocks noChangeAspect="1"/>
-          </p:cNvPicPr>
-          <p:nvPr/>
-        </p:nvPicPr>
-        <p:blipFill>
-          <a:blip r:embed="rId4">
-            <a:extLst>
-              <a:ext uri="{28A0092B-C50C-407E-A947-70E740481C1C}">
-                <a14:useLocalDpi xmlns:a14="http://schemas.microsoft.com/office/drawing/2010/main" val="0"/>
-              </a:ext>
-            </a:extLst>
-          </a:blip>
-          <a:stretch>
-            <a:fillRect/>
-          </a:stretch>
-        </p:blipFill>
-        <p:spPr>
-          <a:xfrm>
-            <a:off x="8822656" y="6475642"/>
-            <a:ext cx="234000" cy="303946"/>
-          </a:xfrm>
-          <a:prstGeom prst="rect">
-            <a:avLst/>
-          </a:prstGeom>
-        </p:spPr>
-      </p:pic>
-      <p:sp>
-        <p:nvSpPr>
-          <p:cNvPr id="14" name="1 Título"/>
-          <p:cNvSpPr>
-            <a:spLocks noGrp="1"/>
-          </p:cNvSpPr>
-          <p:nvPr>
-            <p:ph type="title"/>
-          </p:nvPr>
-        </p:nvSpPr>
-        <p:spPr>
-          <a:xfrm>
-            <a:off x="457200" y="830886"/>
-            <a:ext cx="8229600" cy="391167"/>
-          </a:xfrm>
-        </p:spPr>
-        <p:txBody>
-          <a:bodyPr>
-            <a:normAutofit fontScale="90000"/>
-          </a:bodyPr>
-          <a:lstStyle/>
-          <a:p>
-            <a:pPr marL="0" lvl="0" indent="723900" algn="r">
-              <a:lnSpc>
-                <a:spcPct val="115000"/>
-              </a:lnSpc>
-              <a:spcAft>
-                <a:spcPts val="0"/>
-              </a:spcAft>
-            </a:pPr>
-            <a:r>
-              <a:rPr lang="es-MX" dirty="0">
-                <a:ea typeface="Calibri"/>
-                <a:cs typeface="Times New Roman"/>
-              </a:rPr>
-              <a:t>| Obras </a:t>
-            </a:r>
-            <a:r>
-              <a:rPr lang="es-MX" dirty="0" smtClean="0">
-                <a:ea typeface="Calibri"/>
-                <a:cs typeface="Times New Roman"/>
-              </a:rPr>
-              <a:t>concluidas, en Proceso y Proyectadas por </a:t>
-            </a:r>
-            <a:r>
-              <a:rPr lang="es-MX" dirty="0" smtClean="0">
-                <a:solidFill>
-                  <a:schemeClr val="tx1"/>
-                </a:solidFill>
-                <a:ea typeface="Calibri"/>
-                <a:cs typeface="Times New Roman"/>
-              </a:rPr>
-              <a:t>SECTOR </a:t>
-            </a:r>
-            <a:r>
-              <a:rPr lang="es-MX" dirty="0" smtClean="0">
-                <a:ea typeface="Calibri"/>
-                <a:cs typeface="Times New Roman"/>
-              </a:rPr>
-              <a:t>|</a:t>
-            </a:r>
-            <a:endParaRPr lang="es-MX" dirty="0">
-              <a:ea typeface="Calibri"/>
-              <a:cs typeface="Times New Roman"/>
-            </a:endParaRPr>
-          </a:p>
-        </p:txBody>
-      </p:sp>
-      <p:sp>
-        <p:nvSpPr>
-          <p:cNvPr id="13" name="12 CuadroTexto"/>
-          <p:cNvSpPr txBox="1"/>
-          <p:nvPr/>
-        </p:nvSpPr>
-        <p:spPr>
-          <a:xfrm>
-            <a:off x="3806456" y="3851322"/>
-            <a:ext cx="1531088" cy="369332"/>
-          </a:xfrm>
-          <a:prstGeom prst="rect">
-            <a:avLst/>
-          </a:prstGeom>
-          <a:noFill/>
-        </p:spPr>
-        <p:txBody>
-          <a:bodyPr wrap="square" rtlCol="0">
-            <a:spAutoFit/>
-          </a:bodyPr>
-          <a:lstStyle/>
-          <a:p>
-            <a:pPr algn="r"/>
-            <a:r>
-              <a:rPr lang="es-MX" dirty="0" smtClean="0">
-                <a:latin typeface="Arial Narrow" panose="020B0606020202030204" pitchFamily="34" charset="0"/>
-              </a:rPr>
-              <a:t>I</a:t>
-            </a:r>
-            <a:endParaRPr lang="es-MX" dirty="0">
-              <a:latin typeface="Arial Narrow" panose="020B0606020202030204" pitchFamily="34" charset="0"/>
-            </a:endParaRPr>
-          </a:p>
-        </p:txBody>
-      </p:sp>
-      <p:sp>
-        <p:nvSpPr>
-          <p:cNvPr id="15" name="14 CuadroTexto"/>
-          <p:cNvSpPr txBox="1"/>
-          <p:nvPr/>
-        </p:nvSpPr>
-        <p:spPr>
-          <a:xfrm>
-            <a:off x="6007394" y="3838206"/>
-            <a:ext cx="1612606" cy="369332"/>
-          </a:xfrm>
-          <a:prstGeom prst="rect">
-            <a:avLst/>
-          </a:prstGeom>
-          <a:noFill/>
-        </p:spPr>
-        <p:txBody>
-          <a:bodyPr wrap="square" rtlCol="0">
-            <a:spAutoFit/>
-          </a:bodyPr>
-          <a:lstStyle/>
-          <a:p>
-            <a:pPr algn="r"/>
-            <a:r>
-              <a:rPr lang="es-MX" dirty="0" smtClean="0">
-                <a:latin typeface="Arial Narrow" panose="020B0606020202030204" pitchFamily="34" charset="0"/>
-              </a:rPr>
-              <a:t>I</a:t>
-            </a:r>
-            <a:endParaRPr lang="es-MX" dirty="0">
-              <a:latin typeface="Arial Narrow" panose="020B0606020202030204" pitchFamily="34" charset="0"/>
-            </a:endParaRPr>
-          </a:p>
-        </p:txBody>
-      </p:sp>
-      <p:sp>
-        <p:nvSpPr>
-          <p:cNvPr id="16" name="15 CuadroTexto"/>
-          <p:cNvSpPr txBox="1"/>
-          <p:nvPr/>
-        </p:nvSpPr>
-        <p:spPr>
-          <a:xfrm>
-            <a:off x="3806456" y="4231288"/>
-            <a:ext cx="1531088" cy="369332"/>
-          </a:xfrm>
-          <a:prstGeom prst="rect">
-            <a:avLst/>
-          </a:prstGeom>
-          <a:noFill/>
-        </p:spPr>
-        <p:txBody>
-          <a:bodyPr wrap="square" rtlCol="0">
-            <a:spAutoFit/>
-          </a:bodyPr>
-          <a:lstStyle/>
-          <a:p>
-            <a:pPr algn="r"/>
-            <a:r>
-              <a:rPr lang="es-MX" dirty="0" smtClean="0">
-                <a:latin typeface="Arial Narrow" panose="020B0606020202030204" pitchFamily="34" charset="0"/>
-              </a:rPr>
-              <a:t>I</a:t>
-            </a:r>
-            <a:endParaRPr lang="es-MX" dirty="0">
-              <a:latin typeface="Arial Narrow" panose="020B0606020202030204" pitchFamily="34" charset="0"/>
-            </a:endParaRPr>
-          </a:p>
-        </p:txBody>
-      </p:sp>
-      <p:sp>
-        <p:nvSpPr>
-          <p:cNvPr id="17" name="16 CuadroTexto"/>
-          <p:cNvSpPr txBox="1"/>
-          <p:nvPr/>
-        </p:nvSpPr>
-        <p:spPr>
-          <a:xfrm>
-            <a:off x="6007394" y="4219413"/>
-            <a:ext cx="1612606" cy="369332"/>
-          </a:xfrm>
-          <a:prstGeom prst="rect">
-            <a:avLst/>
-          </a:prstGeom>
-          <a:noFill/>
-        </p:spPr>
-        <p:txBody>
-          <a:bodyPr wrap="square" rtlCol="0">
-            <a:spAutoFit/>
-          </a:bodyPr>
-          <a:lstStyle/>
-          <a:p>
-            <a:pPr algn="r"/>
-            <a:r>
-              <a:rPr lang="es-MX" dirty="0" smtClean="0">
-                <a:latin typeface="Arial Narrow" panose="020B0606020202030204" pitchFamily="34" charset="0"/>
-              </a:rPr>
-              <a:t>I</a:t>
-            </a:r>
-            <a:endParaRPr lang="es-MX" dirty="0">
-              <a:latin typeface="Arial Narrow" panose="020B0606020202030204" pitchFamily="34" charset="0"/>
-            </a:endParaRPr>
-          </a:p>
-        </p:txBody>
-      </p:sp>
-      <p:sp>
-        <p:nvSpPr>
-          <p:cNvPr id="18" name="17 CuadroTexto"/>
-          <p:cNvSpPr txBox="1"/>
-          <p:nvPr/>
-        </p:nvSpPr>
-        <p:spPr>
-          <a:xfrm>
-            <a:off x="3806456" y="4993171"/>
-            <a:ext cx="1531088" cy="369332"/>
-          </a:xfrm>
-          <a:prstGeom prst="rect">
-            <a:avLst/>
-          </a:prstGeom>
-          <a:noFill/>
-        </p:spPr>
-        <p:txBody>
-          <a:bodyPr wrap="square" rtlCol="0">
-            <a:spAutoFit/>
-          </a:bodyPr>
-          <a:lstStyle/>
-          <a:p>
-            <a:pPr algn="r"/>
-            <a:r>
-              <a:rPr lang="es-MX" b="1" dirty="0" smtClean="0">
-                <a:latin typeface="Arial Narrow" panose="020B0606020202030204" pitchFamily="34" charset="0"/>
-              </a:rPr>
-              <a:t>I</a:t>
-            </a:r>
-            <a:endParaRPr lang="es-MX" b="1" dirty="0">
-              <a:latin typeface="Arial Narrow" panose="020B0606020202030204" pitchFamily="34" charset="0"/>
-            </a:endParaRPr>
-          </a:p>
-        </p:txBody>
-      </p:sp>
-      <p:sp>
-        <p:nvSpPr>
-          <p:cNvPr id="19" name="18 CuadroTexto"/>
-          <p:cNvSpPr txBox="1"/>
-          <p:nvPr/>
-        </p:nvSpPr>
-        <p:spPr>
-          <a:xfrm>
-            <a:off x="6030452" y="4993171"/>
-            <a:ext cx="1589547" cy="369332"/>
-          </a:xfrm>
-          <a:prstGeom prst="rect">
-            <a:avLst/>
-          </a:prstGeom>
-          <a:noFill/>
-        </p:spPr>
-        <p:txBody>
-          <a:bodyPr wrap="square" rtlCol="0">
-            <a:spAutoFit/>
-          </a:bodyPr>
-          <a:lstStyle/>
-          <a:p>
-            <a:pPr algn="r"/>
-            <a:r>
-              <a:rPr lang="es-MX" b="1" dirty="0" smtClean="0">
-                <a:latin typeface="Arial Narrow" panose="020B0606020202030204" pitchFamily="34" charset="0"/>
-              </a:rPr>
-              <a:t>I</a:t>
-            </a:r>
-            <a:endParaRPr lang="es-MX" b="1" dirty="0">
-              <a:latin typeface="Arial Narrow" panose="020B0606020202030204" pitchFamily="34" charset="0"/>
-            </a:endParaRPr>
-          </a:p>
-        </p:txBody>
-      </p:sp>
-      <p:sp>
-        <p:nvSpPr>
-          <p:cNvPr id="20" name="19 CuadroTexto"/>
-          <p:cNvSpPr txBox="1"/>
-          <p:nvPr/>
-        </p:nvSpPr>
-        <p:spPr>
-          <a:xfrm>
-            <a:off x="3806456" y="4616636"/>
-            <a:ext cx="1531088" cy="369332"/>
-          </a:xfrm>
-          <a:prstGeom prst="rect">
-            <a:avLst/>
-          </a:prstGeom>
-          <a:noFill/>
-        </p:spPr>
-        <p:txBody>
-          <a:bodyPr wrap="square" rtlCol="0">
-            <a:spAutoFit/>
-          </a:bodyPr>
-          <a:lstStyle/>
-          <a:p>
-            <a:pPr algn="r"/>
-            <a:r>
-              <a:rPr lang="es-MX" dirty="0" smtClean="0">
-                <a:latin typeface="Arial Narrow" panose="020B0606020202030204" pitchFamily="34" charset="0"/>
-              </a:rPr>
-              <a:t>I</a:t>
-            </a:r>
-            <a:endParaRPr lang="es-MX" dirty="0">
-              <a:latin typeface="Arial Narrow" panose="020B0606020202030204" pitchFamily="34" charset="0"/>
-            </a:endParaRPr>
-          </a:p>
-        </p:txBody>
-      </p:sp>
-      <p:sp>
-        <p:nvSpPr>
-          <p:cNvPr id="21" name="20 CuadroTexto"/>
-          <p:cNvSpPr txBox="1"/>
-          <p:nvPr/>
-        </p:nvSpPr>
-        <p:spPr>
-          <a:xfrm>
-            <a:off x="6007394" y="4627270"/>
-            <a:ext cx="1612606" cy="369332"/>
-          </a:xfrm>
-          <a:prstGeom prst="rect">
-            <a:avLst/>
-          </a:prstGeom>
-          <a:noFill/>
-        </p:spPr>
-        <p:txBody>
-          <a:bodyPr wrap="square" rtlCol="0">
-            <a:spAutoFit/>
-          </a:bodyPr>
-          <a:lstStyle/>
-          <a:p>
-            <a:pPr algn="r"/>
-            <a:r>
-              <a:rPr lang="es-MX" dirty="0" smtClean="0">
-                <a:latin typeface="Arial Narrow" panose="020B0606020202030204" pitchFamily="34" charset="0"/>
-              </a:rPr>
-              <a:t>I</a:t>
-            </a:r>
-            <a:endParaRPr lang="es-MX" dirty="0">
-              <a:latin typeface="Arial Narrow" panose="020B0606020202030204" pitchFamily="34" charset="0"/>
-            </a:endParaRPr>
-          </a:p>
-        </p:txBody>
-      </p:sp>
-    </p:spTree>
-    <p:extLst>
-      <p:ext uri="{BB962C8B-B14F-4D97-AF65-F5344CB8AC3E}">
-        <p14:creationId xmlns:p14="http://schemas.microsoft.com/office/powerpoint/2010/main" val="26004972"/>
       </p:ext>
     </p:extLst>
   </p:cSld>
@@ -29137,6 +29279,2178 @@
 </file>
 
 <file path=ppt/slides/slide30.xml><?xml version="1.0" encoding="utf-8"?>
+<p:sld xmlns:a="http://schemas.openxmlformats.org/drawingml/2006/main" xmlns:r="http://schemas.openxmlformats.org/officeDocument/2006/relationships" xmlns:p="http://schemas.openxmlformats.org/presentationml/2006/main">
+  <p:cSld>
+    <p:spTree>
+      <p:nvGrpSpPr>
+        <p:cNvPr id="1" name=""/>
+        <p:cNvGrpSpPr/>
+        <p:nvPr/>
+      </p:nvGrpSpPr>
+      <p:grpSpPr>
+        <a:xfrm>
+          <a:off x="0" y="0"/>
+          <a:ext cx="0" cy="0"/>
+          <a:chOff x="0" y="0"/>
+          <a:chExt cx="0" cy="0"/>
+        </a:xfrm>
+      </p:grpSpPr>
+      <p:graphicFrame>
+        <p:nvGraphicFramePr>
+          <p:cNvPr id="4" name="3 Tabla"/>
+          <p:cNvGraphicFramePr>
+            <a:graphicFrameLocks noGrp="1"/>
+          </p:cNvGraphicFramePr>
+          <p:nvPr>
+            <p:extLst>
+              <p:ext uri="{D42A27DB-BD31-4B8C-83A1-F6EECF244321}">
+                <p14:modId xmlns:p14="http://schemas.microsoft.com/office/powerpoint/2010/main" val="638792650"/>
+              </p:ext>
+            </p:extLst>
+          </p:nvPr>
+        </p:nvGraphicFramePr>
+        <p:xfrm>
+          <a:off x="199685" y="1392495"/>
+          <a:ext cx="8739971" cy="5178898"/>
+        </p:xfrm>
+        <a:graphic>
+          <a:graphicData uri="http://schemas.openxmlformats.org/drawingml/2006/table">
+            <a:tbl>
+              <a:tblPr firstRow="1" bandRow="1">
+                <a:tableStyleId>{5C22544A-7EE6-4342-B048-85BDC9FD1C3A}</a:tableStyleId>
+              </a:tblPr>
+              <a:tblGrid>
+                <a:gridCol w="499916"/>
+                <a:gridCol w="2408998"/>
+                <a:gridCol w="5831057"/>
+              </a:tblGrid>
+              <a:tr h="114293">
+                <a:tc gridSpan="2">
+                  <a:txBody>
+                    <a:bodyPr/>
+                    <a:lstStyle/>
+                    <a:p>
+                      <a:pPr algn="ctr">
+                        <a:lnSpc>
+                          <a:spcPts val="900"/>
+                        </a:lnSpc>
+                        <a:spcBef>
+                          <a:spcPts val="600"/>
+                        </a:spcBef>
+                        <a:spcAft>
+                          <a:spcPts val="300"/>
+                        </a:spcAft>
+                      </a:pPr>
+                      <a:endParaRPr lang="es-MX" sz="900" dirty="0">
+                        <a:solidFill>
+                          <a:srgbClr val="008040"/>
+                        </a:solidFill>
+                        <a:effectLst/>
+                        <a:latin typeface="Arial Narrow" panose="020B0606020202030204" pitchFamily="34" charset="0"/>
+                        <a:ea typeface="Calibri"/>
+                        <a:cs typeface="Times New Roman"/>
+                      </a:endParaRPr>
+                    </a:p>
+                  </a:txBody>
+                  <a:tcPr marL="63988" marR="63988" marT="0" marB="0" anchor="ctr">
+                    <a:solidFill>
+                      <a:schemeClr val="bg1">
+                        <a:lumMod val="95000"/>
+                      </a:schemeClr>
+                    </a:solidFill>
+                  </a:tcPr>
+                </a:tc>
+                <a:tc hMerge="1">
+                  <a:txBody>
+                    <a:bodyPr/>
+                    <a:lstStyle/>
+                    <a:p>
+                      <a:endParaRPr lang="es-MX"/>
+                    </a:p>
+                  </a:txBody>
+                  <a:tcPr/>
+                </a:tc>
+                <a:tc>
+                  <a:txBody>
+                    <a:bodyPr/>
+                    <a:lstStyle/>
+                    <a:p>
+                      <a:pPr algn="ctr">
+                        <a:lnSpc>
+                          <a:spcPts val="900"/>
+                        </a:lnSpc>
+                        <a:spcBef>
+                          <a:spcPts val="600"/>
+                        </a:spcBef>
+                        <a:spcAft>
+                          <a:spcPts val="300"/>
+                        </a:spcAft>
+                      </a:pPr>
+                      <a:endParaRPr lang="es-MX" sz="900" dirty="0">
+                        <a:solidFill>
+                          <a:srgbClr val="008040"/>
+                        </a:solidFill>
+                        <a:effectLst/>
+                        <a:latin typeface="Arial Narrow" panose="020B0606020202030204" pitchFamily="34" charset="0"/>
+                        <a:ea typeface="Calibri"/>
+                        <a:cs typeface="Times New Roman"/>
+                      </a:endParaRPr>
+                    </a:p>
+                  </a:txBody>
+                  <a:tcPr marL="63988" marR="63988" marT="0" marB="0" anchor="ctr">
+                    <a:noFill/>
+                  </a:tcPr>
+                </a:tc>
+              </a:tr>
+              <a:tr h="523886">
+                <a:tc>
+                  <a:txBody>
+                    <a:bodyPr/>
+                    <a:lstStyle/>
+                    <a:p>
+                      <a:pPr algn="ctr">
+                        <a:lnSpc>
+                          <a:spcPts val="1100"/>
+                        </a:lnSpc>
+                        <a:spcBef>
+                          <a:spcPts val="600"/>
+                        </a:spcBef>
+                        <a:spcAft>
+                          <a:spcPts val="300"/>
+                        </a:spcAft>
+                      </a:pPr>
+                      <a:endParaRPr lang="es-MX" sz="1100" b="1" dirty="0">
+                        <a:solidFill>
+                          <a:srgbClr val="008040"/>
+                        </a:solidFill>
+                        <a:effectLst/>
+                        <a:latin typeface="Arial Narrow" panose="020B0606020202030204" pitchFamily="34" charset="0"/>
+                        <a:ea typeface="Calibri"/>
+                        <a:cs typeface="Times New Roman"/>
+                      </a:endParaRPr>
+                    </a:p>
+                  </a:txBody>
+                  <a:tcPr marL="68580" marR="68580" marT="0" marB="0" anchor="ctr">
+                    <a:lnL w="3175" cap="flat" cmpd="sng" algn="ctr">
+                      <a:noFill/>
+                      <a:prstDash val="solid"/>
+                      <a:round/>
+                      <a:headEnd type="none" w="med" len="med"/>
+                      <a:tailEnd type="none" w="med" len="med"/>
+                    </a:lnL>
+                    <a:lnR w="6350" cap="flat" cmpd="sng" algn="ctr">
+                      <a:solidFill>
+                        <a:schemeClr val="bg1"/>
+                      </a:solidFill>
+                      <a:prstDash val="solid"/>
+                      <a:round/>
+                      <a:headEnd type="none" w="med" len="med"/>
+                      <a:tailEnd type="none" w="med" len="med"/>
+                    </a:lnR>
+                    <a:solidFill>
+                      <a:schemeClr val="tx2">
+                        <a:lumMod val="60000"/>
+                        <a:lumOff val="40000"/>
+                      </a:schemeClr>
+                    </a:solidFill>
+                  </a:tcPr>
+                </a:tc>
+                <a:tc>
+                  <a:txBody>
+                    <a:bodyPr/>
+                    <a:lstStyle/>
+                    <a:p>
+                      <a:pPr marL="0" marR="0" indent="0" algn="l" defTabSz="457200" rtl="0" eaLnBrk="1" fontAlgn="auto" latinLnBrk="0" hangingPunct="1">
+                        <a:lnSpc>
+                          <a:spcPts val="1100"/>
+                        </a:lnSpc>
+                        <a:spcBef>
+                          <a:spcPts val="0"/>
+                        </a:spcBef>
+                        <a:spcAft>
+                          <a:spcPts val="0"/>
+                        </a:spcAft>
+                        <a:buClrTx/>
+                        <a:buSzTx/>
+                        <a:buFontTx/>
+                        <a:buNone/>
+                        <a:tabLst/>
+                        <a:defRPr/>
+                      </a:pPr>
+                      <a:r>
+                        <a:rPr lang="es-MX" sz="1400" b="1" dirty="0" smtClean="0">
+                          <a:solidFill>
+                            <a:schemeClr val="tx1">
+                              <a:lumMod val="75000"/>
+                              <a:lumOff val="25000"/>
+                            </a:schemeClr>
+                          </a:solidFill>
+                          <a:effectLst/>
+                          <a:latin typeface="Arial Narrow" panose="020B0606020202030204" pitchFamily="34" charset="0"/>
+                          <a:ea typeface="Calibri"/>
+                          <a:cs typeface="Arial"/>
+                        </a:rPr>
+                        <a:t>Comisión Nacional del Agua</a:t>
+                      </a:r>
+                    </a:p>
+                  </a:txBody>
+                  <a:tcPr marL="68580" marR="68580" marT="0" marB="0" anchor="ctr">
+                    <a:lnL w="6350" cap="flat" cmpd="sng" algn="ctr">
+                      <a:solidFill>
+                        <a:schemeClr val="bg1"/>
+                      </a:solidFill>
+                      <a:prstDash val="solid"/>
+                      <a:round/>
+                      <a:headEnd type="none" w="med" len="med"/>
+                      <a:tailEnd type="none" w="med" len="med"/>
+                    </a:lnL>
+                    <a:lnR w="6350" cap="flat" cmpd="sng" algn="ctr">
+                      <a:solidFill>
+                        <a:schemeClr val="bg1"/>
+                      </a:solidFill>
+                      <a:prstDash val="solid"/>
+                      <a:round/>
+                      <a:headEnd type="none" w="med" len="med"/>
+                      <a:tailEnd type="none" w="med" len="med"/>
+                    </a:lnR>
+                    <a:solidFill>
+                      <a:srgbClr val="E4E4E4"/>
+                    </a:solidFill>
+                  </a:tcPr>
+                </a:tc>
+                <a:tc>
+                  <a:txBody>
+                    <a:bodyPr/>
+                    <a:lstStyle/>
+                    <a:p>
+                      <a:pPr marL="0" marR="0" indent="0" algn="ctr" defTabSz="457200" rtl="0" eaLnBrk="1" fontAlgn="auto" latinLnBrk="0" hangingPunct="1">
+                        <a:lnSpc>
+                          <a:spcPts val="1100"/>
+                        </a:lnSpc>
+                        <a:spcBef>
+                          <a:spcPts val="600"/>
+                        </a:spcBef>
+                        <a:spcAft>
+                          <a:spcPts val="300"/>
+                        </a:spcAft>
+                        <a:buClrTx/>
+                        <a:buSzTx/>
+                        <a:buFontTx/>
+                        <a:buNone/>
+                        <a:tabLst/>
+                        <a:defRPr/>
+                      </a:pPr>
+                      <a:endParaRPr lang="es-MX" sz="1100" b="1" dirty="0" smtClean="0">
+                        <a:solidFill>
+                          <a:srgbClr val="008040"/>
+                        </a:solidFill>
+                        <a:effectLst/>
+                        <a:latin typeface="Arial Narrow" panose="020B0606020202030204" pitchFamily="34" charset="0"/>
+                        <a:ea typeface="Calibri"/>
+                        <a:cs typeface="Times New Roman"/>
+                      </a:endParaRPr>
+                    </a:p>
+                  </a:txBody>
+                  <a:tcPr marL="68580" marR="68580" marT="0" marB="0" anchor="ctr">
+                    <a:lnL w="6350" cap="flat" cmpd="sng" algn="ctr">
+                      <a:solidFill>
+                        <a:schemeClr val="bg1"/>
+                      </a:solidFill>
+                      <a:prstDash val="solid"/>
+                      <a:round/>
+                      <a:headEnd type="none" w="med" len="med"/>
+                      <a:tailEnd type="none" w="med" len="med"/>
+                    </a:lnL>
+                    <a:lnR w="6350" cap="flat" cmpd="sng" algn="ctr">
+                      <a:solidFill>
+                        <a:schemeClr val="bg1"/>
+                      </a:solidFill>
+                      <a:prstDash val="solid"/>
+                      <a:round/>
+                      <a:headEnd type="none" w="med" len="med"/>
+                      <a:tailEnd type="none" w="med" len="med"/>
+                    </a:lnR>
+                    <a:noFill/>
+                  </a:tcPr>
+                </a:tc>
+              </a:tr>
+              <a:tr h="99093">
+                <a:tc gridSpan="2">
+                  <a:txBody>
+                    <a:bodyPr/>
+                    <a:lstStyle/>
+                    <a:p>
+                      <a:pPr algn="l">
+                        <a:lnSpc>
+                          <a:spcPct val="120000"/>
+                        </a:lnSpc>
+                        <a:spcAft>
+                          <a:spcPts val="0"/>
+                        </a:spcAft>
+                      </a:pPr>
+                      <a:endParaRPr lang="es-MX" sz="300" dirty="0">
+                        <a:solidFill>
+                          <a:srgbClr val="404040"/>
+                        </a:solidFill>
+                        <a:effectLst/>
+                        <a:latin typeface="Arial Narrow" panose="020B0606020202030204" pitchFamily="34" charset="0"/>
+                        <a:ea typeface="Calibri"/>
+                        <a:cs typeface="Times New Roman"/>
+                      </a:endParaRPr>
+                    </a:p>
+                  </a:txBody>
+                  <a:tcPr marL="41308" marR="41308" marT="0" marB="0" anchor="ctr">
+                    <a:lnB w="3175" cap="flat" cmpd="sng" algn="ctr">
+                      <a:solidFill>
+                        <a:schemeClr val="bg1">
+                          <a:lumMod val="85000"/>
+                        </a:schemeClr>
+                      </a:solidFill>
+                      <a:prstDash val="solid"/>
+                      <a:round/>
+                      <a:headEnd type="none" w="med" len="med"/>
+                      <a:tailEnd type="none" w="med" len="med"/>
+                    </a:lnB>
+                    <a:solidFill>
+                      <a:schemeClr val="bg1"/>
+                    </a:solidFill>
+                  </a:tcPr>
+                </a:tc>
+                <a:tc hMerge="1">
+                  <a:txBody>
+                    <a:bodyPr/>
+                    <a:lstStyle/>
+                    <a:p>
+                      <a:endParaRPr lang="es-MX"/>
+                    </a:p>
+                  </a:txBody>
+                  <a:tcPr/>
+                </a:tc>
+                <a:tc>
+                  <a:txBody>
+                    <a:bodyPr/>
+                    <a:lstStyle/>
+                    <a:p>
+                      <a:pPr algn="l">
+                        <a:lnSpc>
+                          <a:spcPct val="120000"/>
+                        </a:lnSpc>
+                        <a:spcAft>
+                          <a:spcPts val="0"/>
+                        </a:spcAft>
+                      </a:pPr>
+                      <a:endParaRPr lang="es-MX" sz="300" dirty="0">
+                        <a:solidFill>
+                          <a:srgbClr val="404040"/>
+                        </a:solidFill>
+                        <a:effectLst/>
+                        <a:latin typeface="Arial Narrow" panose="020B0606020202030204" pitchFamily="34" charset="0"/>
+                        <a:ea typeface="Calibri"/>
+                        <a:cs typeface="Times New Roman"/>
+                      </a:endParaRPr>
+                    </a:p>
+                  </a:txBody>
+                  <a:tcPr marL="41308" marR="41308" marT="0" marB="0" anchor="ctr">
+                    <a:lnB w="3175" cap="flat" cmpd="sng" algn="ctr">
+                      <a:solidFill>
+                        <a:schemeClr val="bg1">
+                          <a:lumMod val="85000"/>
+                        </a:schemeClr>
+                      </a:solidFill>
+                      <a:prstDash val="solid"/>
+                      <a:round/>
+                      <a:headEnd type="none" w="med" len="med"/>
+                      <a:tailEnd type="none" w="med" len="med"/>
+                    </a:lnB>
+                    <a:solidFill>
+                      <a:schemeClr val="bg1"/>
+                    </a:solidFill>
+                  </a:tcPr>
+                </a:tc>
+              </a:tr>
+              <a:tr h="3893809">
+                <a:tc gridSpan="3">
+                  <a:txBody>
+                    <a:bodyPr/>
+                    <a:lstStyle/>
+                    <a:p>
+                      <a:pPr marL="4763" lvl="1" indent="0" algn="just">
+                        <a:buNone/>
+                      </a:pPr>
+                      <a:endParaRPr lang="es-MX" sz="1400" b="1" dirty="0" smtClean="0">
+                        <a:solidFill>
+                          <a:srgbClr val="C00000"/>
+                        </a:solidFill>
+                        <a:latin typeface="Arial Narrow" panose="020B0606020202030204" pitchFamily="34" charset="0"/>
+                      </a:endParaRPr>
+                    </a:p>
+                  </a:txBody>
+                  <a:tcPr marL="68580" marR="68580" marT="0" marB="0">
+                    <a:lnL w="12700" cmpd="sng">
+                      <a:noFill/>
+                    </a:lnL>
+                    <a:lnR w="76200" cap="flat" cmpd="sng" algn="ctr">
+                      <a:noFill/>
+                      <a:prstDash val="solid"/>
+                      <a:round/>
+                      <a:headEnd type="none" w="med" len="med"/>
+                      <a:tailEnd type="none" w="med" len="med"/>
+                    </a:lnR>
+                    <a:lnT w="3175" cap="flat" cmpd="sng" algn="ctr">
+                      <a:solidFill>
+                        <a:schemeClr val="bg1">
+                          <a:lumMod val="85000"/>
+                        </a:schemeClr>
+                      </a:solidFill>
+                      <a:prstDash val="solid"/>
+                      <a:round/>
+                      <a:headEnd type="none" w="med" len="med"/>
+                      <a:tailEnd type="none" w="med" len="med"/>
+                    </a:lnT>
+                    <a:lnB w="3175" cap="flat" cmpd="sng" algn="ctr">
+                      <a:solidFill>
+                        <a:schemeClr val="bg1">
+                          <a:lumMod val="85000"/>
+                        </a:schemeClr>
+                      </a:solidFill>
+                      <a:prstDash val="solid"/>
+                      <a:round/>
+                      <a:headEnd type="none" w="med" len="med"/>
+                      <a:tailEnd type="none" w="med" len="med"/>
+                    </a:lnB>
+                    <a:lnTlToBr w="12700" cmpd="sng">
+                      <a:noFill/>
+                      <a:prstDash val="solid"/>
+                    </a:lnTlToBr>
+                    <a:lnBlToTr w="12700" cmpd="sng">
+                      <a:noFill/>
+                      <a:prstDash val="solid"/>
+                    </a:lnBlToTr>
+                    <a:noFill/>
+                  </a:tcPr>
+                </a:tc>
+                <a:tc hMerge="1">
+                  <a:txBody>
+                    <a:bodyPr/>
+                    <a:lstStyle/>
+                    <a:p>
+                      <a:endParaRPr lang="es-MX"/>
+                    </a:p>
+                  </a:txBody>
+                  <a:tcPr/>
+                </a:tc>
+                <a:tc hMerge="1">
+                  <a:txBody>
+                    <a:bodyPr/>
+                    <a:lstStyle/>
+                    <a:p>
+                      <a:pPr marL="0" indent="0" algn="l">
+                        <a:lnSpc>
+                          <a:spcPct val="120000"/>
+                        </a:lnSpc>
+                        <a:spcAft>
+                          <a:spcPts val="0"/>
+                        </a:spcAft>
+                        <a:buClr>
+                          <a:srgbClr val="008040"/>
+                        </a:buClr>
+                        <a:buFont typeface="Wingdings" panose="05000000000000000000" pitchFamily="2" charset="2"/>
+                        <a:buNone/>
+                      </a:pPr>
+                      <a:endParaRPr lang="es-MX" sz="1100" b="1" dirty="0">
+                        <a:solidFill>
+                          <a:schemeClr val="tx1">
+                            <a:lumMod val="75000"/>
+                            <a:lumOff val="25000"/>
+                          </a:schemeClr>
+                        </a:solidFill>
+                        <a:effectLst/>
+                        <a:latin typeface="Arial Narrow" panose="020B0606020202030204" pitchFamily="34" charset="0"/>
+                        <a:ea typeface="Calibri"/>
+                        <a:cs typeface="Times New Roman"/>
+                      </a:endParaRPr>
+                    </a:p>
+                  </a:txBody>
+                  <a:tcPr marL="68580" marR="68580" marT="0" marB="0">
+                    <a:lnL w="12700" cmpd="sng">
+                      <a:noFill/>
+                    </a:lnL>
+                    <a:lnR w="76200" cap="flat" cmpd="sng" algn="ctr">
+                      <a:noFill/>
+                      <a:prstDash val="solid"/>
+                      <a:round/>
+                      <a:headEnd type="none" w="med" len="med"/>
+                      <a:tailEnd type="none" w="med" len="med"/>
+                    </a:lnR>
+                    <a:lnT w="3175" cap="flat" cmpd="sng" algn="ctr">
+                      <a:solidFill>
+                        <a:srgbClr val="008040"/>
+                      </a:solidFill>
+                      <a:prstDash val="solid"/>
+                      <a:round/>
+                      <a:headEnd type="none" w="med" len="med"/>
+                      <a:tailEnd type="none" w="med" len="med"/>
+                    </a:lnT>
+                    <a:lnB w="6350" cap="flat" cmpd="sng" algn="ctr">
+                      <a:noFill/>
+                      <a:prstDash val="solid"/>
+                      <a:round/>
+                      <a:headEnd type="none" w="med" len="med"/>
+                      <a:tailEnd type="none" w="med" len="med"/>
+                    </a:lnB>
+                    <a:lnTlToBr w="12700" cmpd="sng">
+                      <a:noFill/>
+                      <a:prstDash val="solid"/>
+                    </a:lnTlToBr>
+                    <a:lnBlToTr w="12700" cmpd="sng">
+                      <a:noFill/>
+                      <a:prstDash val="solid"/>
+                    </a:lnBlToTr>
+                    <a:noFill/>
+                  </a:tcPr>
+                </a:tc>
+              </a:tr>
+              <a:tr h="547810">
+                <a:tc gridSpan="3">
+                  <a:txBody>
+                    <a:bodyPr/>
+                    <a:lstStyle/>
+                    <a:p>
+                      <a:pPr algn="just"/>
+                      <a:endParaRPr lang="es-MX" sz="800" b="1" dirty="0" smtClean="0">
+                        <a:solidFill>
+                          <a:schemeClr val="tx1">
+                            <a:lumMod val="75000"/>
+                            <a:lumOff val="25000"/>
+                          </a:schemeClr>
+                        </a:solidFill>
+                      </a:endParaRPr>
+                    </a:p>
+                  </a:txBody>
+                  <a:tcPr marL="68580" marR="68580" marT="0" marB="0">
+                    <a:lnL w="12700" cmpd="sng">
+                      <a:noFill/>
+                    </a:lnL>
+                    <a:lnR w="76200" cap="flat" cmpd="sng" algn="ctr">
+                      <a:noFill/>
+                      <a:prstDash val="solid"/>
+                      <a:round/>
+                      <a:headEnd type="none" w="med" len="med"/>
+                      <a:tailEnd type="none" w="med" len="med"/>
+                    </a:lnR>
+                    <a:lnT w="3175" cap="flat" cmpd="sng" algn="ctr">
+                      <a:solidFill>
+                        <a:schemeClr val="bg1">
+                          <a:lumMod val="85000"/>
+                        </a:schemeClr>
+                      </a:solidFill>
+                      <a:prstDash val="solid"/>
+                      <a:round/>
+                      <a:headEnd type="none" w="med" len="med"/>
+                      <a:tailEnd type="none" w="med" len="med"/>
+                    </a:lnT>
+                    <a:lnB w="6350" cap="flat" cmpd="sng" algn="ctr">
+                      <a:noFill/>
+                      <a:prstDash val="solid"/>
+                      <a:round/>
+                      <a:headEnd type="none" w="med" len="med"/>
+                      <a:tailEnd type="none" w="med" len="med"/>
+                    </a:lnB>
+                    <a:lnTlToBr w="12700" cmpd="sng">
+                      <a:noFill/>
+                      <a:prstDash val="solid"/>
+                    </a:lnTlToBr>
+                    <a:lnBlToTr w="12700" cmpd="sng">
+                      <a:noFill/>
+                      <a:prstDash val="solid"/>
+                    </a:lnBlToTr>
+                    <a:noFill/>
+                  </a:tcPr>
+                </a:tc>
+                <a:tc hMerge="1">
+                  <a:txBody>
+                    <a:bodyPr/>
+                    <a:lstStyle/>
+                    <a:p>
+                      <a:endParaRPr lang="es-MX"/>
+                    </a:p>
+                  </a:txBody>
+                  <a:tcPr/>
+                </a:tc>
+                <a:tc hMerge="1">
+                  <a:txBody>
+                    <a:bodyPr/>
+                    <a:lstStyle/>
+                    <a:p>
+                      <a:endParaRPr lang="es-MX"/>
+                    </a:p>
+                  </a:txBody>
+                  <a:tcPr/>
+                </a:tc>
+              </a:tr>
+            </a:tbl>
+          </a:graphicData>
+        </a:graphic>
+      </p:graphicFrame>
+      <p:pic>
+        <p:nvPicPr>
+          <p:cNvPr id="5" name="4 Imagen"/>
+          <p:cNvPicPr>
+            <a:picLocks noChangeAspect="1"/>
+          </p:cNvPicPr>
+          <p:nvPr/>
+        </p:nvPicPr>
+        <p:blipFill>
+          <a:blip r:embed="rId2" cstate="print">
+            <a:extLst>
+              <a:ext uri="{28A0092B-C50C-407E-A947-70E740481C1C}">
+                <a14:useLocalDpi xmlns:a14="http://schemas.microsoft.com/office/drawing/2010/main" val="0"/>
+              </a:ext>
+            </a:extLst>
+          </a:blip>
+          <a:stretch>
+            <a:fillRect/>
+          </a:stretch>
+        </p:blipFill>
+        <p:spPr>
+          <a:xfrm>
+            <a:off x="264200" y="1583460"/>
+            <a:ext cx="385999" cy="414677"/>
+          </a:xfrm>
+          <a:prstGeom prst="rect">
+            <a:avLst/>
+          </a:prstGeom>
+        </p:spPr>
+      </p:pic>
+      <p:pic>
+        <p:nvPicPr>
+          <p:cNvPr id="7" name="6 Imagen">
+            <a:hlinkClick r:id="rId3" action="ppaction://hlinkpres?slideindex=2&amp;slidetitle=Obras Concluidas por Sector"/>
+          </p:cNvPr>
+          <p:cNvPicPr>
+            <a:picLocks noChangeAspect="1"/>
+          </p:cNvPicPr>
+          <p:nvPr/>
+        </p:nvPicPr>
+        <p:blipFill>
+          <a:blip r:embed="rId4">
+            <a:extLst>
+              <a:ext uri="{28A0092B-C50C-407E-A947-70E740481C1C}">
+                <a14:useLocalDpi xmlns:a14="http://schemas.microsoft.com/office/drawing/2010/main" val="0"/>
+              </a:ext>
+            </a:extLst>
+          </a:blip>
+          <a:stretch>
+            <a:fillRect/>
+          </a:stretch>
+        </p:blipFill>
+        <p:spPr>
+          <a:xfrm>
+            <a:off x="8822656" y="6475642"/>
+            <a:ext cx="234000" cy="303946"/>
+          </a:xfrm>
+          <a:prstGeom prst="rect">
+            <a:avLst/>
+          </a:prstGeom>
+        </p:spPr>
+      </p:pic>
+    </p:spTree>
+    <p:extLst>
+      <p:ext uri="{BB962C8B-B14F-4D97-AF65-F5344CB8AC3E}">
+        <p14:creationId xmlns:p14="http://schemas.microsoft.com/office/powerpoint/2010/main" val="3583704180"/>
+      </p:ext>
+    </p:extLst>
+  </p:cSld>
+  <p:clrMapOvr>
+    <a:masterClrMapping/>
+  </p:clrMapOvr>
+  <p:timing>
+    <p:tnLst>
+      <p:par>
+        <p:cTn id="1" dur="indefinite" restart="never" nodeType="tmRoot"/>
+      </p:par>
+    </p:tnLst>
+  </p:timing>
+</p:sld>
+</file>
+
+<file path=ppt/slides/slide31.xml><?xml version="1.0" encoding="utf-8"?>
+<p:sld xmlns:a="http://schemas.openxmlformats.org/drawingml/2006/main" xmlns:r="http://schemas.openxmlformats.org/officeDocument/2006/relationships" xmlns:p="http://schemas.openxmlformats.org/presentationml/2006/main">
+  <p:cSld>
+    <p:spTree>
+      <p:nvGrpSpPr>
+        <p:cNvPr id="1" name=""/>
+        <p:cNvGrpSpPr/>
+        <p:nvPr/>
+      </p:nvGrpSpPr>
+      <p:grpSpPr>
+        <a:xfrm>
+          <a:off x="0" y="0"/>
+          <a:ext cx="0" cy="0"/>
+          <a:chOff x="0" y="0"/>
+          <a:chExt cx="0" cy="0"/>
+        </a:xfrm>
+      </p:grpSpPr>
+      <p:graphicFrame>
+        <p:nvGraphicFramePr>
+          <p:cNvPr id="4" name="3 Tabla"/>
+          <p:cNvGraphicFramePr>
+            <a:graphicFrameLocks noGrp="1"/>
+          </p:cNvGraphicFramePr>
+          <p:nvPr>
+            <p:extLst>
+              <p:ext uri="{D42A27DB-BD31-4B8C-83A1-F6EECF244321}">
+                <p14:modId xmlns:p14="http://schemas.microsoft.com/office/powerpoint/2010/main" val="587453992"/>
+              </p:ext>
+            </p:extLst>
+          </p:nvPr>
+        </p:nvGraphicFramePr>
+        <p:xfrm>
+          <a:off x="272955" y="1394275"/>
+          <a:ext cx="8707272" cy="5279481"/>
+        </p:xfrm>
+        <a:graphic>
+          <a:graphicData uri="http://schemas.openxmlformats.org/drawingml/2006/table">
+            <a:tbl>
+              <a:tblPr firstRow="1" bandRow="1">
+                <a:tableStyleId>{5C22544A-7EE6-4342-B048-85BDC9FD1C3A}</a:tableStyleId>
+              </a:tblPr>
+              <a:tblGrid>
+                <a:gridCol w="498046"/>
+                <a:gridCol w="6039232"/>
+                <a:gridCol w="2169994"/>
+              </a:tblGrid>
+              <a:tr h="139851">
+                <a:tc gridSpan="2">
+                  <a:txBody>
+                    <a:bodyPr/>
+                    <a:lstStyle/>
+                    <a:p>
+                      <a:pPr algn="ctr">
+                        <a:lnSpc>
+                          <a:spcPts val="900"/>
+                        </a:lnSpc>
+                        <a:spcBef>
+                          <a:spcPts val="600"/>
+                        </a:spcBef>
+                        <a:spcAft>
+                          <a:spcPts val="300"/>
+                        </a:spcAft>
+                      </a:pPr>
+                      <a:endParaRPr lang="es-MX" sz="900" dirty="0">
+                        <a:solidFill>
+                          <a:srgbClr val="008040"/>
+                        </a:solidFill>
+                        <a:effectLst/>
+                        <a:latin typeface="Arial Narrow" panose="020B0606020202030204" pitchFamily="34" charset="0"/>
+                        <a:ea typeface="Calibri"/>
+                        <a:cs typeface="Times New Roman"/>
+                      </a:endParaRPr>
+                    </a:p>
+                  </a:txBody>
+                  <a:tcPr marL="63988" marR="63988" marT="0" marB="0" anchor="ctr">
+                    <a:solidFill>
+                      <a:schemeClr val="bg1">
+                        <a:lumMod val="95000"/>
+                      </a:schemeClr>
+                    </a:solidFill>
+                  </a:tcPr>
+                </a:tc>
+                <a:tc hMerge="1">
+                  <a:txBody>
+                    <a:bodyPr/>
+                    <a:lstStyle/>
+                    <a:p>
+                      <a:endParaRPr lang="es-MX"/>
+                    </a:p>
+                  </a:txBody>
+                  <a:tcPr/>
+                </a:tc>
+                <a:tc>
+                  <a:txBody>
+                    <a:bodyPr/>
+                    <a:lstStyle/>
+                    <a:p>
+                      <a:pPr algn="ctr">
+                        <a:lnSpc>
+                          <a:spcPts val="900"/>
+                        </a:lnSpc>
+                        <a:spcBef>
+                          <a:spcPts val="600"/>
+                        </a:spcBef>
+                        <a:spcAft>
+                          <a:spcPts val="300"/>
+                        </a:spcAft>
+                      </a:pPr>
+                      <a:endParaRPr lang="es-MX" sz="900" dirty="0">
+                        <a:solidFill>
+                          <a:srgbClr val="008040"/>
+                        </a:solidFill>
+                        <a:effectLst/>
+                        <a:latin typeface="Arial Narrow" panose="020B0606020202030204" pitchFamily="34" charset="0"/>
+                        <a:ea typeface="Calibri"/>
+                        <a:cs typeface="Times New Roman"/>
+                      </a:endParaRPr>
+                    </a:p>
+                  </a:txBody>
+                  <a:tcPr marL="63988" marR="63988" marT="0" marB="0" anchor="ctr">
+                    <a:noFill/>
+                  </a:tcPr>
+                </a:tc>
+              </a:tr>
+              <a:tr h="458839">
+                <a:tc>
+                  <a:txBody>
+                    <a:bodyPr/>
+                    <a:lstStyle/>
+                    <a:p>
+                      <a:pPr algn="ctr">
+                        <a:lnSpc>
+                          <a:spcPts val="1100"/>
+                        </a:lnSpc>
+                        <a:spcBef>
+                          <a:spcPts val="600"/>
+                        </a:spcBef>
+                        <a:spcAft>
+                          <a:spcPts val="300"/>
+                        </a:spcAft>
+                      </a:pPr>
+                      <a:endParaRPr lang="es-MX" sz="1100" b="1" dirty="0">
+                        <a:solidFill>
+                          <a:srgbClr val="008040"/>
+                        </a:solidFill>
+                        <a:effectLst/>
+                        <a:latin typeface="Arial Narrow" panose="020B0606020202030204" pitchFamily="34" charset="0"/>
+                        <a:ea typeface="Calibri"/>
+                        <a:cs typeface="Times New Roman"/>
+                      </a:endParaRPr>
+                    </a:p>
+                  </a:txBody>
+                  <a:tcPr marL="68580" marR="68580" marT="0" marB="0" anchor="ctr">
+                    <a:lnL w="3175" cap="flat" cmpd="sng" algn="ctr">
+                      <a:noFill/>
+                      <a:prstDash val="solid"/>
+                      <a:round/>
+                      <a:headEnd type="none" w="med" len="med"/>
+                      <a:tailEnd type="none" w="med" len="med"/>
+                    </a:lnL>
+                    <a:lnR w="6350" cap="flat" cmpd="sng" algn="ctr">
+                      <a:solidFill>
+                        <a:schemeClr val="bg1"/>
+                      </a:solidFill>
+                      <a:prstDash val="solid"/>
+                      <a:round/>
+                      <a:headEnd type="none" w="med" len="med"/>
+                      <a:tailEnd type="none" w="med" len="med"/>
+                    </a:lnR>
+                    <a:solidFill>
+                      <a:srgbClr val="D60093"/>
+                    </a:solidFill>
+                  </a:tcPr>
+                </a:tc>
+                <a:tc>
+                  <a:txBody>
+                    <a:bodyPr/>
+                    <a:lstStyle/>
+                    <a:p>
+                      <a:pPr marL="0" marR="0" indent="0" algn="l" defTabSz="457200" rtl="0" eaLnBrk="1" fontAlgn="auto" latinLnBrk="0" hangingPunct="1">
+                        <a:lnSpc>
+                          <a:spcPts val="1100"/>
+                        </a:lnSpc>
+                        <a:spcBef>
+                          <a:spcPts val="0"/>
+                        </a:spcBef>
+                        <a:spcAft>
+                          <a:spcPts val="0"/>
+                        </a:spcAft>
+                        <a:buClrTx/>
+                        <a:buSzTx/>
+                        <a:buFontTx/>
+                        <a:buNone/>
+                        <a:tabLst/>
+                        <a:defRPr/>
+                      </a:pPr>
+                      <a:r>
+                        <a:rPr lang="es-MX" sz="1400" b="1" dirty="0" smtClean="0">
+                          <a:solidFill>
+                            <a:schemeClr val="tx1">
+                              <a:lumMod val="75000"/>
+                              <a:lumOff val="25000"/>
+                            </a:schemeClr>
+                          </a:solidFill>
+                          <a:effectLst/>
+                          <a:latin typeface="Arial Narrow" panose="020B0606020202030204" pitchFamily="34" charset="0"/>
+                          <a:ea typeface="Calibri"/>
+                          <a:cs typeface="Arial"/>
+                        </a:rPr>
+                        <a:t>Comisión</a:t>
+                      </a:r>
+                      <a:r>
+                        <a:rPr lang="es-MX" sz="1400" b="1" baseline="0" dirty="0" smtClean="0">
+                          <a:solidFill>
+                            <a:schemeClr val="tx1">
+                              <a:lumMod val="75000"/>
+                              <a:lumOff val="25000"/>
+                            </a:schemeClr>
+                          </a:solidFill>
+                          <a:effectLst/>
+                          <a:latin typeface="Arial Narrow" panose="020B0606020202030204" pitchFamily="34" charset="0"/>
+                          <a:ea typeface="Calibri"/>
+                          <a:cs typeface="Arial"/>
+                        </a:rPr>
+                        <a:t> Nacional para el Desarrollo de los Pueblos Indígenas.</a:t>
+                      </a:r>
+                      <a:endParaRPr lang="es-MX" sz="1400" b="1" dirty="0" smtClean="0">
+                        <a:solidFill>
+                          <a:schemeClr val="tx1">
+                            <a:lumMod val="75000"/>
+                            <a:lumOff val="25000"/>
+                          </a:schemeClr>
+                        </a:solidFill>
+                        <a:effectLst/>
+                        <a:latin typeface="Arial Narrow" panose="020B0606020202030204" pitchFamily="34" charset="0"/>
+                        <a:ea typeface="Calibri"/>
+                        <a:cs typeface="Arial"/>
+                      </a:endParaRPr>
+                    </a:p>
+                  </a:txBody>
+                  <a:tcPr marL="68580" marR="68580" marT="0" marB="0" anchor="ctr">
+                    <a:lnL w="6350" cap="flat" cmpd="sng" algn="ctr">
+                      <a:solidFill>
+                        <a:schemeClr val="bg1"/>
+                      </a:solidFill>
+                      <a:prstDash val="solid"/>
+                      <a:round/>
+                      <a:headEnd type="none" w="med" len="med"/>
+                      <a:tailEnd type="none" w="med" len="med"/>
+                    </a:lnL>
+                    <a:lnR w="6350" cap="flat" cmpd="sng" algn="ctr">
+                      <a:solidFill>
+                        <a:schemeClr val="bg1"/>
+                      </a:solidFill>
+                      <a:prstDash val="solid"/>
+                      <a:round/>
+                      <a:headEnd type="none" w="med" len="med"/>
+                      <a:tailEnd type="none" w="med" len="med"/>
+                    </a:lnR>
+                    <a:solidFill>
+                      <a:srgbClr val="E4E4E4"/>
+                    </a:solidFill>
+                  </a:tcPr>
+                </a:tc>
+                <a:tc>
+                  <a:txBody>
+                    <a:bodyPr/>
+                    <a:lstStyle/>
+                    <a:p>
+                      <a:pPr marL="0" marR="0" indent="0" algn="ctr" defTabSz="457200" rtl="0" eaLnBrk="1" fontAlgn="auto" latinLnBrk="0" hangingPunct="1">
+                        <a:lnSpc>
+                          <a:spcPts val="1100"/>
+                        </a:lnSpc>
+                        <a:spcBef>
+                          <a:spcPts val="600"/>
+                        </a:spcBef>
+                        <a:spcAft>
+                          <a:spcPts val="300"/>
+                        </a:spcAft>
+                        <a:buClrTx/>
+                        <a:buSzTx/>
+                        <a:buFontTx/>
+                        <a:buNone/>
+                        <a:tabLst/>
+                        <a:defRPr/>
+                      </a:pPr>
+                      <a:endParaRPr lang="es-MX" sz="1100" b="1" dirty="0" smtClean="0">
+                        <a:solidFill>
+                          <a:srgbClr val="008040"/>
+                        </a:solidFill>
+                        <a:effectLst/>
+                        <a:latin typeface="Arial Narrow" panose="020B0606020202030204" pitchFamily="34" charset="0"/>
+                        <a:ea typeface="Calibri"/>
+                        <a:cs typeface="Times New Roman"/>
+                      </a:endParaRPr>
+                    </a:p>
+                  </a:txBody>
+                  <a:tcPr marL="68580" marR="68580" marT="0" marB="0" anchor="ctr">
+                    <a:lnL w="6350" cap="flat" cmpd="sng" algn="ctr">
+                      <a:solidFill>
+                        <a:schemeClr val="bg1"/>
+                      </a:solidFill>
+                      <a:prstDash val="solid"/>
+                      <a:round/>
+                      <a:headEnd type="none" w="med" len="med"/>
+                      <a:tailEnd type="none" w="med" len="med"/>
+                    </a:lnL>
+                    <a:lnR w="6350" cap="flat" cmpd="sng" algn="ctr">
+                      <a:solidFill>
+                        <a:schemeClr val="bg1"/>
+                      </a:solidFill>
+                      <a:prstDash val="solid"/>
+                      <a:round/>
+                      <a:headEnd type="none" w="med" len="med"/>
+                      <a:tailEnd type="none" w="med" len="med"/>
+                    </a:lnR>
+                    <a:noFill/>
+                  </a:tcPr>
+                </a:tc>
+              </a:tr>
+              <a:tr h="104699">
+                <a:tc gridSpan="2">
+                  <a:txBody>
+                    <a:bodyPr/>
+                    <a:lstStyle/>
+                    <a:p>
+                      <a:pPr algn="l">
+                        <a:lnSpc>
+                          <a:spcPct val="120000"/>
+                        </a:lnSpc>
+                        <a:spcAft>
+                          <a:spcPts val="0"/>
+                        </a:spcAft>
+                      </a:pPr>
+                      <a:endParaRPr lang="es-MX" sz="300" dirty="0">
+                        <a:solidFill>
+                          <a:srgbClr val="404040"/>
+                        </a:solidFill>
+                        <a:effectLst/>
+                        <a:latin typeface="Arial Narrow" panose="020B0606020202030204" pitchFamily="34" charset="0"/>
+                        <a:ea typeface="Calibri"/>
+                        <a:cs typeface="Times New Roman"/>
+                      </a:endParaRPr>
+                    </a:p>
+                  </a:txBody>
+                  <a:tcPr marL="41308" marR="41308" marT="0" marB="0" anchor="ctr">
+                    <a:lnB w="3175" cap="flat" cmpd="sng" algn="ctr">
+                      <a:solidFill>
+                        <a:schemeClr val="bg1">
+                          <a:lumMod val="85000"/>
+                        </a:schemeClr>
+                      </a:solidFill>
+                      <a:prstDash val="solid"/>
+                      <a:round/>
+                      <a:headEnd type="none" w="med" len="med"/>
+                      <a:tailEnd type="none" w="med" len="med"/>
+                    </a:lnB>
+                    <a:solidFill>
+                      <a:schemeClr val="bg1"/>
+                    </a:solidFill>
+                  </a:tcPr>
+                </a:tc>
+                <a:tc hMerge="1">
+                  <a:txBody>
+                    <a:bodyPr/>
+                    <a:lstStyle/>
+                    <a:p>
+                      <a:endParaRPr lang="es-MX"/>
+                    </a:p>
+                  </a:txBody>
+                  <a:tcPr/>
+                </a:tc>
+                <a:tc>
+                  <a:txBody>
+                    <a:bodyPr/>
+                    <a:lstStyle/>
+                    <a:p>
+                      <a:pPr algn="l">
+                        <a:lnSpc>
+                          <a:spcPct val="120000"/>
+                        </a:lnSpc>
+                        <a:spcAft>
+                          <a:spcPts val="0"/>
+                        </a:spcAft>
+                      </a:pPr>
+                      <a:endParaRPr lang="es-MX" sz="300" dirty="0">
+                        <a:solidFill>
+                          <a:srgbClr val="404040"/>
+                        </a:solidFill>
+                        <a:effectLst/>
+                        <a:latin typeface="Arial Narrow" panose="020B0606020202030204" pitchFamily="34" charset="0"/>
+                        <a:ea typeface="Calibri"/>
+                        <a:cs typeface="Times New Roman"/>
+                      </a:endParaRPr>
+                    </a:p>
+                  </a:txBody>
+                  <a:tcPr marL="41308" marR="41308" marT="0" marB="0" anchor="ctr">
+                    <a:lnB w="3175" cap="flat" cmpd="sng" algn="ctr">
+                      <a:solidFill>
+                        <a:schemeClr val="bg1">
+                          <a:lumMod val="85000"/>
+                        </a:schemeClr>
+                      </a:solidFill>
+                      <a:prstDash val="solid"/>
+                      <a:round/>
+                      <a:headEnd type="none" w="med" len="med"/>
+                      <a:tailEnd type="none" w="med" len="med"/>
+                    </a:lnB>
+                    <a:solidFill>
+                      <a:schemeClr val="bg1"/>
+                    </a:solidFill>
+                  </a:tcPr>
+                </a:tc>
+              </a:tr>
+              <a:tr h="4576092">
+                <a:tc gridSpan="3">
+                  <a:txBody>
+                    <a:bodyPr/>
+                    <a:lstStyle/>
+                    <a:p>
+                      <a:pPr marL="0" marR="0" indent="0" algn="l" defTabSz="457200" rtl="0" eaLnBrk="1" fontAlgn="auto" latinLnBrk="0" hangingPunct="1">
+                        <a:lnSpc>
+                          <a:spcPct val="120000"/>
+                        </a:lnSpc>
+                        <a:spcBef>
+                          <a:spcPts val="0"/>
+                        </a:spcBef>
+                        <a:spcAft>
+                          <a:spcPts val="0"/>
+                        </a:spcAft>
+                        <a:buClr>
+                          <a:srgbClr val="008040"/>
+                        </a:buClr>
+                        <a:buSzTx/>
+                        <a:buFont typeface="Wingdings" panose="05000000000000000000" pitchFamily="2" charset="2"/>
+                        <a:buNone/>
+                        <a:tabLst/>
+                        <a:defRPr/>
+                      </a:pPr>
+                      <a:endParaRPr lang="es-MX" sz="1100" dirty="0" smtClean="0">
+                        <a:solidFill>
+                          <a:schemeClr val="tx1">
+                            <a:lumMod val="75000"/>
+                            <a:lumOff val="25000"/>
+                          </a:schemeClr>
+                        </a:solidFill>
+                        <a:effectLst/>
+                        <a:latin typeface="Arial Narrow" panose="020B0606020202030204" pitchFamily="34" charset="0"/>
+                        <a:ea typeface="Calibri"/>
+                        <a:cs typeface="Arial"/>
+                      </a:endParaRPr>
+                    </a:p>
+                  </a:txBody>
+                  <a:tcPr marL="68580" marR="68580" marT="0" marB="0">
+                    <a:lnL w="12700" cmpd="sng">
+                      <a:noFill/>
+                    </a:lnL>
+                    <a:lnR w="76200" cap="flat" cmpd="sng" algn="ctr">
+                      <a:noFill/>
+                      <a:prstDash val="solid"/>
+                      <a:round/>
+                      <a:headEnd type="none" w="med" len="med"/>
+                      <a:tailEnd type="none" w="med" len="med"/>
+                    </a:lnR>
+                    <a:lnT w="3175" cap="flat" cmpd="sng" algn="ctr">
+                      <a:solidFill>
+                        <a:schemeClr val="bg1">
+                          <a:lumMod val="85000"/>
+                        </a:schemeClr>
+                      </a:solidFill>
+                      <a:prstDash val="solid"/>
+                      <a:round/>
+                      <a:headEnd type="none" w="med" len="med"/>
+                      <a:tailEnd type="none" w="med" len="med"/>
+                    </a:lnT>
+                    <a:lnB w="6350" cap="flat" cmpd="sng" algn="ctr">
+                      <a:noFill/>
+                      <a:prstDash val="solid"/>
+                      <a:round/>
+                      <a:headEnd type="none" w="med" len="med"/>
+                      <a:tailEnd type="none" w="med" len="med"/>
+                    </a:lnB>
+                    <a:lnTlToBr w="12700" cmpd="sng">
+                      <a:noFill/>
+                      <a:prstDash val="solid"/>
+                    </a:lnTlToBr>
+                    <a:lnBlToTr w="12700" cmpd="sng">
+                      <a:noFill/>
+                      <a:prstDash val="solid"/>
+                    </a:lnBlToTr>
+                    <a:noFill/>
+                  </a:tcPr>
+                </a:tc>
+                <a:tc hMerge="1">
+                  <a:txBody>
+                    <a:bodyPr/>
+                    <a:lstStyle/>
+                    <a:p>
+                      <a:endParaRPr lang="es-MX"/>
+                    </a:p>
+                  </a:txBody>
+                  <a:tcPr/>
+                </a:tc>
+                <a:tc hMerge="1">
+                  <a:txBody>
+                    <a:bodyPr/>
+                    <a:lstStyle/>
+                    <a:p>
+                      <a:pPr marL="0" indent="0" algn="l">
+                        <a:lnSpc>
+                          <a:spcPct val="120000"/>
+                        </a:lnSpc>
+                        <a:spcAft>
+                          <a:spcPts val="0"/>
+                        </a:spcAft>
+                        <a:buClr>
+                          <a:srgbClr val="008040"/>
+                        </a:buClr>
+                        <a:buFont typeface="Wingdings" panose="05000000000000000000" pitchFamily="2" charset="2"/>
+                        <a:buNone/>
+                      </a:pPr>
+                      <a:endParaRPr lang="es-MX" sz="1100" b="1" dirty="0">
+                        <a:solidFill>
+                          <a:schemeClr val="tx1">
+                            <a:lumMod val="75000"/>
+                            <a:lumOff val="25000"/>
+                          </a:schemeClr>
+                        </a:solidFill>
+                        <a:effectLst/>
+                        <a:latin typeface="Arial Narrow" panose="020B0606020202030204" pitchFamily="34" charset="0"/>
+                        <a:ea typeface="Calibri"/>
+                        <a:cs typeface="Times New Roman"/>
+                      </a:endParaRPr>
+                    </a:p>
+                  </a:txBody>
+                  <a:tcPr marL="68580" marR="68580" marT="0" marB="0">
+                    <a:lnL w="12700" cmpd="sng">
+                      <a:noFill/>
+                    </a:lnL>
+                    <a:lnR w="76200" cap="flat" cmpd="sng" algn="ctr">
+                      <a:noFill/>
+                      <a:prstDash val="solid"/>
+                      <a:round/>
+                      <a:headEnd type="none" w="med" len="med"/>
+                      <a:tailEnd type="none" w="med" len="med"/>
+                    </a:lnR>
+                    <a:lnT w="3175" cap="flat" cmpd="sng" algn="ctr">
+                      <a:solidFill>
+                        <a:srgbClr val="008040"/>
+                      </a:solidFill>
+                      <a:prstDash val="solid"/>
+                      <a:round/>
+                      <a:headEnd type="none" w="med" len="med"/>
+                      <a:tailEnd type="none" w="med" len="med"/>
+                    </a:lnT>
+                    <a:lnB w="6350" cap="flat" cmpd="sng" algn="ctr">
+                      <a:noFill/>
+                      <a:prstDash val="solid"/>
+                      <a:round/>
+                      <a:headEnd type="none" w="med" len="med"/>
+                      <a:tailEnd type="none" w="med" len="med"/>
+                    </a:lnB>
+                    <a:lnTlToBr w="12700" cmpd="sng">
+                      <a:noFill/>
+                      <a:prstDash val="solid"/>
+                    </a:lnTlToBr>
+                    <a:lnBlToTr w="12700" cmpd="sng">
+                      <a:noFill/>
+                      <a:prstDash val="solid"/>
+                    </a:lnBlToTr>
+                    <a:noFill/>
+                  </a:tcPr>
+                </a:tc>
+              </a:tr>
+            </a:tbl>
+          </a:graphicData>
+        </a:graphic>
+      </p:graphicFrame>
+      <p:graphicFrame>
+        <p:nvGraphicFramePr>
+          <p:cNvPr id="9" name="8 Tabla"/>
+          <p:cNvGraphicFramePr>
+            <a:graphicFrameLocks noGrp="1"/>
+          </p:cNvGraphicFramePr>
+          <p:nvPr>
+            <p:extLst>
+              <p:ext uri="{D42A27DB-BD31-4B8C-83A1-F6EECF244321}">
+                <p14:modId xmlns:p14="http://schemas.microsoft.com/office/powerpoint/2010/main" val="3729878524"/>
+              </p:ext>
+            </p:extLst>
+          </p:nvPr>
+        </p:nvGraphicFramePr>
+        <p:xfrm>
+          <a:off x="1524000" y="3492623"/>
+          <a:ext cx="6096000" cy="1854200"/>
+        </p:xfrm>
+        <a:graphic>
+          <a:graphicData uri="http://schemas.openxmlformats.org/drawingml/2006/table">
+            <a:tbl>
+              <a:tblPr firstRow="1" bandRow="1">
+                <a:tableStyleId>{2D5ABB26-0587-4C30-8999-92F81FD0307C}</a:tableStyleId>
+              </a:tblPr>
+              <a:tblGrid>
+                <a:gridCol w="2032000"/>
+                <a:gridCol w="2032000"/>
+                <a:gridCol w="2032000"/>
+              </a:tblGrid>
+              <a:tr h="370840">
+                <a:tc>
+                  <a:txBody>
+                    <a:bodyPr/>
+                    <a:lstStyle/>
+                    <a:p>
+                      <a:pPr algn="ctr"/>
+                      <a:endParaRPr lang="es-MX" b="1" dirty="0">
+                        <a:solidFill>
+                          <a:schemeClr val="tx1">
+                            <a:lumMod val="65000"/>
+                            <a:lumOff val="35000"/>
+                          </a:schemeClr>
+                        </a:solidFill>
+                        <a:latin typeface="Arial Narrow" panose="020B0606020202030204" pitchFamily="34" charset="0"/>
+                      </a:endParaRPr>
+                    </a:p>
+                  </a:txBody>
+                  <a:tcPr>
+                    <a:solidFill>
+                      <a:schemeClr val="bg1">
+                        <a:lumMod val="95000"/>
+                      </a:schemeClr>
+                    </a:solidFill>
+                  </a:tcPr>
+                </a:tc>
+                <a:tc>
+                  <a:txBody>
+                    <a:bodyPr/>
+                    <a:lstStyle/>
+                    <a:p>
+                      <a:pPr algn="ctr"/>
+                      <a:r>
+                        <a:rPr lang="es-MX" b="1" dirty="0" smtClean="0">
+                          <a:solidFill>
+                            <a:schemeClr val="tx1">
+                              <a:lumMod val="65000"/>
+                              <a:lumOff val="35000"/>
+                            </a:schemeClr>
+                          </a:solidFill>
+                          <a:latin typeface="Arial Narrow" panose="020B0606020202030204" pitchFamily="34" charset="0"/>
+                        </a:rPr>
+                        <a:t>Número</a:t>
+                      </a:r>
+                      <a:r>
+                        <a:rPr lang="es-MX" b="1" baseline="0" dirty="0" smtClean="0">
+                          <a:solidFill>
+                            <a:schemeClr val="tx1">
+                              <a:lumMod val="65000"/>
+                              <a:lumOff val="35000"/>
+                            </a:schemeClr>
+                          </a:solidFill>
+                          <a:latin typeface="Arial Narrow" panose="020B0606020202030204" pitchFamily="34" charset="0"/>
+                        </a:rPr>
+                        <a:t> de obras</a:t>
+                      </a:r>
+                      <a:endParaRPr lang="es-MX" b="1" dirty="0">
+                        <a:solidFill>
+                          <a:schemeClr val="tx1">
+                            <a:lumMod val="65000"/>
+                            <a:lumOff val="35000"/>
+                          </a:schemeClr>
+                        </a:solidFill>
+                        <a:latin typeface="Arial Narrow" panose="020B0606020202030204" pitchFamily="34" charset="0"/>
+                      </a:endParaRPr>
+                    </a:p>
+                  </a:txBody>
+                  <a:tcPr>
+                    <a:solidFill>
+                      <a:schemeClr val="bg1">
+                        <a:lumMod val="95000"/>
+                      </a:schemeClr>
+                    </a:solidFill>
+                  </a:tcPr>
+                </a:tc>
+                <a:tc>
+                  <a:txBody>
+                    <a:bodyPr/>
+                    <a:lstStyle/>
+                    <a:p>
+                      <a:pPr algn="ctr"/>
+                      <a:r>
+                        <a:rPr lang="es-MX" b="1" dirty="0" smtClean="0">
+                          <a:solidFill>
+                            <a:schemeClr val="tx1">
+                              <a:lumMod val="65000"/>
+                              <a:lumOff val="35000"/>
+                            </a:schemeClr>
+                          </a:solidFill>
+                          <a:latin typeface="Arial Narrow" panose="020B0606020202030204" pitchFamily="34" charset="0"/>
+                        </a:rPr>
+                        <a:t>Inversión mdp</a:t>
+                      </a:r>
+                      <a:endParaRPr lang="es-MX" b="1" dirty="0">
+                        <a:solidFill>
+                          <a:schemeClr val="tx1">
+                            <a:lumMod val="65000"/>
+                            <a:lumOff val="35000"/>
+                          </a:schemeClr>
+                        </a:solidFill>
+                        <a:latin typeface="Arial Narrow" panose="020B0606020202030204" pitchFamily="34" charset="0"/>
+                      </a:endParaRPr>
+                    </a:p>
+                  </a:txBody>
+                  <a:tcPr>
+                    <a:solidFill>
+                      <a:schemeClr val="bg1">
+                        <a:lumMod val="95000"/>
+                      </a:schemeClr>
+                    </a:solidFill>
+                  </a:tcPr>
+                </a:tc>
+              </a:tr>
+              <a:tr h="370840">
+                <a:tc>
+                  <a:txBody>
+                    <a:bodyPr/>
+                    <a:lstStyle/>
+                    <a:p>
+                      <a:r>
+                        <a:rPr lang="es-MX" b="1" dirty="0" smtClean="0">
+                          <a:solidFill>
+                            <a:schemeClr val="tx1">
+                              <a:lumMod val="65000"/>
+                              <a:lumOff val="35000"/>
+                            </a:schemeClr>
+                          </a:solidFill>
+                          <a:latin typeface="Arial Narrow" panose="020B0606020202030204" pitchFamily="34" charset="0"/>
+                        </a:rPr>
+                        <a:t>Concluidas</a:t>
+                      </a:r>
+                      <a:endParaRPr lang="es-MX" b="1" dirty="0">
+                        <a:solidFill>
+                          <a:schemeClr val="tx1">
+                            <a:lumMod val="65000"/>
+                            <a:lumOff val="35000"/>
+                          </a:schemeClr>
+                        </a:solidFill>
+                        <a:latin typeface="Arial Narrow" panose="020B0606020202030204" pitchFamily="34" charset="0"/>
+                      </a:endParaRPr>
+                    </a:p>
+                  </a:txBody>
+                  <a:tcPr>
+                    <a:solidFill>
+                      <a:schemeClr val="bg1">
+                        <a:lumMod val="85000"/>
+                      </a:schemeClr>
+                    </a:solidFill>
+                  </a:tcPr>
+                </a:tc>
+                <a:tc>
+                  <a:txBody>
+                    <a:bodyPr/>
+                    <a:lstStyle/>
+                    <a:p>
+                      <a:pPr algn="ctr"/>
+                      <a:endParaRPr lang="es-MX" dirty="0">
+                        <a:solidFill>
+                          <a:schemeClr val="tx1">
+                            <a:lumMod val="65000"/>
+                            <a:lumOff val="35000"/>
+                          </a:schemeClr>
+                        </a:solidFill>
+                        <a:latin typeface="Arial Narrow" panose="020B0606020202030204" pitchFamily="34" charset="0"/>
+                      </a:endParaRPr>
+                    </a:p>
+                  </a:txBody>
+                  <a:tcPr>
+                    <a:solidFill>
+                      <a:schemeClr val="bg1">
+                        <a:lumMod val="85000"/>
+                      </a:schemeClr>
+                    </a:solidFill>
+                  </a:tcPr>
+                </a:tc>
+                <a:tc>
+                  <a:txBody>
+                    <a:bodyPr/>
+                    <a:lstStyle/>
+                    <a:p>
+                      <a:pPr algn="ctr"/>
+                      <a:endParaRPr lang="es-MX" dirty="0">
+                        <a:solidFill>
+                          <a:schemeClr val="tx1">
+                            <a:lumMod val="65000"/>
+                            <a:lumOff val="35000"/>
+                          </a:schemeClr>
+                        </a:solidFill>
+                        <a:latin typeface="Arial Narrow" panose="020B0606020202030204" pitchFamily="34" charset="0"/>
+                      </a:endParaRPr>
+                    </a:p>
+                  </a:txBody>
+                  <a:tcPr>
+                    <a:solidFill>
+                      <a:schemeClr val="bg1">
+                        <a:lumMod val="85000"/>
+                      </a:schemeClr>
+                    </a:solidFill>
+                  </a:tcPr>
+                </a:tc>
+              </a:tr>
+              <a:tr h="370840">
+                <a:tc>
+                  <a:txBody>
+                    <a:bodyPr/>
+                    <a:lstStyle/>
+                    <a:p>
+                      <a:r>
+                        <a:rPr lang="es-MX" b="1" dirty="0" smtClean="0">
+                          <a:solidFill>
+                            <a:schemeClr val="tx1">
+                              <a:lumMod val="65000"/>
+                              <a:lumOff val="35000"/>
+                            </a:schemeClr>
+                          </a:solidFill>
+                          <a:latin typeface="Arial Narrow" panose="020B0606020202030204" pitchFamily="34" charset="0"/>
+                        </a:rPr>
+                        <a:t>En proceso</a:t>
+                      </a:r>
+                      <a:endParaRPr lang="es-MX" b="1" dirty="0">
+                        <a:solidFill>
+                          <a:schemeClr val="tx1">
+                            <a:lumMod val="65000"/>
+                            <a:lumOff val="35000"/>
+                          </a:schemeClr>
+                        </a:solidFill>
+                        <a:latin typeface="Arial Narrow" panose="020B0606020202030204" pitchFamily="34" charset="0"/>
+                      </a:endParaRPr>
+                    </a:p>
+                  </a:txBody>
+                  <a:tcPr>
+                    <a:noFill/>
+                  </a:tcPr>
+                </a:tc>
+                <a:tc>
+                  <a:txBody>
+                    <a:bodyPr/>
+                    <a:lstStyle/>
+                    <a:p>
+                      <a:pPr algn="ctr"/>
+                      <a:endParaRPr lang="es-MX" dirty="0">
+                        <a:solidFill>
+                          <a:schemeClr val="tx1">
+                            <a:lumMod val="65000"/>
+                            <a:lumOff val="35000"/>
+                          </a:schemeClr>
+                        </a:solidFill>
+                        <a:latin typeface="Arial Narrow" panose="020B0606020202030204" pitchFamily="34" charset="0"/>
+                      </a:endParaRPr>
+                    </a:p>
+                  </a:txBody>
+                  <a:tcPr>
+                    <a:noFill/>
+                  </a:tcPr>
+                </a:tc>
+                <a:tc>
+                  <a:txBody>
+                    <a:bodyPr/>
+                    <a:lstStyle/>
+                    <a:p>
+                      <a:pPr algn="ctr"/>
+                      <a:endParaRPr lang="es-MX" dirty="0">
+                        <a:solidFill>
+                          <a:schemeClr val="tx1">
+                            <a:lumMod val="65000"/>
+                            <a:lumOff val="35000"/>
+                          </a:schemeClr>
+                        </a:solidFill>
+                        <a:latin typeface="Arial Narrow" panose="020B0606020202030204" pitchFamily="34" charset="0"/>
+                      </a:endParaRPr>
+                    </a:p>
+                  </a:txBody>
+                  <a:tcPr>
+                    <a:noFill/>
+                  </a:tcPr>
+                </a:tc>
+              </a:tr>
+              <a:tr h="370840">
+                <a:tc>
+                  <a:txBody>
+                    <a:bodyPr/>
+                    <a:lstStyle/>
+                    <a:p>
+                      <a:r>
+                        <a:rPr lang="es-MX" b="1" dirty="0" smtClean="0">
+                          <a:solidFill>
+                            <a:schemeClr val="tx1">
+                              <a:lumMod val="65000"/>
+                              <a:lumOff val="35000"/>
+                            </a:schemeClr>
+                          </a:solidFill>
+                          <a:latin typeface="Arial Narrow" panose="020B0606020202030204" pitchFamily="34" charset="0"/>
+                        </a:rPr>
+                        <a:t>Proyectadas</a:t>
+                      </a:r>
+                      <a:endParaRPr lang="es-MX" b="1" dirty="0">
+                        <a:solidFill>
+                          <a:schemeClr val="tx1">
+                            <a:lumMod val="65000"/>
+                            <a:lumOff val="35000"/>
+                          </a:schemeClr>
+                        </a:solidFill>
+                        <a:latin typeface="Arial Narrow" panose="020B0606020202030204" pitchFamily="34" charset="0"/>
+                      </a:endParaRPr>
+                    </a:p>
+                  </a:txBody>
+                  <a:tcPr>
+                    <a:solidFill>
+                      <a:schemeClr val="bg1">
+                        <a:lumMod val="85000"/>
+                      </a:schemeClr>
+                    </a:solidFill>
+                  </a:tcPr>
+                </a:tc>
+                <a:tc>
+                  <a:txBody>
+                    <a:bodyPr/>
+                    <a:lstStyle/>
+                    <a:p>
+                      <a:pPr algn="ctr"/>
+                      <a:endParaRPr lang="es-MX" dirty="0">
+                        <a:solidFill>
+                          <a:schemeClr val="tx1">
+                            <a:lumMod val="65000"/>
+                            <a:lumOff val="35000"/>
+                          </a:schemeClr>
+                        </a:solidFill>
+                        <a:latin typeface="Arial Narrow" panose="020B0606020202030204" pitchFamily="34" charset="0"/>
+                      </a:endParaRPr>
+                    </a:p>
+                  </a:txBody>
+                  <a:tcPr>
+                    <a:solidFill>
+                      <a:schemeClr val="bg1">
+                        <a:lumMod val="85000"/>
+                      </a:schemeClr>
+                    </a:solidFill>
+                  </a:tcPr>
+                </a:tc>
+                <a:tc>
+                  <a:txBody>
+                    <a:bodyPr/>
+                    <a:lstStyle/>
+                    <a:p>
+                      <a:pPr algn="ctr"/>
+                      <a:endParaRPr lang="es-MX" dirty="0">
+                        <a:solidFill>
+                          <a:schemeClr val="tx1">
+                            <a:lumMod val="65000"/>
+                            <a:lumOff val="35000"/>
+                          </a:schemeClr>
+                        </a:solidFill>
+                        <a:latin typeface="Arial Narrow" panose="020B0606020202030204" pitchFamily="34" charset="0"/>
+                      </a:endParaRPr>
+                    </a:p>
+                  </a:txBody>
+                  <a:tcPr>
+                    <a:solidFill>
+                      <a:schemeClr val="bg1">
+                        <a:lumMod val="85000"/>
+                      </a:schemeClr>
+                    </a:solidFill>
+                  </a:tcPr>
+                </a:tc>
+              </a:tr>
+              <a:tr h="370840">
+                <a:tc>
+                  <a:txBody>
+                    <a:bodyPr/>
+                    <a:lstStyle/>
+                    <a:p>
+                      <a:r>
+                        <a:rPr lang="es-MX" b="1" dirty="0" smtClean="0">
+                          <a:solidFill>
+                            <a:schemeClr val="tx1">
+                              <a:lumMod val="65000"/>
+                              <a:lumOff val="35000"/>
+                            </a:schemeClr>
+                          </a:solidFill>
+                          <a:latin typeface="Arial Narrow" panose="020B0606020202030204" pitchFamily="34" charset="0"/>
+                        </a:rPr>
+                        <a:t>TOTAL</a:t>
+                      </a:r>
+                      <a:endParaRPr lang="es-MX" b="1" dirty="0">
+                        <a:solidFill>
+                          <a:schemeClr val="tx1">
+                            <a:lumMod val="65000"/>
+                            <a:lumOff val="35000"/>
+                          </a:schemeClr>
+                        </a:solidFill>
+                        <a:latin typeface="Arial Narrow" panose="020B0606020202030204" pitchFamily="34" charset="0"/>
+                      </a:endParaRPr>
+                    </a:p>
+                  </a:txBody>
+                  <a:tcPr/>
+                </a:tc>
+                <a:tc>
+                  <a:txBody>
+                    <a:bodyPr/>
+                    <a:lstStyle/>
+                    <a:p>
+                      <a:pPr algn="ctr"/>
+                      <a:endParaRPr lang="es-MX" b="1" dirty="0">
+                        <a:solidFill>
+                          <a:schemeClr val="tx1">
+                            <a:lumMod val="65000"/>
+                            <a:lumOff val="35000"/>
+                          </a:schemeClr>
+                        </a:solidFill>
+                        <a:latin typeface="Arial Narrow" panose="020B0606020202030204" pitchFamily="34" charset="0"/>
+                      </a:endParaRPr>
+                    </a:p>
+                  </a:txBody>
+                  <a:tcPr/>
+                </a:tc>
+                <a:tc>
+                  <a:txBody>
+                    <a:bodyPr/>
+                    <a:lstStyle/>
+                    <a:p>
+                      <a:pPr algn="ctr"/>
+                      <a:endParaRPr lang="es-MX" b="1" dirty="0">
+                        <a:solidFill>
+                          <a:schemeClr val="tx1">
+                            <a:lumMod val="65000"/>
+                            <a:lumOff val="35000"/>
+                          </a:schemeClr>
+                        </a:solidFill>
+                        <a:latin typeface="Arial Narrow" panose="020B0606020202030204" pitchFamily="34" charset="0"/>
+                      </a:endParaRPr>
+                    </a:p>
+                  </a:txBody>
+                  <a:tcPr/>
+                </a:tc>
+              </a:tr>
+            </a:tbl>
+          </a:graphicData>
+        </a:graphic>
+      </p:graphicFrame>
+      <p:pic>
+        <p:nvPicPr>
+          <p:cNvPr id="5" name="4 Imagen"/>
+          <p:cNvPicPr>
+            <a:picLocks noChangeAspect="1"/>
+          </p:cNvPicPr>
+          <p:nvPr/>
+        </p:nvPicPr>
+        <p:blipFill>
+          <a:blip r:embed="rId2" cstate="print">
+            <a:extLst>
+              <a:ext uri="{28A0092B-C50C-407E-A947-70E740481C1C}">
+                <a14:useLocalDpi xmlns:a14="http://schemas.microsoft.com/office/drawing/2010/main" val="0"/>
+              </a:ext>
+            </a:extLst>
+          </a:blip>
+          <a:stretch>
+            <a:fillRect/>
+          </a:stretch>
+        </p:blipFill>
+        <p:spPr>
+          <a:xfrm>
+            <a:off x="337946" y="1581317"/>
+            <a:ext cx="335970" cy="401652"/>
+          </a:xfrm>
+          <a:prstGeom prst="rect">
+            <a:avLst/>
+          </a:prstGeom>
+        </p:spPr>
+      </p:pic>
+      <p:pic>
+        <p:nvPicPr>
+          <p:cNvPr id="6" name="5 Imagen">
+            <a:hlinkClick r:id="rId3" action="ppaction://hlinkpres?slideindex=2&amp;slidetitle=Obras Concluidas por Sector"/>
+          </p:cNvPr>
+          <p:cNvPicPr>
+            <a:picLocks noChangeAspect="1"/>
+          </p:cNvPicPr>
+          <p:nvPr/>
+        </p:nvPicPr>
+        <p:blipFill>
+          <a:blip r:embed="rId4">
+            <a:extLst>
+              <a:ext uri="{28A0092B-C50C-407E-A947-70E740481C1C}">
+                <a14:useLocalDpi xmlns:a14="http://schemas.microsoft.com/office/drawing/2010/main" val="0"/>
+              </a:ext>
+            </a:extLst>
+          </a:blip>
+          <a:stretch>
+            <a:fillRect/>
+          </a:stretch>
+        </p:blipFill>
+        <p:spPr>
+          <a:xfrm>
+            <a:off x="8822656" y="6475642"/>
+            <a:ext cx="234000" cy="303946"/>
+          </a:xfrm>
+          <a:prstGeom prst="rect">
+            <a:avLst/>
+          </a:prstGeom>
+        </p:spPr>
+      </p:pic>
+      <p:sp>
+        <p:nvSpPr>
+          <p:cNvPr id="14" name="1 Título"/>
+          <p:cNvSpPr>
+            <a:spLocks noGrp="1"/>
+          </p:cNvSpPr>
+          <p:nvPr>
+            <p:ph type="title"/>
+          </p:nvPr>
+        </p:nvSpPr>
+        <p:spPr>
+          <a:xfrm>
+            <a:off x="457200" y="830886"/>
+            <a:ext cx="8229600" cy="391167"/>
+          </a:xfrm>
+        </p:spPr>
+        <p:txBody>
+          <a:bodyPr>
+            <a:normAutofit fontScale="90000"/>
+          </a:bodyPr>
+          <a:lstStyle/>
+          <a:p>
+            <a:pPr marL="0" lvl="0" indent="723900" algn="r">
+              <a:lnSpc>
+                <a:spcPct val="115000"/>
+              </a:lnSpc>
+              <a:spcAft>
+                <a:spcPts val="0"/>
+              </a:spcAft>
+            </a:pPr>
+            <a:r>
+              <a:rPr lang="es-MX" dirty="0">
+                <a:ea typeface="Calibri"/>
+                <a:cs typeface="Times New Roman"/>
+              </a:rPr>
+              <a:t>| Obras </a:t>
+            </a:r>
+            <a:r>
+              <a:rPr lang="es-MX" dirty="0" smtClean="0">
+                <a:ea typeface="Calibri"/>
+                <a:cs typeface="Times New Roman"/>
+              </a:rPr>
+              <a:t>concluidas, en Proceso y Proyectadas por </a:t>
+            </a:r>
+            <a:r>
+              <a:rPr lang="es-MX" dirty="0" smtClean="0">
+                <a:solidFill>
+                  <a:schemeClr val="tx1"/>
+                </a:solidFill>
+                <a:ea typeface="Calibri"/>
+                <a:cs typeface="Times New Roman"/>
+              </a:rPr>
+              <a:t>SECTOR </a:t>
+            </a:r>
+            <a:r>
+              <a:rPr lang="es-MX" dirty="0" smtClean="0">
+                <a:ea typeface="Calibri"/>
+                <a:cs typeface="Times New Roman"/>
+              </a:rPr>
+              <a:t>|</a:t>
+            </a:r>
+            <a:endParaRPr lang="es-MX" dirty="0">
+              <a:ea typeface="Calibri"/>
+              <a:cs typeface="Times New Roman"/>
+            </a:endParaRPr>
+          </a:p>
+        </p:txBody>
+      </p:sp>
+      <p:sp>
+        <p:nvSpPr>
+          <p:cNvPr id="13" name="12 CuadroTexto"/>
+          <p:cNvSpPr txBox="1"/>
+          <p:nvPr/>
+        </p:nvSpPr>
+        <p:spPr>
+          <a:xfrm>
+            <a:off x="3806456" y="3851322"/>
+            <a:ext cx="1531088" cy="369332"/>
+          </a:xfrm>
+          <a:prstGeom prst="rect">
+            <a:avLst/>
+          </a:prstGeom>
+          <a:noFill/>
+        </p:spPr>
+        <p:txBody>
+          <a:bodyPr wrap="square" rtlCol="0">
+            <a:spAutoFit/>
+          </a:bodyPr>
+          <a:lstStyle/>
+          <a:p>
+            <a:pPr algn="r"/>
+            <a:r>
+              <a:rPr lang="es-MX" dirty="0" smtClean="0">
+                <a:latin typeface="Arial Narrow" panose="020B0606020202030204" pitchFamily="34" charset="0"/>
+              </a:rPr>
+              <a:t>I</a:t>
+            </a:r>
+            <a:endParaRPr lang="es-MX" dirty="0">
+              <a:latin typeface="Arial Narrow" panose="020B0606020202030204" pitchFamily="34" charset="0"/>
+            </a:endParaRPr>
+          </a:p>
+        </p:txBody>
+      </p:sp>
+      <p:sp>
+        <p:nvSpPr>
+          <p:cNvPr id="15" name="14 CuadroTexto"/>
+          <p:cNvSpPr txBox="1"/>
+          <p:nvPr/>
+        </p:nvSpPr>
+        <p:spPr>
+          <a:xfrm>
+            <a:off x="6007394" y="3838206"/>
+            <a:ext cx="1612606" cy="369332"/>
+          </a:xfrm>
+          <a:prstGeom prst="rect">
+            <a:avLst/>
+          </a:prstGeom>
+          <a:noFill/>
+        </p:spPr>
+        <p:txBody>
+          <a:bodyPr wrap="square" rtlCol="0">
+            <a:spAutoFit/>
+          </a:bodyPr>
+          <a:lstStyle/>
+          <a:p>
+            <a:pPr algn="r"/>
+            <a:r>
+              <a:rPr lang="es-MX" dirty="0" smtClean="0">
+                <a:latin typeface="Arial Narrow" panose="020B0606020202030204" pitchFamily="34" charset="0"/>
+              </a:rPr>
+              <a:t>I</a:t>
+            </a:r>
+            <a:endParaRPr lang="es-MX" dirty="0">
+              <a:latin typeface="Arial Narrow" panose="020B0606020202030204" pitchFamily="34" charset="0"/>
+            </a:endParaRPr>
+          </a:p>
+        </p:txBody>
+      </p:sp>
+      <p:sp>
+        <p:nvSpPr>
+          <p:cNvPr id="16" name="15 CuadroTexto"/>
+          <p:cNvSpPr txBox="1"/>
+          <p:nvPr/>
+        </p:nvSpPr>
+        <p:spPr>
+          <a:xfrm>
+            <a:off x="3806456" y="4231288"/>
+            <a:ext cx="1531088" cy="369332"/>
+          </a:xfrm>
+          <a:prstGeom prst="rect">
+            <a:avLst/>
+          </a:prstGeom>
+          <a:noFill/>
+        </p:spPr>
+        <p:txBody>
+          <a:bodyPr wrap="square" rtlCol="0">
+            <a:spAutoFit/>
+          </a:bodyPr>
+          <a:lstStyle/>
+          <a:p>
+            <a:pPr algn="r"/>
+            <a:r>
+              <a:rPr lang="es-MX" dirty="0" smtClean="0">
+                <a:latin typeface="Arial Narrow" panose="020B0606020202030204" pitchFamily="34" charset="0"/>
+              </a:rPr>
+              <a:t>I</a:t>
+            </a:r>
+            <a:endParaRPr lang="es-MX" dirty="0">
+              <a:latin typeface="Arial Narrow" panose="020B0606020202030204" pitchFamily="34" charset="0"/>
+            </a:endParaRPr>
+          </a:p>
+        </p:txBody>
+      </p:sp>
+      <p:sp>
+        <p:nvSpPr>
+          <p:cNvPr id="17" name="16 CuadroTexto"/>
+          <p:cNvSpPr txBox="1"/>
+          <p:nvPr/>
+        </p:nvSpPr>
+        <p:spPr>
+          <a:xfrm>
+            <a:off x="6007394" y="4219413"/>
+            <a:ext cx="1612606" cy="369332"/>
+          </a:xfrm>
+          <a:prstGeom prst="rect">
+            <a:avLst/>
+          </a:prstGeom>
+          <a:noFill/>
+        </p:spPr>
+        <p:txBody>
+          <a:bodyPr wrap="square" rtlCol="0">
+            <a:spAutoFit/>
+          </a:bodyPr>
+          <a:lstStyle/>
+          <a:p>
+            <a:pPr algn="r"/>
+            <a:r>
+              <a:rPr lang="es-MX" dirty="0" smtClean="0">
+                <a:latin typeface="Arial Narrow" panose="020B0606020202030204" pitchFamily="34" charset="0"/>
+              </a:rPr>
+              <a:t>I</a:t>
+            </a:r>
+            <a:endParaRPr lang="es-MX" dirty="0">
+              <a:latin typeface="Arial Narrow" panose="020B0606020202030204" pitchFamily="34" charset="0"/>
+            </a:endParaRPr>
+          </a:p>
+        </p:txBody>
+      </p:sp>
+      <p:sp>
+        <p:nvSpPr>
+          <p:cNvPr id="18" name="17 CuadroTexto"/>
+          <p:cNvSpPr txBox="1"/>
+          <p:nvPr/>
+        </p:nvSpPr>
+        <p:spPr>
+          <a:xfrm>
+            <a:off x="3806456" y="4993171"/>
+            <a:ext cx="1531088" cy="369332"/>
+          </a:xfrm>
+          <a:prstGeom prst="rect">
+            <a:avLst/>
+          </a:prstGeom>
+          <a:noFill/>
+        </p:spPr>
+        <p:txBody>
+          <a:bodyPr wrap="square" rtlCol="0">
+            <a:spAutoFit/>
+          </a:bodyPr>
+          <a:lstStyle/>
+          <a:p>
+            <a:pPr algn="r"/>
+            <a:r>
+              <a:rPr lang="es-MX" b="1" dirty="0" smtClean="0">
+                <a:latin typeface="Arial Narrow" panose="020B0606020202030204" pitchFamily="34" charset="0"/>
+              </a:rPr>
+              <a:t>I</a:t>
+            </a:r>
+            <a:endParaRPr lang="es-MX" b="1" dirty="0">
+              <a:latin typeface="Arial Narrow" panose="020B0606020202030204" pitchFamily="34" charset="0"/>
+            </a:endParaRPr>
+          </a:p>
+        </p:txBody>
+      </p:sp>
+      <p:sp>
+        <p:nvSpPr>
+          <p:cNvPr id="19" name="18 CuadroTexto"/>
+          <p:cNvSpPr txBox="1"/>
+          <p:nvPr/>
+        </p:nvSpPr>
+        <p:spPr>
+          <a:xfrm>
+            <a:off x="6030452" y="4993171"/>
+            <a:ext cx="1589547" cy="369332"/>
+          </a:xfrm>
+          <a:prstGeom prst="rect">
+            <a:avLst/>
+          </a:prstGeom>
+          <a:noFill/>
+        </p:spPr>
+        <p:txBody>
+          <a:bodyPr wrap="square" rtlCol="0">
+            <a:spAutoFit/>
+          </a:bodyPr>
+          <a:lstStyle/>
+          <a:p>
+            <a:pPr algn="r"/>
+            <a:r>
+              <a:rPr lang="es-MX" b="1" dirty="0" smtClean="0">
+                <a:latin typeface="Arial Narrow" panose="020B0606020202030204" pitchFamily="34" charset="0"/>
+              </a:rPr>
+              <a:t>I</a:t>
+            </a:r>
+            <a:endParaRPr lang="es-MX" b="1" dirty="0">
+              <a:latin typeface="Arial Narrow" panose="020B0606020202030204" pitchFamily="34" charset="0"/>
+            </a:endParaRPr>
+          </a:p>
+        </p:txBody>
+      </p:sp>
+      <p:sp>
+        <p:nvSpPr>
+          <p:cNvPr id="20" name="19 CuadroTexto"/>
+          <p:cNvSpPr txBox="1"/>
+          <p:nvPr/>
+        </p:nvSpPr>
+        <p:spPr>
+          <a:xfrm>
+            <a:off x="3806456" y="4616636"/>
+            <a:ext cx="1531088" cy="369332"/>
+          </a:xfrm>
+          <a:prstGeom prst="rect">
+            <a:avLst/>
+          </a:prstGeom>
+          <a:noFill/>
+        </p:spPr>
+        <p:txBody>
+          <a:bodyPr wrap="square" rtlCol="0">
+            <a:spAutoFit/>
+          </a:bodyPr>
+          <a:lstStyle/>
+          <a:p>
+            <a:pPr algn="r"/>
+            <a:r>
+              <a:rPr lang="es-MX" dirty="0" smtClean="0">
+                <a:latin typeface="Arial Narrow" panose="020B0606020202030204" pitchFamily="34" charset="0"/>
+              </a:rPr>
+              <a:t>I</a:t>
+            </a:r>
+            <a:endParaRPr lang="es-MX" dirty="0">
+              <a:latin typeface="Arial Narrow" panose="020B0606020202030204" pitchFamily="34" charset="0"/>
+            </a:endParaRPr>
+          </a:p>
+        </p:txBody>
+      </p:sp>
+      <p:sp>
+        <p:nvSpPr>
+          <p:cNvPr id="21" name="20 CuadroTexto"/>
+          <p:cNvSpPr txBox="1"/>
+          <p:nvPr/>
+        </p:nvSpPr>
+        <p:spPr>
+          <a:xfrm>
+            <a:off x="6007394" y="4627270"/>
+            <a:ext cx="1612606" cy="369332"/>
+          </a:xfrm>
+          <a:prstGeom prst="rect">
+            <a:avLst/>
+          </a:prstGeom>
+          <a:noFill/>
+        </p:spPr>
+        <p:txBody>
+          <a:bodyPr wrap="square" rtlCol="0">
+            <a:spAutoFit/>
+          </a:bodyPr>
+          <a:lstStyle/>
+          <a:p>
+            <a:pPr algn="r"/>
+            <a:r>
+              <a:rPr lang="es-MX" dirty="0" smtClean="0">
+                <a:latin typeface="Arial Narrow" panose="020B0606020202030204" pitchFamily="34" charset="0"/>
+              </a:rPr>
+              <a:t>I</a:t>
+            </a:r>
+            <a:endParaRPr lang="es-MX" dirty="0">
+              <a:latin typeface="Arial Narrow" panose="020B0606020202030204" pitchFamily="34" charset="0"/>
+            </a:endParaRPr>
+          </a:p>
+        </p:txBody>
+      </p:sp>
+    </p:spTree>
+    <p:extLst>
+      <p:ext uri="{BB962C8B-B14F-4D97-AF65-F5344CB8AC3E}">
+        <p14:creationId xmlns:p14="http://schemas.microsoft.com/office/powerpoint/2010/main" val="26004972"/>
+      </p:ext>
+    </p:extLst>
+  </p:cSld>
+  <p:clrMapOvr>
+    <a:masterClrMapping/>
+  </p:clrMapOvr>
+  <p:timing>
+    <p:tnLst>
+      <p:par>
+        <p:cTn id="1" dur="indefinite" restart="never" nodeType="tmRoot"/>
+      </p:par>
+    </p:tnLst>
+  </p:timing>
+</p:sld>
+</file>
+
+<file path=ppt/slides/slide32.xml><?xml version="1.0" encoding="utf-8"?>
 <p:sld xmlns:a="http://schemas.openxmlformats.org/drawingml/2006/main" xmlns:r="http://schemas.openxmlformats.org/officeDocument/2006/relationships" xmlns:p="http://schemas.openxmlformats.org/presentationml/2006/main">
   <p:cSld>
     <p:spTree>
